--- a/Expos/Espinoza_PrimerExpo.pptx
+++ b/Expos/Espinoza_PrimerExpo.pptx
@@ -7,19 +7,25 @@
   <p:sldIdLst>
     <p:sldId id="262" r:id="rId2"/>
     <p:sldId id="269" r:id="rId3"/>
-    <p:sldId id="270" r:id="rId4"/>
-    <p:sldId id="271" r:id="rId5"/>
+    <p:sldId id="275" r:id="rId4"/>
+    <p:sldId id="277" r:id="rId5"/>
     <p:sldId id="272" r:id="rId6"/>
-    <p:sldId id="256" r:id="rId7"/>
-    <p:sldId id="257" r:id="rId8"/>
-    <p:sldId id="259" r:id="rId9"/>
-    <p:sldId id="258" r:id="rId10"/>
-    <p:sldId id="260" r:id="rId11"/>
-    <p:sldId id="261" r:id="rId12"/>
-    <p:sldId id="263" r:id="rId13"/>
-    <p:sldId id="264" r:id="rId14"/>
-    <p:sldId id="265" r:id="rId15"/>
-    <p:sldId id="267" r:id="rId16"/>
+    <p:sldId id="273" r:id="rId7"/>
+    <p:sldId id="278" r:id="rId8"/>
+    <p:sldId id="271" r:id="rId9"/>
+    <p:sldId id="276" r:id="rId10"/>
+    <p:sldId id="256" r:id="rId11"/>
+    <p:sldId id="259" r:id="rId12"/>
+    <p:sldId id="257" r:id="rId13"/>
+    <p:sldId id="279" r:id="rId14"/>
+    <p:sldId id="280" r:id="rId15"/>
+    <p:sldId id="258" r:id="rId16"/>
+    <p:sldId id="260" r:id="rId17"/>
+    <p:sldId id="261" r:id="rId18"/>
+    <p:sldId id="263" r:id="rId19"/>
+    <p:sldId id="264" r:id="rId20"/>
+    <p:sldId id="265" r:id="rId21"/>
+    <p:sldId id="267" r:id="rId22"/>
   </p:sldIdLst>
   <p:sldSz cx="9144000" cy="6858000" type="screen4x3"/>
   <p:notesSz cx="6858000" cy="9144000"/>
@@ -371,7 +377,7 @@
             <a:fld id="{B61BEF0D-F0BB-DE4B-95CE-6DB70DBA9567}" type="datetimeFigureOut">
               <a:rPr lang="en-US" smtClean="0"/>
               <a:pPr/>
-              <a:t>8/24/2017</a:t>
+              <a:t>8/31/2017</a:t>
             </a:fld>
             <a:endParaRPr lang="en-US" dirty="0"/>
           </a:p>
@@ -620,7 +626,7 @@
             <a:fld id="{B61BEF0D-F0BB-DE4B-95CE-6DB70DBA9567}" type="datetimeFigureOut">
               <a:rPr lang="en-US" smtClean="0"/>
               <a:pPr/>
-              <a:t>8/24/2017</a:t>
+              <a:t>8/31/2017</a:t>
             </a:fld>
             <a:endParaRPr lang="en-US" dirty="0"/>
           </a:p>
@@ -857,7 +863,7 @@
             <a:fld id="{B61BEF0D-F0BB-DE4B-95CE-6DB70DBA9567}" type="datetimeFigureOut">
               <a:rPr lang="en-US" smtClean="0"/>
               <a:pPr/>
-              <a:t>8/24/2017</a:t>
+              <a:t>8/31/2017</a:t>
             </a:fld>
             <a:endParaRPr lang="en-US" dirty="0"/>
           </a:p>
@@ -1089,7 +1095,7 @@
             <a:fld id="{B61BEF0D-F0BB-DE4B-95CE-6DB70DBA9567}" type="datetimeFigureOut">
               <a:rPr lang="en-US" smtClean="0"/>
               <a:pPr/>
-              <a:t>8/24/2017</a:t>
+              <a:t>8/31/2017</a:t>
             </a:fld>
             <a:endParaRPr lang="en-US" dirty="0"/>
           </a:p>
@@ -1393,7 +1399,7 @@
             <a:fld id="{B61BEF0D-F0BB-DE4B-95CE-6DB70DBA9567}" type="datetimeFigureOut">
               <a:rPr lang="en-US" smtClean="0"/>
               <a:pPr/>
-              <a:t>8/24/2017</a:t>
+              <a:t>8/31/2017</a:t>
             </a:fld>
             <a:endParaRPr lang="en-US" dirty="0"/>
           </a:p>
@@ -1692,7 +1698,7 @@
             <a:fld id="{B61BEF0D-F0BB-DE4B-95CE-6DB70DBA9567}" type="datetimeFigureOut">
               <a:rPr lang="en-US" smtClean="0"/>
               <a:pPr/>
-              <a:t>8/24/2017</a:t>
+              <a:t>8/31/2017</a:t>
             </a:fld>
             <a:endParaRPr lang="en-US" dirty="0"/>
           </a:p>
@@ -2115,7 +2121,7 @@
             <a:fld id="{B61BEF0D-F0BB-DE4B-95CE-6DB70DBA9567}" type="datetimeFigureOut">
               <a:rPr lang="en-US" smtClean="0"/>
               <a:pPr/>
-              <a:t>8/24/2017</a:t>
+              <a:t>8/31/2017</a:t>
             </a:fld>
             <a:endParaRPr lang="en-US" dirty="0"/>
           </a:p>
@@ -2274,7 +2280,7 @@
             <a:fld id="{B61BEF0D-F0BB-DE4B-95CE-6DB70DBA9567}" type="datetimeFigureOut">
               <a:rPr lang="en-US" smtClean="0"/>
               <a:pPr/>
-              <a:t>8/24/2017</a:t>
+              <a:t>8/31/2017</a:t>
             </a:fld>
             <a:endParaRPr lang="en-US" dirty="0"/>
           </a:p>
@@ -2371,7 +2377,7 @@
             <a:fld id="{B61BEF0D-F0BB-DE4B-95CE-6DB70DBA9567}" type="datetimeFigureOut">
               <a:rPr lang="en-US" smtClean="0"/>
               <a:pPr/>
-              <a:t>8/24/2017</a:t>
+              <a:t>8/31/2017</a:t>
             </a:fld>
             <a:endParaRPr lang="en-US" dirty="0"/>
           </a:p>
@@ -2751,7 +2757,7 @@
             <a:fld id="{B61BEF0D-F0BB-DE4B-95CE-6DB70DBA9567}" type="datetimeFigureOut">
               <a:rPr lang="en-US" smtClean="0"/>
               <a:pPr/>
-              <a:t>8/24/2017</a:t>
+              <a:t>8/31/2017</a:t>
             </a:fld>
             <a:endParaRPr lang="en-US" dirty="0"/>
           </a:p>
@@ -3042,7 +3048,7 @@
             <a:fld id="{B61BEF0D-F0BB-DE4B-95CE-6DB70DBA9567}" type="datetimeFigureOut">
               <a:rPr lang="en-US" smtClean="0"/>
               <a:pPr/>
-              <a:t>8/24/2017</a:t>
+              <a:t>8/31/2017</a:t>
             </a:fld>
             <a:endParaRPr lang="en-US" dirty="0"/>
           </a:p>
@@ -3255,7 +3261,7 @@
             <a:fld id="{B61BEF0D-F0BB-DE4B-95CE-6DB70DBA9567}" type="datetimeFigureOut">
               <a:rPr lang="en-US" smtClean="0"/>
               <a:pPr/>
-              <a:t>8/24/2017</a:t>
+              <a:t>8/31/2017</a:t>
             </a:fld>
             <a:endParaRPr lang="en-US" dirty="0"/>
           </a:p>
@@ -4241,8 +4247,8 @@
         </p:nvSpPr>
         <p:spPr>
           <a:xfrm>
-            <a:off x="0" y="548641"/>
-            <a:ext cx="9143999" cy="6309360"/>
+            <a:off x="0" y="0"/>
+            <a:ext cx="9144000" cy="6858000"/>
           </a:xfrm>
           <a:prstGeom prst="rect">
             <a:avLst/>
@@ -4276,7 +4282,7 @@
           </a:p>
         </p:txBody>
       </p:sp>
-      <p:sp>
+      <p:sp useBgFill="1">
         <p:nvSpPr>
           <p:cNvPr id="12" name="Rectangle 11"/>
           <p:cNvSpPr>
@@ -4292,8 +4298,59 @@
         </p:nvSpPr>
         <p:spPr>
           <a:xfrm>
-            <a:off x="346077" y="723899"/>
-            <a:ext cx="2777490" cy="5666666"/>
+            <a:off x="0" y="638175"/>
+            <a:ext cx="9143999" cy="6219825"/>
+          </a:xfrm>
+          <a:prstGeom prst="rect">
+            <a:avLst/>
+          </a:prstGeom>
+          <a:ln>
+            <a:noFill/>
+          </a:ln>
+        </p:spPr>
+        <p:style>
+          <a:lnRef idx="2">
+            <a:schemeClr val="accent1">
+              <a:shade val="50000"/>
+            </a:schemeClr>
+          </a:lnRef>
+          <a:fillRef idx="1">
+            <a:schemeClr val="accent1"/>
+          </a:fillRef>
+          <a:effectRef idx="0">
+            <a:schemeClr val="accent1"/>
+          </a:effectRef>
+          <a:fontRef idx="minor">
+            <a:schemeClr val="lt1"/>
+          </a:fontRef>
+        </p:style>
+        <p:txBody>
+          <a:bodyPr rtlCol="0" anchor="ctr"/>
+          <a:lstStyle/>
+          <a:p>
+            <a:pPr algn="ctr"/>
+            <a:endParaRPr lang="en-US"/>
+          </a:p>
+        </p:txBody>
+      </p:sp>
+      <p:sp>
+        <p:nvSpPr>
+          <p:cNvPr id="14" name="Rectangle 13"/>
+          <p:cNvSpPr>
+            <a:spLocks noGrp="1" noRot="1" noChangeAspect="1" noMove="1" noResize="1" noEditPoints="1" noAdjustHandles="1" noChangeArrowheads="1" noChangeShapeType="1" noTextEdit="1"/>
+          </p:cNvSpPr>
+          <p:nvPr>
+            <p:extLst>
+              <p:ext uri="{386F3935-93C4-4BCD-93E2-E3B085C9AB24}">
+                <p16:designElem xmlns:p16="http://schemas.microsoft.com/office/powerpoint/2015/main" val="1"/>
+              </p:ext>
+            </p:extLst>
+          </p:nvPr>
+        </p:nvSpPr>
+        <p:spPr>
+          <a:xfrm>
+            <a:off x="5052059" y="723899"/>
+            <a:ext cx="3757041" cy="5666666"/>
           </a:xfrm>
           <a:prstGeom prst="rect">
             <a:avLst/>
@@ -4321,9 +4378,38 @@
           </a:fontRef>
         </p:style>
       </p:sp>
-      <p:sp>
-        <p:nvSpPr>
-          <p:cNvPr id="14" name="Rectangle 13"/>
+      <p:pic>
+        <p:nvPicPr>
+          <p:cNvPr id="5" name="Picture 4">
+            <a:extLst>
+              <a:ext uri="{FF2B5EF4-FFF2-40B4-BE49-F238E27FC236}">
+                <a16:creationId xmlns:a16="http://schemas.microsoft.com/office/drawing/2014/main" id="{EF1277C0-A4DE-4507-8777-8889F097649C}"/>
+              </a:ext>
+            </a:extLst>
+          </p:cNvPr>
+          <p:cNvPicPr>
+            <a:picLocks noChangeAspect="1"/>
+          </p:cNvPicPr>
+          <p:nvPr/>
+        </p:nvPicPr>
+        <p:blipFill rotWithShape="1">
+          <a:blip r:embed="rId2"/>
+          <a:srcRect l="10966" r="8786" b="2"/>
+          <a:stretch/>
+        </p:blipFill>
+        <p:spPr>
+          <a:xfrm>
+            <a:off x="334899" y="723899"/>
+            <a:ext cx="4652131" cy="5666666"/>
+          </a:xfrm>
+          <a:prstGeom prst="rect">
+            <a:avLst/>
+          </a:prstGeom>
+        </p:spPr>
+      </p:pic>
+      <p:sp>
+        <p:nvSpPr>
+          <p:cNvPr id="16" name="Rectangle 15"/>
           <p:cNvSpPr>
             <a:spLocks noGrp="1" noRot="1" noChangeAspect="1" noMove="1" noResize="1" noEditPoints="1" noAdjustHandles="1" noChangeArrowheads="1" noChangeShapeType="1" noTextEdit="1"/>
           </p:cNvSpPr>
@@ -4368,7 +4454,7 @@
       </p:sp>
       <p:sp>
         <p:nvSpPr>
-          <p:cNvPr id="16" name="Rectangle 15"/>
+          <p:cNvPr id="18" name="Rectangle 17"/>
           <p:cNvSpPr>
             <a:spLocks noGrp="1" noRot="1" noChangeAspect="1" noMove="1" noResize="1" noEditPoints="1" noAdjustHandles="1" noChangeArrowheads="1" noChangeShapeType="1" noTextEdit="1"/>
           </p:cNvSpPr>
@@ -4413,7 +4499,7 @@
       </p:sp>
       <p:sp>
         <p:nvSpPr>
-          <p:cNvPr id="18" name="Rectangle 17"/>
+          <p:cNvPr id="20" name="Rectangle 19"/>
           <p:cNvSpPr>
             <a:spLocks noGrp="1" noRot="1" noChangeAspect="1" noMove="1" noResize="1" noEditPoints="1" noAdjustHandles="1" noChangeArrowheads="1" noChangeShapeType="1" noTextEdit="1"/>
           </p:cNvSpPr>
@@ -4456,92 +4542,26 @@
           </a:fontRef>
         </p:style>
       </p:sp>
-      <p:pic>
-        <p:nvPicPr>
-          <p:cNvPr id="5" name="Picture 4">
+      <p:sp>
+        <p:nvSpPr>
+          <p:cNvPr id="2" name="Title 1">
             <a:extLst>
               <a:ext uri="{FF2B5EF4-FFF2-40B4-BE49-F238E27FC236}">
-                <a16:creationId xmlns:a16="http://schemas.microsoft.com/office/drawing/2014/main" id="{8C3D15C5-CA89-4D91-B37E-569E0F320FE4}"/>
+                <a16:creationId xmlns:a16="http://schemas.microsoft.com/office/drawing/2014/main" id="{0B680850-5E62-4471-9532-01BB05C5949A}"/>
               </a:ext>
             </a:extLst>
           </p:cNvPr>
-          <p:cNvPicPr>
-            <a:picLocks noChangeAspect="1"/>
-          </p:cNvPicPr>
-          <p:nvPr/>
-        </p:nvPicPr>
-        <p:blipFill>
-          <a:blip r:embed="rId2"/>
-          <a:stretch>
-            <a:fillRect/>
-          </a:stretch>
-        </p:blipFill>
-        <p:spPr>
-          <a:xfrm>
-            <a:off x="3421402" y="4722242"/>
-            <a:ext cx="5325184" cy="1624183"/>
-          </a:xfrm>
-          <a:prstGeom prst="rect">
-            <a:avLst/>
-          </a:prstGeom>
-        </p:spPr>
-      </p:pic>
-      <p:sp>
-        <p:nvSpPr>
-          <p:cNvPr id="2" name="Title 1">
-            <a:extLst>
-              <a:ext uri="{FF2B5EF4-FFF2-40B4-BE49-F238E27FC236}">
-                <a16:creationId xmlns:a16="http://schemas.microsoft.com/office/drawing/2014/main" id="{34B3A271-E4F0-45BC-BADA-B501D8A4C523}"/>
-              </a:ext>
-            </a:extLst>
-          </p:cNvPr>
           <p:cNvSpPr>
             <a:spLocks noGrp="1"/>
           </p:cNvSpPr>
           <p:nvPr>
-            <p:ph type="title"/>
-          </p:nvPr>
-        </p:nvSpPr>
-        <p:spPr>
-          <a:xfrm>
-            <a:off x="602391" y="1209184"/>
-            <a:ext cx="2316892" cy="4734416"/>
-          </a:xfrm>
-        </p:spPr>
-        <p:txBody>
-          <a:bodyPr anchor="ctr">
-            <a:normAutofit/>
-          </a:bodyPr>
-          <a:lstStyle/>
-          <a:p>
-            <a:r>
-              <a:rPr lang="es-US" dirty="0" err="1"/>
-              <a:t>LInux</a:t>
-            </a:r>
-            <a:endParaRPr lang="es-US" dirty="0"/>
-          </a:p>
-        </p:txBody>
-      </p:sp>
-      <p:sp>
-        <p:nvSpPr>
-          <p:cNvPr id="3" name="Content Placeholder 2">
-            <a:extLst>
-              <a:ext uri="{FF2B5EF4-FFF2-40B4-BE49-F238E27FC236}">
-                <a16:creationId xmlns:a16="http://schemas.microsoft.com/office/drawing/2014/main" id="{F7E5329E-524B-4E18-942D-3A572B09BEA9}"/>
-              </a:ext>
-            </a:extLst>
-          </p:cNvPr>
-          <p:cNvSpPr>
-            <a:spLocks noGrp="1"/>
-          </p:cNvSpPr>
-          <p:nvPr>
-            <p:ph idx="1"/>
-          </p:nvPr>
-        </p:nvSpPr>
-        <p:spPr>
-          <a:xfrm>
-            <a:off x="3421402" y="723899"/>
-            <a:ext cx="5387698" cy="3678303"/>
+            <p:ph type="ctrTitle"/>
+          </p:nvPr>
+        </p:nvSpPr>
+        <p:spPr>
+          <a:xfrm>
+            <a:off x="5446450" y="1419225"/>
+            <a:ext cx="3086938" cy="2085869"/>
           </a:xfrm>
         </p:spPr>
         <p:txBody>
@@ -4551,45 +4571,64 @@
           <a:lstStyle/>
           <a:p>
             <a:r>
-              <a:rPr lang="es-MX" dirty="0"/>
-              <a:t>Es el núcleo más usado con GNU, aunque Linux en sí no es parte del proyecto GNU </a:t>
-            </a:r>
-          </a:p>
-          <a:p>
-            <a:r>
-              <a:rPr lang="es-MX" dirty="0"/>
-              <a:t>(Linux-libre sin embargo sí lo es). </a:t>
-            </a:r>
-          </a:p>
-          <a:p>
-            <a:r>
-              <a:rPr lang="es-MX" dirty="0"/>
-              <a:t>GNU también es utilizado con otros núcleos, como en Debian GNU/</a:t>
-            </a:r>
-            <a:r>
-              <a:rPr lang="es-MX" dirty="0" err="1"/>
-              <a:t>kFreeBSD</a:t>
-            </a:r>
-            <a:r>
-              <a:rPr lang="es-MX" dirty="0"/>
-              <a:t>, Debian GNU/</a:t>
-            </a:r>
-            <a:r>
-              <a:rPr lang="es-MX" dirty="0" err="1"/>
-              <a:t>NetBSD</a:t>
-            </a:r>
-            <a:r>
-              <a:rPr lang="es-MX" dirty="0"/>
-              <a:t>, Nexenta OS o GNU-Darwin.</a:t>
-            </a:r>
-            <a:endParaRPr lang="es-US" dirty="0"/>
+              <a:rPr lang="es-ES" b="1">
+                <a:solidFill>
+                  <a:srgbClr val="FFFFFF"/>
+                </a:solidFill>
+              </a:rPr>
+              <a:t>Richard Stallman</a:t>
+            </a:r>
+            <a:endParaRPr lang="es-US">
+              <a:solidFill>
+                <a:srgbClr val="FFFFFF"/>
+              </a:solidFill>
+            </a:endParaRPr>
+          </a:p>
+        </p:txBody>
+      </p:sp>
+      <p:sp>
+        <p:nvSpPr>
+          <p:cNvPr id="3" name="Subtitle 2">
+            <a:extLst>
+              <a:ext uri="{FF2B5EF4-FFF2-40B4-BE49-F238E27FC236}">
+                <a16:creationId xmlns:a16="http://schemas.microsoft.com/office/drawing/2014/main" id="{574EA1D3-A799-4C9F-94AB-C5A2711FEC5D}"/>
+              </a:ext>
+            </a:extLst>
+          </p:cNvPr>
+          <p:cNvSpPr>
+            <a:spLocks noGrp="1"/>
+          </p:cNvSpPr>
+          <p:nvPr>
+            <p:ph type="subTitle" idx="1"/>
+          </p:nvPr>
+        </p:nvSpPr>
+        <p:spPr>
+          <a:xfrm>
+            <a:off x="5446450" y="3505095"/>
+            <a:ext cx="3086938" cy="1733655"/>
+          </a:xfrm>
+        </p:spPr>
+        <p:txBody>
+          <a:bodyPr>
+            <a:normAutofit/>
+          </a:bodyPr>
+          <a:lstStyle/>
+          <a:p>
+            <a:r>
+              <a:rPr lang="es-US">
+                <a:solidFill>
+                  <a:schemeClr val="bg2"/>
+                </a:solidFill>
+              </a:rPr>
+              <a:t>GNU</a:t>
+            </a:r>
           </a:p>
         </p:txBody>
       </p:sp>
     </p:spTree>
     <p:extLst>
       <p:ext uri="{BB962C8B-B14F-4D97-AF65-F5344CB8AC3E}">
-        <p14:creationId xmlns:p14="http://schemas.microsoft.com/office/powerpoint/2010/main" val="1980879727"/>
+        <p14:creationId xmlns:p14="http://schemas.microsoft.com/office/powerpoint/2010/main" val="1333480006"/>
       </p:ext>
     </p:extLst>
   </p:cSld>
@@ -4618,6 +4657,2713 @@
       </p:grpSpPr>
       <p:sp>
         <p:nvSpPr>
+          <p:cNvPr id="30" name="Rectangle 12"/>
+          <p:cNvSpPr>
+            <a:spLocks noGrp="1" noRot="1" noChangeAspect="1" noMove="1" noResize="1" noEditPoints="1" noAdjustHandles="1" noChangeArrowheads="1" noChangeShapeType="1" noTextEdit="1"/>
+          </p:cNvSpPr>
+          <p:nvPr>
+            <p:extLst>
+              <p:ext uri="{386F3935-93C4-4BCD-93E2-E3B085C9AB24}">
+                <p16:designElem xmlns:p16="http://schemas.microsoft.com/office/powerpoint/2015/main" val="1"/>
+              </p:ext>
+            </p:extLst>
+          </p:nvPr>
+        </p:nvSpPr>
+        <p:spPr bwMode="white">
+          <a:xfrm>
+            <a:off x="0" y="0"/>
+            <a:ext cx="9144000" cy="6858000"/>
+          </a:xfrm>
+          <a:prstGeom prst="rect">
+            <a:avLst/>
+          </a:prstGeom>
+          <a:solidFill>
+            <a:schemeClr val="bg1"/>
+          </a:solidFill>
+          <a:ln>
+            <a:noFill/>
+          </a:ln>
+          <a:effectLst/>
+        </p:spPr>
+      </p:sp>
+      <p:sp>
+        <p:nvSpPr>
+          <p:cNvPr id="32" name="Rectangle 14"/>
+          <p:cNvSpPr>
+            <a:spLocks noGrp="1" noRot="1" noChangeAspect="1" noMove="1" noResize="1" noEditPoints="1" noAdjustHandles="1" noChangeArrowheads="1" noChangeShapeType="1" noTextEdit="1"/>
+          </p:cNvSpPr>
+          <p:nvPr>
+            <p:extLst>
+              <p:ext uri="{386F3935-93C4-4BCD-93E2-E3B085C9AB24}">
+                <p16:designElem xmlns:p16="http://schemas.microsoft.com/office/powerpoint/2015/main" val="1"/>
+              </p:ext>
+            </p:extLst>
+          </p:nvPr>
+        </p:nvSpPr>
+        <p:spPr>
+          <a:xfrm>
+            <a:off x="334900" y="457200"/>
+            <a:ext cx="2777490" cy="94997"/>
+          </a:xfrm>
+          <a:prstGeom prst="rect">
+            <a:avLst/>
+          </a:prstGeom>
+          <a:solidFill>
+            <a:schemeClr val="accent1"/>
+          </a:solidFill>
+          <a:ln>
+            <a:noFill/>
+          </a:ln>
+          <a:effectLst/>
+        </p:spPr>
+        <p:style>
+          <a:lnRef idx="1">
+            <a:schemeClr val="accent1"/>
+          </a:lnRef>
+          <a:fillRef idx="3">
+            <a:schemeClr val="accent1"/>
+          </a:fillRef>
+          <a:effectRef idx="2">
+            <a:schemeClr val="accent1"/>
+          </a:effectRef>
+          <a:fontRef idx="minor">
+            <a:schemeClr val="lt1"/>
+          </a:fontRef>
+        </p:style>
+      </p:sp>
+      <p:sp>
+        <p:nvSpPr>
+          <p:cNvPr id="34" name="Rectangle 16"/>
+          <p:cNvSpPr>
+            <a:spLocks noGrp="1" noRot="1" noChangeAspect="1" noMove="1" noResize="1" noEditPoints="1" noAdjustHandles="1" noChangeArrowheads="1" noChangeShapeType="1" noTextEdit="1"/>
+          </p:cNvSpPr>
+          <p:nvPr>
+            <p:extLst>
+              <p:ext uri="{386F3935-93C4-4BCD-93E2-E3B085C9AB24}">
+                <p16:designElem xmlns:p16="http://schemas.microsoft.com/office/powerpoint/2015/main" val="1"/>
+              </p:ext>
+            </p:extLst>
+          </p:nvPr>
+        </p:nvSpPr>
+        <p:spPr>
+          <a:xfrm>
+            <a:off x="6031610" y="453643"/>
+            <a:ext cx="2777490" cy="98554"/>
+          </a:xfrm>
+          <a:prstGeom prst="rect">
+            <a:avLst/>
+          </a:prstGeom>
+          <a:solidFill>
+            <a:schemeClr val="accent4"/>
+          </a:solidFill>
+          <a:ln>
+            <a:noFill/>
+          </a:ln>
+          <a:effectLst/>
+        </p:spPr>
+        <p:style>
+          <a:lnRef idx="1">
+            <a:schemeClr val="accent1"/>
+          </a:lnRef>
+          <a:fillRef idx="3">
+            <a:schemeClr val="accent1"/>
+          </a:fillRef>
+          <a:effectRef idx="2">
+            <a:schemeClr val="accent1"/>
+          </a:effectRef>
+          <a:fontRef idx="minor">
+            <a:schemeClr val="lt1"/>
+          </a:fontRef>
+        </p:style>
+      </p:sp>
+      <p:sp>
+        <p:nvSpPr>
+          <p:cNvPr id="35" name="Rectangle 18"/>
+          <p:cNvSpPr>
+            <a:spLocks noGrp="1" noRot="1" noChangeAspect="1" noMove="1" noResize="1" noEditPoints="1" noAdjustHandles="1" noChangeArrowheads="1" noChangeShapeType="1" noTextEdit="1"/>
+          </p:cNvSpPr>
+          <p:nvPr>
+            <p:extLst>
+              <p:ext uri="{386F3935-93C4-4BCD-93E2-E3B085C9AB24}">
+                <p16:designElem xmlns:p16="http://schemas.microsoft.com/office/powerpoint/2015/main" val="1"/>
+              </p:ext>
+            </p:extLst>
+          </p:nvPr>
+        </p:nvSpPr>
+        <p:spPr>
+          <a:xfrm>
+            <a:off x="3181372" y="457200"/>
+            <a:ext cx="2777490" cy="91440"/>
+          </a:xfrm>
+          <a:prstGeom prst="rect">
+            <a:avLst/>
+          </a:prstGeom>
+          <a:solidFill>
+            <a:schemeClr val="accent2"/>
+          </a:solidFill>
+          <a:ln>
+            <a:noFill/>
+          </a:ln>
+          <a:effectLst/>
+        </p:spPr>
+        <p:style>
+          <a:lnRef idx="1">
+            <a:schemeClr val="accent1"/>
+          </a:lnRef>
+          <a:fillRef idx="3">
+            <a:schemeClr val="accent1"/>
+          </a:fillRef>
+          <a:effectRef idx="2">
+            <a:schemeClr val="accent1"/>
+          </a:effectRef>
+          <a:fontRef idx="minor">
+            <a:schemeClr val="lt1"/>
+          </a:fontRef>
+        </p:style>
+      </p:sp>
+      <p:sp>
+        <p:nvSpPr>
+          <p:cNvPr id="36" name="Rectangle 20"/>
+          <p:cNvSpPr>
+            <a:spLocks noGrp="1" noRot="1" noChangeAspect="1" noMove="1" noResize="1" noEditPoints="1" noAdjustHandles="1" noChangeArrowheads="1" noChangeShapeType="1" noTextEdit="1"/>
+          </p:cNvSpPr>
+          <p:nvPr>
+            <p:extLst>
+              <p:ext uri="{386F3935-93C4-4BCD-93E2-E3B085C9AB24}">
+                <p16:designElem xmlns:p16="http://schemas.microsoft.com/office/powerpoint/2015/main" val="1"/>
+              </p:ext>
+            </p:extLst>
+          </p:nvPr>
+        </p:nvSpPr>
+        <p:spPr>
+          <a:xfrm>
+            <a:off x="334900" y="3085765"/>
+            <a:ext cx="8447150" cy="3304800"/>
+          </a:xfrm>
+          <a:prstGeom prst="rect">
+            <a:avLst/>
+          </a:prstGeom>
+          <a:solidFill>
+            <a:schemeClr val="accent1"/>
+          </a:solidFill>
+          <a:ln>
+            <a:noFill/>
+          </a:ln>
+          <a:effectLst/>
+        </p:spPr>
+        <p:style>
+          <a:lnRef idx="1">
+            <a:schemeClr val="accent1"/>
+          </a:lnRef>
+          <a:fillRef idx="3">
+            <a:schemeClr val="accent1"/>
+          </a:fillRef>
+          <a:effectRef idx="2">
+            <a:schemeClr val="accent1"/>
+          </a:effectRef>
+          <a:fontRef idx="minor">
+            <a:schemeClr val="lt1"/>
+          </a:fontRef>
+        </p:style>
+      </p:sp>
+      <p:sp useBgFill="1">
+        <p:nvSpPr>
+          <p:cNvPr id="37" name="Rectangle 22"/>
+          <p:cNvSpPr>
+            <a:spLocks noGrp="1" noRot="1" noChangeAspect="1" noMove="1" noResize="1" noEditPoints="1" noAdjustHandles="1" noChangeArrowheads="1" noChangeShapeType="1" noTextEdit="1"/>
+          </p:cNvSpPr>
+          <p:nvPr>
+            <p:extLst>
+              <p:ext uri="{386F3935-93C4-4BCD-93E2-E3B085C9AB24}">
+                <p16:designElem xmlns:p16="http://schemas.microsoft.com/office/powerpoint/2015/main" val="1"/>
+              </p:ext>
+            </p:extLst>
+          </p:nvPr>
+        </p:nvSpPr>
+        <p:spPr>
+          <a:xfrm>
+            <a:off x="0" y="0"/>
+            <a:ext cx="9144000" cy="6858000"/>
+          </a:xfrm>
+          <a:prstGeom prst="rect">
+            <a:avLst/>
+          </a:prstGeom>
+          <a:ln>
+            <a:noFill/>
+          </a:ln>
+        </p:spPr>
+        <p:style>
+          <a:lnRef idx="2">
+            <a:schemeClr val="accent1">
+              <a:shade val="50000"/>
+            </a:schemeClr>
+          </a:lnRef>
+          <a:fillRef idx="1">
+            <a:schemeClr val="accent1"/>
+          </a:fillRef>
+          <a:effectRef idx="0">
+            <a:schemeClr val="accent1"/>
+          </a:effectRef>
+          <a:fontRef idx="minor">
+            <a:schemeClr val="lt1"/>
+          </a:fontRef>
+        </p:style>
+        <p:txBody>
+          <a:bodyPr rtlCol="0" anchor="ctr"/>
+          <a:lstStyle/>
+          <a:p>
+            <a:pPr algn="ctr"/>
+            <a:endParaRPr lang="en-US"/>
+          </a:p>
+        </p:txBody>
+      </p:sp>
+      <p:sp useBgFill="1">
+        <p:nvSpPr>
+          <p:cNvPr id="38" name="Rectangle 24"/>
+          <p:cNvSpPr>
+            <a:spLocks noGrp="1" noRot="1" noChangeAspect="1" noMove="1" noResize="1" noEditPoints="1" noAdjustHandles="1" noChangeArrowheads="1" noChangeShapeType="1" noTextEdit="1"/>
+          </p:cNvSpPr>
+          <p:nvPr>
+            <p:extLst>
+              <p:ext uri="{386F3935-93C4-4BCD-93E2-E3B085C9AB24}">
+                <p16:designElem xmlns:p16="http://schemas.microsoft.com/office/powerpoint/2015/main" val="1"/>
+              </p:ext>
+            </p:extLst>
+          </p:nvPr>
+        </p:nvSpPr>
+        <p:spPr>
+          <a:xfrm>
+            <a:off x="0" y="638175"/>
+            <a:ext cx="9143999" cy="6219825"/>
+          </a:xfrm>
+          <a:prstGeom prst="rect">
+            <a:avLst/>
+          </a:prstGeom>
+          <a:ln>
+            <a:noFill/>
+          </a:ln>
+        </p:spPr>
+        <p:style>
+          <a:lnRef idx="2">
+            <a:schemeClr val="accent1">
+              <a:shade val="50000"/>
+            </a:schemeClr>
+          </a:lnRef>
+          <a:fillRef idx="1">
+            <a:schemeClr val="accent1"/>
+          </a:fillRef>
+          <a:effectRef idx="0">
+            <a:schemeClr val="accent1"/>
+          </a:effectRef>
+          <a:fontRef idx="minor">
+            <a:schemeClr val="lt1"/>
+          </a:fontRef>
+        </p:style>
+        <p:txBody>
+          <a:bodyPr rtlCol="0" anchor="ctr"/>
+          <a:lstStyle/>
+          <a:p>
+            <a:pPr algn="ctr"/>
+            <a:endParaRPr lang="en-US"/>
+          </a:p>
+        </p:txBody>
+      </p:sp>
+      <p:sp>
+        <p:nvSpPr>
+          <p:cNvPr id="27" name="Rectangle 26"/>
+          <p:cNvSpPr>
+            <a:spLocks noGrp="1" noRot="1" noChangeAspect="1" noMove="1" noResize="1" noEditPoints="1" noAdjustHandles="1" noChangeArrowheads="1" noChangeShapeType="1" noTextEdit="1"/>
+          </p:cNvSpPr>
+          <p:nvPr>
+            <p:extLst>
+              <p:ext uri="{386F3935-93C4-4BCD-93E2-E3B085C9AB24}">
+                <p16:designElem xmlns:p16="http://schemas.microsoft.com/office/powerpoint/2015/main" val="1"/>
+              </p:ext>
+            </p:extLst>
+          </p:nvPr>
+        </p:nvSpPr>
+        <p:spPr>
+          <a:xfrm>
+            <a:off x="5052059" y="723899"/>
+            <a:ext cx="3757041" cy="5666666"/>
+          </a:xfrm>
+          <a:prstGeom prst="rect">
+            <a:avLst/>
+          </a:prstGeom>
+          <a:solidFill>
+            <a:schemeClr val="accent1"/>
+          </a:solidFill>
+          <a:ln>
+            <a:noFill/>
+          </a:ln>
+          <a:effectLst/>
+        </p:spPr>
+        <p:style>
+          <a:lnRef idx="1">
+            <a:schemeClr val="accent1"/>
+          </a:lnRef>
+          <a:fillRef idx="3">
+            <a:schemeClr val="accent1"/>
+          </a:fillRef>
+          <a:effectRef idx="2">
+            <a:schemeClr val="accent1"/>
+          </a:effectRef>
+          <a:fontRef idx="minor">
+            <a:schemeClr val="lt1"/>
+          </a:fontRef>
+        </p:style>
+      </p:sp>
+      <p:pic>
+        <p:nvPicPr>
+          <p:cNvPr id="8" name="Content Placeholder 7">
+            <a:extLst>
+              <a:ext uri="{FF2B5EF4-FFF2-40B4-BE49-F238E27FC236}">
+                <a16:creationId xmlns:a16="http://schemas.microsoft.com/office/drawing/2014/main" id="{12CD8E14-7C05-4E1A-B7F4-2FA9D27E3240}"/>
+              </a:ext>
+            </a:extLst>
+          </p:cNvPr>
+          <p:cNvPicPr>
+            <a:picLocks noGrp="1" noChangeAspect="1"/>
+          </p:cNvPicPr>
+          <p:nvPr>
+            <p:ph idx="1"/>
+          </p:nvPr>
+        </p:nvPicPr>
+        <p:blipFill rotWithShape="1">
+          <a:blip r:embed="rId2"/>
+          <a:srcRect l="20632" r="23131" b="-1"/>
+          <a:stretch/>
+        </p:blipFill>
+        <p:spPr>
+          <a:xfrm>
+            <a:off x="334899" y="723899"/>
+            <a:ext cx="4652131" cy="5666666"/>
+          </a:xfrm>
+          <a:prstGeom prst="rect">
+            <a:avLst/>
+          </a:prstGeom>
+        </p:spPr>
+      </p:pic>
+      <p:sp>
+        <p:nvSpPr>
+          <p:cNvPr id="29" name="Rectangle 28"/>
+          <p:cNvSpPr>
+            <a:spLocks noGrp="1" noRot="1" noChangeAspect="1" noMove="1" noResize="1" noEditPoints="1" noAdjustHandles="1" noChangeArrowheads="1" noChangeShapeType="1" noTextEdit="1"/>
+          </p:cNvSpPr>
+          <p:nvPr>
+            <p:extLst>
+              <p:ext uri="{386F3935-93C4-4BCD-93E2-E3B085C9AB24}">
+                <p16:designElem xmlns:p16="http://schemas.microsoft.com/office/powerpoint/2015/main" val="1"/>
+              </p:ext>
+            </p:extLst>
+          </p:nvPr>
+        </p:nvSpPr>
+        <p:spPr>
+          <a:xfrm>
+            <a:off x="334900" y="457200"/>
+            <a:ext cx="2777490" cy="94997"/>
+          </a:xfrm>
+          <a:prstGeom prst="rect">
+            <a:avLst/>
+          </a:prstGeom>
+          <a:solidFill>
+            <a:schemeClr val="accent1"/>
+          </a:solidFill>
+          <a:ln>
+            <a:noFill/>
+          </a:ln>
+          <a:effectLst/>
+        </p:spPr>
+        <p:style>
+          <a:lnRef idx="1">
+            <a:schemeClr val="accent1"/>
+          </a:lnRef>
+          <a:fillRef idx="3">
+            <a:schemeClr val="accent1"/>
+          </a:fillRef>
+          <a:effectRef idx="2">
+            <a:schemeClr val="accent1"/>
+          </a:effectRef>
+          <a:fontRef idx="minor">
+            <a:schemeClr val="lt1"/>
+          </a:fontRef>
+        </p:style>
+      </p:sp>
+      <p:sp>
+        <p:nvSpPr>
+          <p:cNvPr id="31" name="Rectangle 30"/>
+          <p:cNvSpPr>
+            <a:spLocks noGrp="1" noRot="1" noChangeAspect="1" noMove="1" noResize="1" noEditPoints="1" noAdjustHandles="1" noChangeArrowheads="1" noChangeShapeType="1" noTextEdit="1"/>
+          </p:cNvSpPr>
+          <p:nvPr>
+            <p:extLst>
+              <p:ext uri="{386F3935-93C4-4BCD-93E2-E3B085C9AB24}">
+                <p16:designElem xmlns:p16="http://schemas.microsoft.com/office/powerpoint/2015/main" val="1"/>
+              </p:ext>
+            </p:extLst>
+          </p:nvPr>
+        </p:nvSpPr>
+        <p:spPr>
+          <a:xfrm>
+            <a:off x="6031610" y="453643"/>
+            <a:ext cx="2777490" cy="98554"/>
+          </a:xfrm>
+          <a:prstGeom prst="rect">
+            <a:avLst/>
+          </a:prstGeom>
+          <a:solidFill>
+            <a:schemeClr val="accent4"/>
+          </a:solidFill>
+          <a:ln>
+            <a:noFill/>
+          </a:ln>
+          <a:effectLst/>
+        </p:spPr>
+        <p:style>
+          <a:lnRef idx="1">
+            <a:schemeClr val="accent1"/>
+          </a:lnRef>
+          <a:fillRef idx="3">
+            <a:schemeClr val="accent1"/>
+          </a:fillRef>
+          <a:effectRef idx="2">
+            <a:schemeClr val="accent1"/>
+          </a:effectRef>
+          <a:fontRef idx="minor">
+            <a:schemeClr val="lt1"/>
+          </a:fontRef>
+        </p:style>
+      </p:sp>
+      <p:sp>
+        <p:nvSpPr>
+          <p:cNvPr id="33" name="Rectangle 32"/>
+          <p:cNvSpPr>
+            <a:spLocks noGrp="1" noRot="1" noChangeAspect="1" noMove="1" noResize="1" noEditPoints="1" noAdjustHandles="1" noChangeArrowheads="1" noChangeShapeType="1" noTextEdit="1"/>
+          </p:cNvSpPr>
+          <p:nvPr>
+            <p:extLst>
+              <p:ext uri="{386F3935-93C4-4BCD-93E2-E3B085C9AB24}">
+                <p16:designElem xmlns:p16="http://schemas.microsoft.com/office/powerpoint/2015/main" val="1"/>
+              </p:ext>
+            </p:extLst>
+          </p:nvPr>
+        </p:nvSpPr>
+        <p:spPr>
+          <a:xfrm>
+            <a:off x="3181372" y="457200"/>
+            <a:ext cx="2777490" cy="91440"/>
+          </a:xfrm>
+          <a:prstGeom prst="rect">
+            <a:avLst/>
+          </a:prstGeom>
+          <a:solidFill>
+            <a:srgbClr val="B68F52"/>
+          </a:solidFill>
+          <a:ln>
+            <a:noFill/>
+          </a:ln>
+          <a:effectLst/>
+        </p:spPr>
+        <p:style>
+          <a:lnRef idx="1">
+            <a:schemeClr val="accent1"/>
+          </a:lnRef>
+          <a:fillRef idx="3">
+            <a:schemeClr val="accent1"/>
+          </a:fillRef>
+          <a:effectRef idx="2">
+            <a:schemeClr val="accent1"/>
+          </a:effectRef>
+          <a:fontRef idx="minor">
+            <a:schemeClr val="lt1"/>
+          </a:fontRef>
+        </p:style>
+      </p:sp>
+      <p:sp>
+        <p:nvSpPr>
+          <p:cNvPr id="2" name="Title 1">
+            <a:extLst>
+              <a:ext uri="{FF2B5EF4-FFF2-40B4-BE49-F238E27FC236}">
+                <a16:creationId xmlns:a16="http://schemas.microsoft.com/office/drawing/2014/main" id="{9BE8C7F4-4C05-45C4-A52C-FE689B469415}"/>
+              </a:ext>
+            </a:extLst>
+          </p:cNvPr>
+          <p:cNvSpPr>
+            <a:spLocks noGrp="1"/>
+          </p:cNvSpPr>
+          <p:nvPr>
+            <p:ph type="title"/>
+          </p:nvPr>
+        </p:nvSpPr>
+        <p:spPr>
+          <a:xfrm>
+            <a:off x="5321929" y="2386065"/>
+            <a:ext cx="3086938" cy="2085869"/>
+          </a:xfrm>
+        </p:spPr>
+        <p:txBody>
+          <a:bodyPr vert="horz" lIns="91440" tIns="45720" rIns="91440" bIns="45720" rtlCol="0" anchor="b">
+            <a:normAutofit fontScale="90000"/>
+          </a:bodyPr>
+          <a:lstStyle/>
+          <a:p>
+            <a:r>
+              <a:rPr lang="es-MX" sz="3600" dirty="0">
+                <a:solidFill>
+                  <a:schemeClr val="bg2">
+                    <a:lumMod val="90000"/>
+                  </a:schemeClr>
+                </a:solidFill>
+              </a:rPr>
+              <a:t>Orador político en favor del movimiento del software libre</a:t>
+            </a:r>
+            <a:endParaRPr lang="en-US" sz="3600" dirty="0">
+              <a:solidFill>
+                <a:schemeClr val="bg2">
+                  <a:lumMod val="90000"/>
+                </a:schemeClr>
+              </a:solidFill>
+            </a:endParaRPr>
+          </a:p>
+        </p:txBody>
+      </p:sp>
+      <p:sp>
+        <p:nvSpPr>
+          <p:cNvPr id="4" name="Text Placeholder 3">
+            <a:extLst>
+              <a:ext uri="{FF2B5EF4-FFF2-40B4-BE49-F238E27FC236}">
+                <a16:creationId xmlns:a16="http://schemas.microsoft.com/office/drawing/2014/main" id="{76B31711-9345-4AB4-86A0-E2CBA6F8C841}"/>
+              </a:ext>
+            </a:extLst>
+          </p:cNvPr>
+          <p:cNvSpPr>
+            <a:spLocks noGrp="1"/>
+          </p:cNvSpPr>
+          <p:nvPr>
+            <p:ph type="body" sz="half" idx="2"/>
+          </p:nvPr>
+        </p:nvSpPr>
+        <p:spPr>
+          <a:xfrm>
+            <a:off x="4305617" y="5262295"/>
+            <a:ext cx="4265327" cy="689515"/>
+          </a:xfrm>
+        </p:spPr>
+        <p:txBody>
+          <a:bodyPr/>
+          <a:lstStyle/>
+          <a:p>
+            <a:endParaRPr lang="es-US"/>
+          </a:p>
+        </p:txBody>
+      </p:sp>
+    </p:spTree>
+    <p:extLst>
+      <p:ext uri="{BB962C8B-B14F-4D97-AF65-F5344CB8AC3E}">
+        <p14:creationId xmlns:p14="http://schemas.microsoft.com/office/powerpoint/2010/main" val="1855552368"/>
+      </p:ext>
+    </p:extLst>
+  </p:cSld>
+  <p:clrMapOvr>
+    <a:masterClrMapping/>
+  </p:clrMapOvr>
+</p:sld>
+</file>
+
+<file path=ppt/slides/slide12.xml><?xml version="1.0" encoding="utf-8"?>
+<p:sld xmlns:a="http://schemas.openxmlformats.org/drawingml/2006/main" xmlns:r="http://schemas.openxmlformats.org/officeDocument/2006/relationships" xmlns:p="http://schemas.openxmlformats.org/presentationml/2006/main">
+  <p:cSld>
+    <p:spTree>
+      <p:nvGrpSpPr>
+        <p:cNvPr id="1" name=""/>
+        <p:cNvGrpSpPr/>
+        <p:nvPr/>
+      </p:nvGrpSpPr>
+      <p:grpSpPr>
+        <a:xfrm>
+          <a:off x="0" y="0"/>
+          <a:ext cx="0" cy="0"/>
+          <a:chOff x="0" y="0"/>
+          <a:chExt cx="0" cy="0"/>
+        </a:xfrm>
+      </p:grpSpPr>
+      <p:sp>
+        <p:nvSpPr>
+          <p:cNvPr id="2" name="Title 1">
+            <a:extLst>
+              <a:ext uri="{FF2B5EF4-FFF2-40B4-BE49-F238E27FC236}">
+                <a16:creationId xmlns:a16="http://schemas.microsoft.com/office/drawing/2014/main" id="{8B3DE689-6B5D-4BFB-A29D-0AB275E87775}"/>
+              </a:ext>
+            </a:extLst>
+          </p:cNvPr>
+          <p:cNvSpPr>
+            <a:spLocks noGrp="1"/>
+          </p:cNvSpPr>
+          <p:nvPr>
+            <p:ph type="title"/>
+          </p:nvPr>
+        </p:nvSpPr>
+        <p:spPr/>
+        <p:txBody>
+          <a:bodyPr/>
+          <a:lstStyle/>
+          <a:p>
+            <a:endParaRPr lang="es-US"/>
+          </a:p>
+        </p:txBody>
+      </p:sp>
+      <p:sp>
+        <p:nvSpPr>
+          <p:cNvPr id="3" name="Content Placeholder 2">
+            <a:extLst>
+              <a:ext uri="{FF2B5EF4-FFF2-40B4-BE49-F238E27FC236}">
+                <a16:creationId xmlns:a16="http://schemas.microsoft.com/office/drawing/2014/main" id="{3CFA8FF2-1FAD-4CEF-A1A4-0D66DC655B1B}"/>
+              </a:ext>
+            </a:extLst>
+          </p:cNvPr>
+          <p:cNvSpPr>
+            <a:spLocks noGrp="1"/>
+          </p:cNvSpPr>
+          <p:nvPr>
+            <p:ph idx="1"/>
+          </p:nvPr>
+        </p:nvSpPr>
+        <p:spPr/>
+        <p:txBody>
+          <a:bodyPr/>
+          <a:lstStyle/>
+          <a:p>
+            <a:r>
+              <a:rPr lang="es-MX" dirty="0"/>
+              <a:t>Nació en la Ciudad de Nueva York en el año 1953</a:t>
+            </a:r>
+          </a:p>
+          <a:p>
+            <a:r>
+              <a:rPr lang="es-MX" dirty="0"/>
+              <a:t>En 1971, siendo estudiante de primer año de Física en la Universidad Harvard, Stallman se convirtió en un </a:t>
+            </a:r>
+            <a:r>
+              <a:rPr lang="es-MX" i="1" dirty="0">
+                <a:hlinkClick r:id="rId2" tooltip="Hacker"/>
+              </a:rPr>
+              <a:t>hacker</a:t>
+            </a:r>
+            <a:r>
+              <a:rPr lang="es-MX" dirty="0"/>
+              <a:t> del Laboratorio de Inteligencia Artificial del Instituto Tecnológico de Massachusetts (MIT).</a:t>
+            </a:r>
+          </a:p>
+          <a:p>
+            <a:r>
+              <a:rPr lang="es-MX" dirty="0"/>
+              <a:t>El 27 de septiembre de 1983 Stallman anunció en varios grupos de noticias de Usenet el inicio del proyecto GNU, que perseguía crear un sistema operativo completamente libre.</a:t>
+            </a:r>
+            <a:endParaRPr lang="es-US" dirty="0"/>
+          </a:p>
+        </p:txBody>
+      </p:sp>
+      <p:sp>
+        <p:nvSpPr>
+          <p:cNvPr id="4" name="Text Placeholder 3">
+            <a:extLst>
+              <a:ext uri="{FF2B5EF4-FFF2-40B4-BE49-F238E27FC236}">
+                <a16:creationId xmlns:a16="http://schemas.microsoft.com/office/drawing/2014/main" id="{EFFF9C80-64E6-4B2A-9EBF-E465B3F0A9F1}"/>
+              </a:ext>
+            </a:extLst>
+          </p:cNvPr>
+          <p:cNvSpPr>
+            <a:spLocks noGrp="1"/>
+          </p:cNvSpPr>
+          <p:nvPr>
+            <p:ph type="body" sz="half" idx="2"/>
+          </p:nvPr>
+        </p:nvSpPr>
+        <p:spPr>
+          <a:xfrm>
+            <a:off x="4305617" y="5262295"/>
+            <a:ext cx="4265327" cy="989036"/>
+          </a:xfrm>
+        </p:spPr>
+        <p:txBody>
+          <a:bodyPr>
+            <a:normAutofit lnSpcReduction="10000"/>
+          </a:bodyPr>
+          <a:lstStyle/>
+          <a:p>
+            <a:r>
+              <a:rPr lang="es-MX" sz="2000" dirty="0"/>
+              <a:t>Programador estadounidense y fundador del movimiento por el software libre en el mundo.</a:t>
+            </a:r>
+            <a:endParaRPr lang="es-US" sz="2000" dirty="0"/>
+          </a:p>
+        </p:txBody>
+      </p:sp>
+      <p:pic>
+        <p:nvPicPr>
+          <p:cNvPr id="6" name="Picture 5">
+            <a:extLst>
+              <a:ext uri="{FF2B5EF4-FFF2-40B4-BE49-F238E27FC236}">
+                <a16:creationId xmlns:a16="http://schemas.microsoft.com/office/drawing/2014/main" id="{A6F66CD1-2D77-474D-B313-DAA4A9135A93}"/>
+              </a:ext>
+            </a:extLst>
+          </p:cNvPr>
+          <p:cNvPicPr>
+            <a:picLocks noChangeAspect="1"/>
+          </p:cNvPicPr>
+          <p:nvPr/>
+        </p:nvPicPr>
+        <p:blipFill>
+          <a:blip r:embed="rId3"/>
+          <a:stretch>
+            <a:fillRect/>
+          </a:stretch>
+        </p:blipFill>
+        <p:spPr>
+          <a:xfrm>
+            <a:off x="111846" y="4086238"/>
+            <a:ext cx="4193771" cy="2352113"/>
+          </a:xfrm>
+          <a:prstGeom prst="rect">
+            <a:avLst/>
+          </a:prstGeom>
+        </p:spPr>
+      </p:pic>
+    </p:spTree>
+    <p:extLst>
+      <p:ext uri="{BB962C8B-B14F-4D97-AF65-F5344CB8AC3E}">
+        <p14:creationId xmlns:p14="http://schemas.microsoft.com/office/powerpoint/2010/main" val="1786766459"/>
+      </p:ext>
+    </p:extLst>
+  </p:cSld>
+  <p:clrMapOvr>
+    <a:masterClrMapping/>
+  </p:clrMapOvr>
+</p:sld>
+</file>
+
+<file path=ppt/slides/slide13.xml><?xml version="1.0" encoding="utf-8"?>
+<p:sld xmlns:a="http://schemas.openxmlformats.org/drawingml/2006/main" xmlns:r="http://schemas.openxmlformats.org/officeDocument/2006/relationships" xmlns:p="http://schemas.openxmlformats.org/presentationml/2006/main">
+  <p:cSld>
+    <p:spTree>
+      <p:nvGrpSpPr>
+        <p:cNvPr id="1" name=""/>
+        <p:cNvGrpSpPr/>
+        <p:nvPr/>
+      </p:nvGrpSpPr>
+      <p:grpSpPr>
+        <a:xfrm>
+          <a:off x="0" y="0"/>
+          <a:ext cx="0" cy="0"/>
+          <a:chOff x="0" y="0"/>
+          <a:chExt cx="0" cy="0"/>
+        </a:xfrm>
+      </p:grpSpPr>
+      <p:pic>
+        <p:nvPicPr>
+          <p:cNvPr id="5" name="Picture 4">
+            <a:extLst>
+              <a:ext uri="{FF2B5EF4-FFF2-40B4-BE49-F238E27FC236}">
+                <a16:creationId xmlns:a16="http://schemas.microsoft.com/office/drawing/2014/main" id="{7177D309-5F5B-47DF-8D27-87D7A6AD9C82}"/>
+              </a:ext>
+            </a:extLst>
+          </p:cNvPr>
+          <p:cNvPicPr>
+            <a:picLocks noChangeAspect="1"/>
+          </p:cNvPicPr>
+          <p:nvPr/>
+        </p:nvPicPr>
+        <p:blipFill rotWithShape="1">
+          <a:blip r:embed="rId2"/>
+          <a:srcRect l="18862" r="19815" b="3"/>
+          <a:stretch/>
+        </p:blipFill>
+        <p:spPr>
+          <a:xfrm>
+            <a:off x="6038849" y="1871133"/>
+            <a:ext cx="2762251" cy="4504267"/>
+          </a:xfrm>
+          <a:prstGeom prst="rect">
+            <a:avLst/>
+          </a:prstGeom>
+        </p:spPr>
+      </p:pic>
+      <p:sp>
+        <p:nvSpPr>
+          <p:cNvPr id="10" name="Rectangle 9"/>
+          <p:cNvSpPr>
+            <a:spLocks noGrp="1" noRot="1" noChangeAspect="1" noMove="1" noResize="1" noEditPoints="1" noAdjustHandles="1" noChangeArrowheads="1" noChangeShapeType="1" noTextEdit="1"/>
+          </p:cNvSpPr>
+          <p:nvPr>
+            <p:extLst>
+              <p:ext uri="{386F3935-93C4-4BCD-93E2-E3B085C9AB24}">
+                <p16:designElem xmlns:p16="http://schemas.microsoft.com/office/powerpoint/2015/main" val="1"/>
+              </p:ext>
+            </p:extLst>
+          </p:nvPr>
+        </p:nvSpPr>
+        <p:spPr>
+          <a:xfrm>
+            <a:off x="3181372" y="457200"/>
+            <a:ext cx="2777490" cy="91440"/>
+          </a:xfrm>
+          <a:prstGeom prst="rect">
+            <a:avLst/>
+          </a:prstGeom>
+          <a:solidFill>
+            <a:schemeClr val="accent2"/>
+          </a:solidFill>
+          <a:ln>
+            <a:noFill/>
+          </a:ln>
+          <a:effectLst/>
+        </p:spPr>
+        <p:style>
+          <a:lnRef idx="1">
+            <a:schemeClr val="accent1"/>
+          </a:lnRef>
+          <a:fillRef idx="3">
+            <a:schemeClr val="accent1"/>
+          </a:fillRef>
+          <a:effectRef idx="2">
+            <a:schemeClr val="accent1"/>
+          </a:effectRef>
+          <a:fontRef idx="minor">
+            <a:schemeClr val="lt1"/>
+          </a:fontRef>
+        </p:style>
+      </p:sp>
+      <p:sp>
+        <p:nvSpPr>
+          <p:cNvPr id="2" name="Title 1">
+            <a:extLst>
+              <a:ext uri="{FF2B5EF4-FFF2-40B4-BE49-F238E27FC236}">
+                <a16:creationId xmlns:a16="http://schemas.microsoft.com/office/drawing/2014/main" id="{E5DA8B63-CB3F-4987-AE9E-1BD117BB4215}"/>
+              </a:ext>
+            </a:extLst>
+          </p:cNvPr>
+          <p:cNvSpPr>
+            <a:spLocks noGrp="1"/>
+          </p:cNvSpPr>
+          <p:nvPr>
+            <p:ph type="title"/>
+          </p:nvPr>
+        </p:nvSpPr>
+        <p:spPr>
+          <a:xfrm>
+            <a:off x="435894" y="702156"/>
+            <a:ext cx="8272212" cy="1013800"/>
+          </a:xfrm>
+        </p:spPr>
+        <p:txBody>
+          <a:bodyPr>
+            <a:normAutofit/>
+          </a:bodyPr>
+          <a:lstStyle/>
+          <a:p>
+            <a:r>
+              <a:rPr lang="en-US" i="1" dirty="0"/>
+              <a:t>hacker</a:t>
+            </a:r>
+            <a:endParaRPr lang="es-US" i="1" dirty="0"/>
+          </a:p>
+        </p:txBody>
+      </p:sp>
+      <p:sp>
+        <p:nvSpPr>
+          <p:cNvPr id="3" name="Content Placeholder 2">
+            <a:extLst>
+              <a:ext uri="{FF2B5EF4-FFF2-40B4-BE49-F238E27FC236}">
+                <a16:creationId xmlns:a16="http://schemas.microsoft.com/office/drawing/2014/main" id="{95266225-158F-4546-9D02-27637AD38650}"/>
+              </a:ext>
+            </a:extLst>
+          </p:cNvPr>
+          <p:cNvSpPr>
+            <a:spLocks noGrp="1"/>
+          </p:cNvSpPr>
+          <p:nvPr>
+            <p:ph idx="1"/>
+          </p:nvPr>
+        </p:nvSpPr>
+        <p:spPr>
+          <a:xfrm>
+            <a:off x="435894" y="2180496"/>
+            <a:ext cx="5418806" cy="3678303"/>
+          </a:xfrm>
+        </p:spPr>
+        <p:txBody>
+          <a:bodyPr>
+            <a:normAutofit/>
+          </a:bodyPr>
+          <a:lstStyle/>
+          <a:p>
+            <a:r>
+              <a:rPr lang="es-MX" dirty="0"/>
+              <a:t>El uso del término «hacker» para referirse a un «violador de la seguridad» es un malentendido provocado por los medios de comunicación masiva. </a:t>
+            </a:r>
+          </a:p>
+          <a:p>
+            <a:r>
+              <a:rPr lang="es-MX" dirty="0"/>
+              <a:t>Nosotros los hackers rechazamos ese significado </a:t>
+            </a:r>
+          </a:p>
+          <a:p>
+            <a:r>
+              <a:rPr lang="es-MX" dirty="0"/>
+              <a:t>Designar a alguien a quien le gusta programar, alguien que disfruta de la inteligencia lúdica, o la combinación de ambos.</a:t>
+            </a:r>
+          </a:p>
+          <a:p>
+            <a:pPr lvl="8"/>
+            <a:r>
+              <a:rPr lang="es-US" dirty="0">
+                <a:hlinkClick r:id="rId3"/>
+              </a:rPr>
+              <a:t>https://www.gnu.org/gnu/thegnuproject.html</a:t>
+            </a:r>
+            <a:endParaRPr lang="es-US"/>
+          </a:p>
+          <a:p>
+            <a:pPr marL="2571400" lvl="8" indent="0">
+              <a:buNone/>
+            </a:pPr>
+            <a:endParaRPr lang="es-US"/>
+          </a:p>
+        </p:txBody>
+      </p:sp>
+    </p:spTree>
+    <p:extLst>
+      <p:ext uri="{BB962C8B-B14F-4D97-AF65-F5344CB8AC3E}">
+        <p14:creationId xmlns:p14="http://schemas.microsoft.com/office/powerpoint/2010/main" val="242505537"/>
+      </p:ext>
+    </p:extLst>
+  </p:cSld>
+  <p:clrMapOvr>
+    <a:masterClrMapping/>
+  </p:clrMapOvr>
+</p:sld>
+</file>
+
+<file path=ppt/slides/slide14.xml><?xml version="1.0" encoding="utf-8"?>
+<p:sld xmlns:a="http://schemas.openxmlformats.org/drawingml/2006/main" xmlns:r="http://schemas.openxmlformats.org/officeDocument/2006/relationships" xmlns:p="http://schemas.openxmlformats.org/presentationml/2006/main">
+  <p:cSld>
+    <p:spTree>
+      <p:nvGrpSpPr>
+        <p:cNvPr id="1" name=""/>
+        <p:cNvGrpSpPr/>
+        <p:nvPr/>
+      </p:nvGrpSpPr>
+      <p:grpSpPr>
+        <a:xfrm>
+          <a:off x="0" y="0"/>
+          <a:ext cx="0" cy="0"/>
+          <a:chOff x="0" y="0"/>
+          <a:chExt cx="0" cy="0"/>
+        </a:xfrm>
+      </p:grpSpPr>
+      <p:sp>
+        <p:nvSpPr>
+          <p:cNvPr id="11" name="Rectangle 10"/>
+          <p:cNvSpPr>
+            <a:spLocks noGrp="1" noRot="1" noChangeAspect="1" noMove="1" noResize="1" noEditPoints="1" noAdjustHandles="1" noChangeArrowheads="1" noChangeShapeType="1" noTextEdit="1"/>
+          </p:cNvSpPr>
+          <p:nvPr>
+            <p:extLst>
+              <p:ext uri="{386F3935-93C4-4BCD-93E2-E3B085C9AB24}">
+                <p16:designElem xmlns:p16="http://schemas.microsoft.com/office/powerpoint/2015/main" val="1"/>
+              </p:ext>
+            </p:extLst>
+          </p:nvPr>
+        </p:nvSpPr>
+        <p:spPr bwMode="white">
+          <a:xfrm>
+            <a:off x="0" y="0"/>
+            <a:ext cx="9144000" cy="6858000"/>
+          </a:xfrm>
+          <a:prstGeom prst="rect">
+            <a:avLst/>
+          </a:prstGeom>
+          <a:solidFill>
+            <a:schemeClr val="bg1"/>
+          </a:solidFill>
+          <a:ln>
+            <a:noFill/>
+          </a:ln>
+          <a:effectLst/>
+        </p:spPr>
+      </p:sp>
+      <p:sp>
+        <p:nvSpPr>
+          <p:cNvPr id="13" name="Rectangle 12"/>
+          <p:cNvSpPr>
+            <a:spLocks noGrp="1" noRot="1" noChangeAspect="1" noMove="1" noResize="1" noEditPoints="1" noAdjustHandles="1" noChangeArrowheads="1" noChangeShapeType="1" noTextEdit="1"/>
+          </p:cNvSpPr>
+          <p:nvPr>
+            <p:extLst>
+              <p:ext uri="{386F3935-93C4-4BCD-93E2-E3B085C9AB24}">
+                <p16:designElem xmlns:p16="http://schemas.microsoft.com/office/powerpoint/2015/main" val="1"/>
+              </p:ext>
+            </p:extLst>
+          </p:nvPr>
+        </p:nvSpPr>
+        <p:spPr>
+          <a:xfrm>
+            <a:off x="334900" y="457200"/>
+            <a:ext cx="2777490" cy="94997"/>
+          </a:xfrm>
+          <a:prstGeom prst="rect">
+            <a:avLst/>
+          </a:prstGeom>
+          <a:solidFill>
+            <a:schemeClr val="accent1"/>
+          </a:solidFill>
+          <a:ln>
+            <a:noFill/>
+          </a:ln>
+          <a:effectLst/>
+        </p:spPr>
+        <p:style>
+          <a:lnRef idx="1">
+            <a:schemeClr val="accent1"/>
+          </a:lnRef>
+          <a:fillRef idx="3">
+            <a:schemeClr val="accent1"/>
+          </a:fillRef>
+          <a:effectRef idx="2">
+            <a:schemeClr val="accent1"/>
+          </a:effectRef>
+          <a:fontRef idx="minor">
+            <a:schemeClr val="lt1"/>
+          </a:fontRef>
+        </p:style>
+      </p:sp>
+      <p:sp>
+        <p:nvSpPr>
+          <p:cNvPr id="15" name="Rectangle 14"/>
+          <p:cNvSpPr>
+            <a:spLocks noGrp="1" noRot="1" noChangeAspect="1" noMove="1" noResize="1" noEditPoints="1" noAdjustHandles="1" noChangeArrowheads="1" noChangeShapeType="1" noTextEdit="1"/>
+          </p:cNvSpPr>
+          <p:nvPr>
+            <p:extLst>
+              <p:ext uri="{386F3935-93C4-4BCD-93E2-E3B085C9AB24}">
+                <p16:designElem xmlns:p16="http://schemas.microsoft.com/office/powerpoint/2015/main" val="1"/>
+              </p:ext>
+            </p:extLst>
+          </p:nvPr>
+        </p:nvSpPr>
+        <p:spPr>
+          <a:xfrm>
+            <a:off x="6031610" y="453643"/>
+            <a:ext cx="2777490" cy="98554"/>
+          </a:xfrm>
+          <a:prstGeom prst="rect">
+            <a:avLst/>
+          </a:prstGeom>
+          <a:solidFill>
+            <a:schemeClr val="accent4"/>
+          </a:solidFill>
+          <a:ln>
+            <a:noFill/>
+          </a:ln>
+          <a:effectLst/>
+        </p:spPr>
+        <p:style>
+          <a:lnRef idx="1">
+            <a:schemeClr val="accent1"/>
+          </a:lnRef>
+          <a:fillRef idx="3">
+            <a:schemeClr val="accent1"/>
+          </a:fillRef>
+          <a:effectRef idx="2">
+            <a:schemeClr val="accent1"/>
+          </a:effectRef>
+          <a:fontRef idx="minor">
+            <a:schemeClr val="lt1"/>
+          </a:fontRef>
+        </p:style>
+      </p:sp>
+      <p:sp>
+        <p:nvSpPr>
+          <p:cNvPr id="17" name="Rectangle 16"/>
+          <p:cNvSpPr>
+            <a:spLocks noGrp="1" noRot="1" noChangeAspect="1" noMove="1" noResize="1" noEditPoints="1" noAdjustHandles="1" noChangeArrowheads="1" noChangeShapeType="1" noTextEdit="1"/>
+          </p:cNvSpPr>
+          <p:nvPr>
+            <p:extLst>
+              <p:ext uri="{386F3935-93C4-4BCD-93E2-E3B085C9AB24}">
+                <p16:designElem xmlns:p16="http://schemas.microsoft.com/office/powerpoint/2015/main" val="1"/>
+              </p:ext>
+            </p:extLst>
+          </p:nvPr>
+        </p:nvSpPr>
+        <p:spPr>
+          <a:xfrm>
+            <a:off x="3181372" y="457200"/>
+            <a:ext cx="2777490" cy="91440"/>
+          </a:xfrm>
+          <a:prstGeom prst="rect">
+            <a:avLst/>
+          </a:prstGeom>
+          <a:solidFill>
+            <a:schemeClr val="accent2"/>
+          </a:solidFill>
+          <a:ln>
+            <a:noFill/>
+          </a:ln>
+          <a:effectLst/>
+        </p:spPr>
+        <p:style>
+          <a:lnRef idx="1">
+            <a:schemeClr val="accent1"/>
+          </a:lnRef>
+          <a:fillRef idx="3">
+            <a:schemeClr val="accent1"/>
+          </a:fillRef>
+          <a:effectRef idx="2">
+            <a:schemeClr val="accent1"/>
+          </a:effectRef>
+          <a:fontRef idx="minor">
+            <a:schemeClr val="lt1"/>
+          </a:fontRef>
+        </p:style>
+      </p:sp>
+      <p:sp>
+        <p:nvSpPr>
+          <p:cNvPr id="19" name="Rectangle 18"/>
+          <p:cNvSpPr>
+            <a:spLocks noGrp="1" noRot="1" noChangeAspect="1" noMove="1" noResize="1" noEditPoints="1" noAdjustHandles="1" noChangeArrowheads="1" noChangeShapeType="1" noTextEdit="1"/>
+          </p:cNvSpPr>
+          <p:nvPr>
+            <p:extLst>
+              <p:ext uri="{386F3935-93C4-4BCD-93E2-E3B085C9AB24}">
+                <p16:designElem xmlns:p16="http://schemas.microsoft.com/office/powerpoint/2015/main" val="1"/>
+              </p:ext>
+            </p:extLst>
+          </p:nvPr>
+        </p:nvSpPr>
+        <p:spPr>
+          <a:xfrm>
+            <a:off x="330214" y="614407"/>
+            <a:ext cx="8482004" cy="1189298"/>
+          </a:xfrm>
+          <a:prstGeom prst="rect">
+            <a:avLst/>
+          </a:prstGeom>
+          <a:solidFill>
+            <a:schemeClr val="accent1"/>
+          </a:solidFill>
+          <a:ln>
+            <a:noFill/>
+          </a:ln>
+          <a:effectLst/>
+        </p:spPr>
+        <p:style>
+          <a:lnRef idx="1">
+            <a:schemeClr val="accent1"/>
+          </a:lnRef>
+          <a:fillRef idx="3">
+            <a:schemeClr val="accent1"/>
+          </a:fillRef>
+          <a:effectRef idx="2">
+            <a:schemeClr val="accent1"/>
+          </a:effectRef>
+          <a:fontRef idx="minor">
+            <a:schemeClr val="lt1"/>
+          </a:fontRef>
+        </p:style>
+      </p:sp>
+      <p:sp useBgFill="1">
+        <p:nvSpPr>
+          <p:cNvPr id="21" name="Rectangle 20"/>
+          <p:cNvSpPr>
+            <a:spLocks noGrp="1" noRot="1" noChangeAspect="1" noMove="1" noResize="1" noEditPoints="1" noAdjustHandles="1" noChangeArrowheads="1" noChangeShapeType="1" noTextEdit="1"/>
+          </p:cNvSpPr>
+          <p:nvPr>
+            <p:extLst>
+              <p:ext uri="{386F3935-93C4-4BCD-93E2-E3B085C9AB24}">
+                <p16:designElem xmlns:p16="http://schemas.microsoft.com/office/powerpoint/2015/main" val="1"/>
+              </p:ext>
+            </p:extLst>
+          </p:nvPr>
+        </p:nvSpPr>
+        <p:spPr>
+          <a:xfrm>
+            <a:off x="0" y="0"/>
+            <a:ext cx="9144000" cy="6858000"/>
+          </a:xfrm>
+          <a:prstGeom prst="rect">
+            <a:avLst/>
+          </a:prstGeom>
+          <a:ln>
+            <a:noFill/>
+          </a:ln>
+        </p:spPr>
+        <p:style>
+          <a:lnRef idx="2">
+            <a:schemeClr val="accent1">
+              <a:shade val="50000"/>
+            </a:schemeClr>
+          </a:lnRef>
+          <a:fillRef idx="1">
+            <a:schemeClr val="accent1"/>
+          </a:fillRef>
+          <a:effectRef idx="0">
+            <a:schemeClr val="accent1"/>
+          </a:effectRef>
+          <a:fontRef idx="minor">
+            <a:schemeClr val="lt1"/>
+          </a:fontRef>
+        </p:style>
+        <p:txBody>
+          <a:bodyPr rtlCol="0" anchor="ctr"/>
+          <a:lstStyle/>
+          <a:p>
+            <a:pPr algn="ctr"/>
+            <a:endParaRPr lang="en-US"/>
+          </a:p>
+        </p:txBody>
+      </p:sp>
+      <p:pic>
+        <p:nvPicPr>
+          <p:cNvPr id="6" name="Content Placeholder 5">
+            <a:extLst>
+              <a:ext uri="{FF2B5EF4-FFF2-40B4-BE49-F238E27FC236}">
+                <a16:creationId xmlns:a16="http://schemas.microsoft.com/office/drawing/2014/main" id="{BBD40626-5EBC-4D0A-88CB-AD4E1DF4DCA3}"/>
+              </a:ext>
+            </a:extLst>
+          </p:cNvPr>
+          <p:cNvPicPr>
+            <a:picLocks noGrp="1" noChangeAspect="1"/>
+          </p:cNvPicPr>
+          <p:nvPr>
+            <p:ph idx="1"/>
+          </p:nvPr>
+        </p:nvPicPr>
+        <p:blipFill rotWithShape="1">
+          <a:blip r:embed="rId2"/>
+          <a:srcRect l="13634" r="25297" b="2549"/>
+          <a:stretch/>
+        </p:blipFill>
+        <p:spPr>
+          <a:xfrm>
+            <a:off x="20" y="10"/>
+            <a:ext cx="9143980" cy="6857990"/>
+          </a:xfrm>
+          <a:prstGeom prst="rect">
+            <a:avLst/>
+          </a:prstGeom>
+        </p:spPr>
+      </p:pic>
+      <p:grpSp>
+        <p:nvGrpSpPr>
+          <p:cNvPr id="23" name="Group 22"/>
+          <p:cNvGrpSpPr>
+            <a:grpSpLocks noGrp="1" noUngrp="1" noRot="1" noChangeAspect="1" noMove="1" noResize="1"/>
+          </p:cNvGrpSpPr>
+          <p:nvPr>
+            <p:extLst>
+              <p:ext uri="{386F3935-93C4-4BCD-93E2-E3B085C9AB24}">
+                <p16:designElem xmlns:p16="http://schemas.microsoft.com/office/powerpoint/2015/main" val="1"/>
+              </p:ext>
+            </p:extLst>
+          </p:nvPr>
+        </p:nvGrpSpPr>
+        <p:grpSpPr>
+          <a:xfrm>
+            <a:off x="328551" y="457200"/>
+            <a:ext cx="2777491" cy="5935132"/>
+            <a:chOff x="438068" y="457200"/>
+            <a:chExt cx="3703320" cy="5935132"/>
+          </a:xfrm>
+        </p:grpSpPr>
+        <p:sp>
+          <p:nvSpPr>
+            <p:cNvPr id="24" name="Rectangle 23"/>
+            <p:cNvSpPr/>
+            <p:nvPr>
+              <p:extLst>
+                <p:ext uri="{386F3935-93C4-4BCD-93E2-E3B085C9AB24}">
+                  <p16:designElem xmlns:p16="http://schemas.microsoft.com/office/powerpoint/2015/main" val="1"/>
+                </p:ext>
+              </p:extLst>
+            </p:nvPr>
+          </p:nvSpPr>
+          <p:spPr>
+            <a:xfrm>
+              <a:off x="438068" y="618067"/>
+              <a:ext cx="3702134" cy="5774265"/>
+            </a:xfrm>
+            <a:prstGeom prst="rect">
+              <a:avLst/>
+            </a:prstGeom>
+            <a:solidFill>
+              <a:schemeClr val="accent1">
+                <a:alpha val="97000"/>
+              </a:schemeClr>
+            </a:solidFill>
+            <a:ln w="6350" cmpd="sng">
+              <a:noFill/>
+            </a:ln>
+            <a:effectLst/>
+          </p:spPr>
+          <p:style>
+            <a:lnRef idx="1">
+              <a:schemeClr val="accent1"/>
+            </a:lnRef>
+            <a:fillRef idx="3">
+              <a:schemeClr val="accent1"/>
+            </a:fillRef>
+            <a:effectRef idx="2">
+              <a:schemeClr val="accent1"/>
+            </a:effectRef>
+            <a:fontRef idx="minor">
+              <a:schemeClr val="lt1"/>
+            </a:fontRef>
+          </p:style>
+        </p:sp>
+        <p:sp>
+          <p:nvSpPr>
+            <p:cNvPr id="25" name="Rectangle 24"/>
+            <p:cNvSpPr/>
+            <p:nvPr>
+              <p:extLst>
+                <p:ext uri="{386F3935-93C4-4BCD-93E2-E3B085C9AB24}">
+                  <p16:designElem xmlns:p16="http://schemas.microsoft.com/office/powerpoint/2015/main" val="1"/>
+                </p:ext>
+              </p:extLst>
+            </p:nvPr>
+          </p:nvSpPr>
+          <p:spPr>
+            <a:xfrm>
+              <a:off x="438068" y="457200"/>
+              <a:ext cx="3703320" cy="94997"/>
+            </a:xfrm>
+            <a:prstGeom prst="rect">
+              <a:avLst/>
+            </a:prstGeom>
+            <a:solidFill>
+              <a:schemeClr val="accent1"/>
+            </a:solidFill>
+            <a:ln>
+              <a:noFill/>
+            </a:ln>
+            <a:effectLst/>
+          </p:spPr>
+          <p:style>
+            <a:lnRef idx="1">
+              <a:schemeClr val="accent1"/>
+            </a:lnRef>
+            <a:fillRef idx="3">
+              <a:schemeClr val="accent1"/>
+            </a:fillRef>
+            <a:effectRef idx="2">
+              <a:schemeClr val="accent1"/>
+            </a:effectRef>
+            <a:fontRef idx="minor">
+              <a:schemeClr val="lt1"/>
+            </a:fontRef>
+          </p:style>
+        </p:sp>
+      </p:grpSp>
+      <p:sp>
+        <p:nvSpPr>
+          <p:cNvPr id="2" name="Title 1">
+            <a:extLst>
+              <a:ext uri="{FF2B5EF4-FFF2-40B4-BE49-F238E27FC236}">
+                <a16:creationId xmlns:a16="http://schemas.microsoft.com/office/drawing/2014/main" id="{4BD6C6E8-9766-469D-9F54-217785D9DB9B}"/>
+              </a:ext>
+            </a:extLst>
+          </p:cNvPr>
+          <p:cNvSpPr>
+            <a:spLocks noGrp="1"/>
+          </p:cNvSpPr>
+          <p:nvPr>
+            <p:ph type="title"/>
+          </p:nvPr>
+        </p:nvSpPr>
+        <p:spPr>
+          <a:xfrm>
+            <a:off x="438150" y="1006956"/>
+            <a:ext cx="2559050" cy="4151524"/>
+          </a:xfrm>
+        </p:spPr>
+        <p:txBody>
+          <a:bodyPr vert="horz" lIns="91440" tIns="45720" rIns="91440" bIns="45720" rtlCol="0" anchor="ctr">
+            <a:normAutofit/>
+          </a:bodyPr>
+          <a:lstStyle/>
+          <a:p>
+            <a:pPr>
+              <a:lnSpc>
+                <a:spcPct val="90000"/>
+              </a:lnSpc>
+            </a:pPr>
+            <a:r>
+              <a:rPr lang="en-US" dirty="0">
+                <a:solidFill>
+                  <a:schemeClr val="bg1"/>
+                </a:solidFill>
+              </a:rPr>
+              <a:t>“Playfully doing something difficult, whether useful or not,  that is hacking”</a:t>
+            </a:r>
+          </a:p>
+        </p:txBody>
+      </p:sp>
+      <p:sp>
+        <p:nvSpPr>
+          <p:cNvPr id="4" name="Text Placeholder 3">
+            <a:extLst>
+              <a:ext uri="{FF2B5EF4-FFF2-40B4-BE49-F238E27FC236}">
+                <a16:creationId xmlns:a16="http://schemas.microsoft.com/office/drawing/2014/main" id="{996D702C-0CDA-4B87-AD7F-394A122D4073}"/>
+              </a:ext>
+            </a:extLst>
+          </p:cNvPr>
+          <p:cNvSpPr>
+            <a:spLocks noGrp="1"/>
+          </p:cNvSpPr>
+          <p:nvPr>
+            <p:ph type="body" sz="half" idx="2"/>
+          </p:nvPr>
+        </p:nvSpPr>
+        <p:spPr>
+          <a:xfrm>
+            <a:off x="435894" y="5547946"/>
+            <a:ext cx="2561306" cy="454920"/>
+          </a:xfrm>
+        </p:spPr>
+        <p:txBody>
+          <a:bodyPr vert="horz" lIns="91440" tIns="45720" rIns="91440" bIns="45720" rtlCol="0" anchor="ctr">
+            <a:normAutofit/>
+          </a:bodyPr>
+          <a:lstStyle/>
+          <a:p>
+            <a:pPr algn="l">
+              <a:buClr>
+                <a:srgbClr val="C88313"/>
+              </a:buClr>
+            </a:pPr>
+            <a:r>
+              <a:rPr lang="en-US" dirty="0">
+                <a:hlinkClick r:id="rId3"/>
+              </a:rPr>
+              <a:t>https://stallman.org/articles/on-hacking.html</a:t>
+            </a:r>
+            <a:endParaRPr lang="en-US" dirty="0"/>
+          </a:p>
+        </p:txBody>
+      </p:sp>
+    </p:spTree>
+    <p:extLst>
+      <p:ext uri="{BB962C8B-B14F-4D97-AF65-F5344CB8AC3E}">
+        <p14:creationId xmlns:p14="http://schemas.microsoft.com/office/powerpoint/2010/main" val="284302820"/>
+      </p:ext>
+    </p:extLst>
+  </p:cSld>
+  <p:clrMapOvr>
+    <a:masterClrMapping/>
+  </p:clrMapOvr>
+</p:sld>
+</file>
+
+<file path=ppt/slides/slide15.xml><?xml version="1.0" encoding="utf-8"?>
+<p:sld xmlns:a="http://schemas.openxmlformats.org/drawingml/2006/main" xmlns:r="http://schemas.openxmlformats.org/officeDocument/2006/relationships" xmlns:p="http://schemas.openxmlformats.org/presentationml/2006/main">
+  <p:cSld>
+    <p:spTree>
+      <p:nvGrpSpPr>
+        <p:cNvPr id="1" name=""/>
+        <p:cNvGrpSpPr/>
+        <p:nvPr/>
+      </p:nvGrpSpPr>
+      <p:grpSpPr>
+        <a:xfrm>
+          <a:off x="0" y="0"/>
+          <a:ext cx="0" cy="0"/>
+          <a:chOff x="0" y="0"/>
+          <a:chExt cx="0" cy="0"/>
+        </a:xfrm>
+      </p:grpSpPr>
+      <p:sp>
+        <p:nvSpPr>
+          <p:cNvPr id="11" name="Rectangle 10"/>
+          <p:cNvSpPr>
+            <a:spLocks noGrp="1" noRot="1" noChangeAspect="1" noMove="1" noResize="1" noEditPoints="1" noAdjustHandles="1" noChangeArrowheads="1" noChangeShapeType="1" noTextEdit="1"/>
+          </p:cNvSpPr>
+          <p:nvPr>
+            <p:extLst>
+              <p:ext uri="{386F3935-93C4-4BCD-93E2-E3B085C9AB24}">
+                <p16:designElem xmlns:p16="http://schemas.microsoft.com/office/powerpoint/2015/main" val="1"/>
+              </p:ext>
+            </p:extLst>
+          </p:nvPr>
+        </p:nvSpPr>
+        <p:spPr bwMode="white">
+          <a:xfrm>
+            <a:off x="0" y="0"/>
+            <a:ext cx="9144000" cy="6858000"/>
+          </a:xfrm>
+          <a:prstGeom prst="rect">
+            <a:avLst/>
+          </a:prstGeom>
+          <a:solidFill>
+            <a:schemeClr val="bg1"/>
+          </a:solidFill>
+          <a:ln>
+            <a:noFill/>
+          </a:ln>
+          <a:effectLst/>
+        </p:spPr>
+      </p:sp>
+      <p:sp>
+        <p:nvSpPr>
+          <p:cNvPr id="13" name="Rectangle 12"/>
+          <p:cNvSpPr>
+            <a:spLocks noGrp="1" noRot="1" noChangeAspect="1" noMove="1" noResize="1" noEditPoints="1" noAdjustHandles="1" noChangeArrowheads="1" noChangeShapeType="1" noTextEdit="1"/>
+          </p:cNvSpPr>
+          <p:nvPr>
+            <p:extLst>
+              <p:ext uri="{386F3935-93C4-4BCD-93E2-E3B085C9AB24}">
+                <p16:designElem xmlns:p16="http://schemas.microsoft.com/office/powerpoint/2015/main" val="1"/>
+              </p:ext>
+            </p:extLst>
+          </p:nvPr>
+        </p:nvSpPr>
+        <p:spPr>
+          <a:xfrm>
+            <a:off x="334900" y="457200"/>
+            <a:ext cx="2777490" cy="94997"/>
+          </a:xfrm>
+          <a:prstGeom prst="rect">
+            <a:avLst/>
+          </a:prstGeom>
+          <a:solidFill>
+            <a:schemeClr val="accent1"/>
+          </a:solidFill>
+          <a:ln>
+            <a:noFill/>
+          </a:ln>
+          <a:effectLst/>
+        </p:spPr>
+        <p:style>
+          <a:lnRef idx="1">
+            <a:schemeClr val="accent1"/>
+          </a:lnRef>
+          <a:fillRef idx="3">
+            <a:schemeClr val="accent1"/>
+          </a:fillRef>
+          <a:effectRef idx="2">
+            <a:schemeClr val="accent1"/>
+          </a:effectRef>
+          <a:fontRef idx="minor">
+            <a:schemeClr val="lt1"/>
+          </a:fontRef>
+        </p:style>
+      </p:sp>
+      <p:sp>
+        <p:nvSpPr>
+          <p:cNvPr id="15" name="Rectangle 14"/>
+          <p:cNvSpPr>
+            <a:spLocks noGrp="1" noRot="1" noChangeAspect="1" noMove="1" noResize="1" noEditPoints="1" noAdjustHandles="1" noChangeArrowheads="1" noChangeShapeType="1" noTextEdit="1"/>
+          </p:cNvSpPr>
+          <p:nvPr>
+            <p:extLst>
+              <p:ext uri="{386F3935-93C4-4BCD-93E2-E3B085C9AB24}">
+                <p16:designElem xmlns:p16="http://schemas.microsoft.com/office/powerpoint/2015/main" val="1"/>
+              </p:ext>
+            </p:extLst>
+          </p:nvPr>
+        </p:nvSpPr>
+        <p:spPr>
+          <a:xfrm>
+            <a:off x="6031610" y="453643"/>
+            <a:ext cx="2777490" cy="98554"/>
+          </a:xfrm>
+          <a:prstGeom prst="rect">
+            <a:avLst/>
+          </a:prstGeom>
+          <a:solidFill>
+            <a:schemeClr val="accent4"/>
+          </a:solidFill>
+          <a:ln>
+            <a:noFill/>
+          </a:ln>
+          <a:effectLst/>
+        </p:spPr>
+        <p:style>
+          <a:lnRef idx="1">
+            <a:schemeClr val="accent1"/>
+          </a:lnRef>
+          <a:fillRef idx="3">
+            <a:schemeClr val="accent1"/>
+          </a:fillRef>
+          <a:effectRef idx="2">
+            <a:schemeClr val="accent1"/>
+          </a:effectRef>
+          <a:fontRef idx="minor">
+            <a:schemeClr val="lt1"/>
+          </a:fontRef>
+        </p:style>
+      </p:sp>
+      <p:sp>
+        <p:nvSpPr>
+          <p:cNvPr id="17" name="Rectangle 16"/>
+          <p:cNvSpPr>
+            <a:spLocks noGrp="1" noRot="1" noChangeAspect="1" noMove="1" noResize="1" noEditPoints="1" noAdjustHandles="1" noChangeArrowheads="1" noChangeShapeType="1" noTextEdit="1"/>
+          </p:cNvSpPr>
+          <p:nvPr>
+            <p:extLst>
+              <p:ext uri="{386F3935-93C4-4BCD-93E2-E3B085C9AB24}">
+                <p16:designElem xmlns:p16="http://schemas.microsoft.com/office/powerpoint/2015/main" val="1"/>
+              </p:ext>
+            </p:extLst>
+          </p:nvPr>
+        </p:nvSpPr>
+        <p:spPr>
+          <a:xfrm>
+            <a:off x="3181372" y="457200"/>
+            <a:ext cx="2777490" cy="91440"/>
+          </a:xfrm>
+          <a:prstGeom prst="rect">
+            <a:avLst/>
+          </a:prstGeom>
+          <a:solidFill>
+            <a:schemeClr val="accent2"/>
+          </a:solidFill>
+          <a:ln>
+            <a:noFill/>
+          </a:ln>
+          <a:effectLst/>
+        </p:spPr>
+        <p:style>
+          <a:lnRef idx="1">
+            <a:schemeClr val="accent1"/>
+          </a:lnRef>
+          <a:fillRef idx="3">
+            <a:schemeClr val="accent1"/>
+          </a:fillRef>
+          <a:effectRef idx="2">
+            <a:schemeClr val="accent1"/>
+          </a:effectRef>
+          <a:fontRef idx="minor">
+            <a:schemeClr val="lt1"/>
+          </a:fontRef>
+        </p:style>
+      </p:sp>
+      <p:sp>
+        <p:nvSpPr>
+          <p:cNvPr id="19" name="Rectangle 18"/>
+          <p:cNvSpPr>
+            <a:spLocks noGrp="1" noRot="1" noChangeAspect="1" noMove="1" noResize="1" noEditPoints="1" noAdjustHandles="1" noChangeArrowheads="1" noChangeShapeType="1" noTextEdit="1"/>
+          </p:cNvSpPr>
+          <p:nvPr>
+            <p:extLst>
+              <p:ext uri="{386F3935-93C4-4BCD-93E2-E3B085C9AB24}">
+                <p16:designElem xmlns:p16="http://schemas.microsoft.com/office/powerpoint/2015/main" val="1"/>
+              </p:ext>
+            </p:extLst>
+          </p:nvPr>
+        </p:nvSpPr>
+        <p:spPr>
+          <a:xfrm>
+            <a:off x="330214" y="614407"/>
+            <a:ext cx="8482004" cy="1189298"/>
+          </a:xfrm>
+          <a:prstGeom prst="rect">
+            <a:avLst/>
+          </a:prstGeom>
+          <a:solidFill>
+            <a:schemeClr val="accent1"/>
+          </a:solidFill>
+          <a:ln>
+            <a:noFill/>
+          </a:ln>
+          <a:effectLst/>
+        </p:spPr>
+        <p:style>
+          <a:lnRef idx="1">
+            <a:schemeClr val="accent1"/>
+          </a:lnRef>
+          <a:fillRef idx="3">
+            <a:schemeClr val="accent1"/>
+          </a:fillRef>
+          <a:effectRef idx="2">
+            <a:schemeClr val="accent1"/>
+          </a:effectRef>
+          <a:fontRef idx="minor">
+            <a:schemeClr val="lt1"/>
+          </a:fontRef>
+        </p:style>
+      </p:sp>
+      <p:sp useBgFill="1">
+        <p:nvSpPr>
+          <p:cNvPr id="21" name="Rectangle 20"/>
+          <p:cNvSpPr>
+            <a:spLocks noGrp="1" noRot="1" noChangeAspect="1" noMove="1" noResize="1" noEditPoints="1" noAdjustHandles="1" noChangeArrowheads="1" noChangeShapeType="1" noTextEdit="1"/>
+          </p:cNvSpPr>
+          <p:nvPr>
+            <p:extLst>
+              <p:ext uri="{386F3935-93C4-4BCD-93E2-E3B085C9AB24}">
+                <p16:designElem xmlns:p16="http://schemas.microsoft.com/office/powerpoint/2015/main" val="1"/>
+              </p:ext>
+            </p:extLst>
+          </p:nvPr>
+        </p:nvSpPr>
+        <p:spPr>
+          <a:xfrm>
+            <a:off x="0" y="0"/>
+            <a:ext cx="9144000" cy="6858000"/>
+          </a:xfrm>
+          <a:prstGeom prst="rect">
+            <a:avLst/>
+          </a:prstGeom>
+          <a:ln>
+            <a:noFill/>
+          </a:ln>
+        </p:spPr>
+        <p:style>
+          <a:lnRef idx="2">
+            <a:schemeClr val="accent1">
+              <a:shade val="50000"/>
+            </a:schemeClr>
+          </a:lnRef>
+          <a:fillRef idx="1">
+            <a:schemeClr val="accent1"/>
+          </a:fillRef>
+          <a:effectRef idx="0">
+            <a:schemeClr val="accent1"/>
+          </a:effectRef>
+          <a:fontRef idx="minor">
+            <a:schemeClr val="lt1"/>
+          </a:fontRef>
+        </p:style>
+        <p:txBody>
+          <a:bodyPr rtlCol="0" anchor="ctr"/>
+          <a:lstStyle/>
+          <a:p>
+            <a:pPr algn="ctr"/>
+            <a:endParaRPr lang="en-US"/>
+          </a:p>
+        </p:txBody>
+      </p:sp>
+      <p:pic>
+        <p:nvPicPr>
+          <p:cNvPr id="6" name="Content Placeholder 5">
+            <a:extLst>
+              <a:ext uri="{FF2B5EF4-FFF2-40B4-BE49-F238E27FC236}">
+                <a16:creationId xmlns:a16="http://schemas.microsoft.com/office/drawing/2014/main" id="{4083A16B-F65F-4533-BDA6-E345F98BC84E}"/>
+              </a:ext>
+            </a:extLst>
+          </p:cNvPr>
+          <p:cNvPicPr>
+            <a:picLocks noGrp="1" noChangeAspect="1"/>
+          </p:cNvPicPr>
+          <p:nvPr>
+            <p:ph sz="half" idx="2"/>
+          </p:nvPr>
+        </p:nvPicPr>
+        <p:blipFill rotWithShape="1">
+          <a:blip r:embed="rId2">
+            <a:duotone>
+              <a:schemeClr val="bg2">
+                <a:shade val="45000"/>
+                <a:satMod val="135000"/>
+              </a:schemeClr>
+              <a:prstClr val="white"/>
+            </a:duotone>
+            <a:alphaModFix amt="35000"/>
+            <a:extLst/>
+          </a:blip>
+          <a:srcRect l="15662" r="18560"/>
+          <a:stretch/>
+        </p:blipFill>
+        <p:spPr>
+          <a:xfrm>
+            <a:off x="20" y="10"/>
+            <a:ext cx="9143980" cy="6857990"/>
+          </a:xfrm>
+          <a:prstGeom prst="rect">
+            <a:avLst/>
+          </a:prstGeom>
+        </p:spPr>
+      </p:pic>
+      <p:sp>
+        <p:nvSpPr>
+          <p:cNvPr id="23" name="Rectangle 22"/>
+          <p:cNvSpPr>
+            <a:spLocks noGrp="1" noRot="1" noChangeAspect="1" noMove="1" noResize="1" noEditPoints="1" noAdjustHandles="1" noChangeArrowheads="1" noChangeShapeType="1" noTextEdit="1"/>
+          </p:cNvSpPr>
+          <p:nvPr>
+            <p:extLst>
+              <p:ext uri="{386F3935-93C4-4BCD-93E2-E3B085C9AB24}">
+                <p16:designElem xmlns:p16="http://schemas.microsoft.com/office/powerpoint/2015/main" val="1"/>
+              </p:ext>
+            </p:extLst>
+          </p:nvPr>
+        </p:nvSpPr>
+        <p:spPr>
+          <a:xfrm>
+            <a:off x="330214" y="614407"/>
+            <a:ext cx="8482004" cy="1189298"/>
+          </a:xfrm>
+          <a:prstGeom prst="rect">
+            <a:avLst/>
+          </a:prstGeom>
+          <a:solidFill>
+            <a:schemeClr val="accent1"/>
+          </a:solidFill>
+          <a:ln>
+            <a:noFill/>
+          </a:ln>
+          <a:effectLst/>
+        </p:spPr>
+        <p:style>
+          <a:lnRef idx="1">
+            <a:schemeClr val="accent1"/>
+          </a:lnRef>
+          <a:fillRef idx="3">
+            <a:schemeClr val="accent1"/>
+          </a:fillRef>
+          <a:effectRef idx="2">
+            <a:schemeClr val="accent1"/>
+          </a:effectRef>
+          <a:fontRef idx="minor">
+            <a:schemeClr val="lt1"/>
+          </a:fontRef>
+        </p:style>
+      </p:sp>
+      <p:sp>
+        <p:nvSpPr>
+          <p:cNvPr id="25" name="Rectangle 24"/>
+          <p:cNvSpPr>
+            <a:spLocks noGrp="1" noRot="1" noChangeAspect="1" noMove="1" noResize="1" noEditPoints="1" noAdjustHandles="1" noChangeArrowheads="1" noChangeShapeType="1" noTextEdit="1"/>
+          </p:cNvSpPr>
+          <p:nvPr>
+            <p:extLst>
+              <p:ext uri="{386F3935-93C4-4BCD-93E2-E3B085C9AB24}">
+                <p16:designElem xmlns:p16="http://schemas.microsoft.com/office/powerpoint/2015/main" val="1"/>
+              </p:ext>
+            </p:extLst>
+          </p:nvPr>
+        </p:nvSpPr>
+        <p:spPr>
+          <a:xfrm>
+            <a:off x="334900" y="457200"/>
+            <a:ext cx="2777490" cy="94997"/>
+          </a:xfrm>
+          <a:prstGeom prst="rect">
+            <a:avLst/>
+          </a:prstGeom>
+          <a:solidFill>
+            <a:schemeClr val="accent1"/>
+          </a:solidFill>
+          <a:ln>
+            <a:noFill/>
+          </a:ln>
+          <a:effectLst/>
+        </p:spPr>
+        <p:style>
+          <a:lnRef idx="1">
+            <a:schemeClr val="accent1"/>
+          </a:lnRef>
+          <a:fillRef idx="3">
+            <a:schemeClr val="accent1"/>
+          </a:fillRef>
+          <a:effectRef idx="2">
+            <a:schemeClr val="accent1"/>
+          </a:effectRef>
+          <a:fontRef idx="minor">
+            <a:schemeClr val="lt1"/>
+          </a:fontRef>
+        </p:style>
+      </p:sp>
+      <p:sp>
+        <p:nvSpPr>
+          <p:cNvPr id="27" name="Rectangle 26"/>
+          <p:cNvSpPr>
+            <a:spLocks noGrp="1" noRot="1" noChangeAspect="1" noMove="1" noResize="1" noEditPoints="1" noAdjustHandles="1" noChangeArrowheads="1" noChangeShapeType="1" noTextEdit="1"/>
+          </p:cNvSpPr>
+          <p:nvPr>
+            <p:extLst>
+              <p:ext uri="{386F3935-93C4-4BCD-93E2-E3B085C9AB24}">
+                <p16:designElem xmlns:p16="http://schemas.microsoft.com/office/powerpoint/2015/main" val="1"/>
+              </p:ext>
+            </p:extLst>
+          </p:nvPr>
+        </p:nvSpPr>
+        <p:spPr>
+          <a:xfrm>
+            <a:off x="6031610" y="453643"/>
+            <a:ext cx="2777490" cy="98554"/>
+          </a:xfrm>
+          <a:prstGeom prst="rect">
+            <a:avLst/>
+          </a:prstGeom>
+          <a:solidFill>
+            <a:schemeClr val="accent4"/>
+          </a:solidFill>
+          <a:ln>
+            <a:noFill/>
+          </a:ln>
+          <a:effectLst/>
+        </p:spPr>
+        <p:style>
+          <a:lnRef idx="1">
+            <a:schemeClr val="accent1"/>
+          </a:lnRef>
+          <a:fillRef idx="3">
+            <a:schemeClr val="accent1"/>
+          </a:fillRef>
+          <a:effectRef idx="2">
+            <a:schemeClr val="accent1"/>
+          </a:effectRef>
+          <a:fontRef idx="minor">
+            <a:schemeClr val="lt1"/>
+          </a:fontRef>
+        </p:style>
+      </p:sp>
+      <p:sp>
+        <p:nvSpPr>
+          <p:cNvPr id="29" name="Rectangle 28"/>
+          <p:cNvSpPr>
+            <a:spLocks noGrp="1" noRot="1" noChangeAspect="1" noMove="1" noResize="1" noEditPoints="1" noAdjustHandles="1" noChangeArrowheads="1" noChangeShapeType="1" noTextEdit="1"/>
+          </p:cNvSpPr>
+          <p:nvPr>
+            <p:extLst>
+              <p:ext uri="{386F3935-93C4-4BCD-93E2-E3B085C9AB24}">
+                <p16:designElem xmlns:p16="http://schemas.microsoft.com/office/powerpoint/2015/main" val="1"/>
+              </p:ext>
+            </p:extLst>
+          </p:nvPr>
+        </p:nvSpPr>
+        <p:spPr>
+          <a:xfrm>
+            <a:off x="3181372" y="457200"/>
+            <a:ext cx="2777490" cy="91440"/>
+          </a:xfrm>
+          <a:prstGeom prst="rect">
+            <a:avLst/>
+          </a:prstGeom>
+          <a:solidFill>
+            <a:schemeClr val="accent2"/>
+          </a:solidFill>
+          <a:ln>
+            <a:noFill/>
+          </a:ln>
+          <a:effectLst/>
+        </p:spPr>
+        <p:style>
+          <a:lnRef idx="1">
+            <a:schemeClr val="accent1"/>
+          </a:lnRef>
+          <a:fillRef idx="3">
+            <a:schemeClr val="accent1"/>
+          </a:fillRef>
+          <a:effectRef idx="2">
+            <a:schemeClr val="accent1"/>
+          </a:effectRef>
+          <a:fontRef idx="minor">
+            <a:schemeClr val="lt1"/>
+          </a:fontRef>
+        </p:style>
+      </p:sp>
+      <p:sp>
+        <p:nvSpPr>
+          <p:cNvPr id="2" name="Title 1">
+            <a:extLst>
+              <a:ext uri="{FF2B5EF4-FFF2-40B4-BE49-F238E27FC236}">
+                <a16:creationId xmlns:a16="http://schemas.microsoft.com/office/drawing/2014/main" id="{77A4C393-D7AC-4AAD-98DE-B3E987601CB0}"/>
+              </a:ext>
+            </a:extLst>
+          </p:cNvPr>
+          <p:cNvSpPr>
+            <a:spLocks noGrp="1"/>
+          </p:cNvSpPr>
+          <p:nvPr>
+            <p:ph type="title"/>
+          </p:nvPr>
+        </p:nvSpPr>
+        <p:spPr>
+          <a:xfrm>
+            <a:off x="435894" y="702156"/>
+            <a:ext cx="8272212" cy="1013800"/>
+          </a:xfrm>
+        </p:spPr>
+        <p:txBody>
+          <a:bodyPr vert="horz" lIns="91440" tIns="45720" rIns="91440" bIns="45720" rtlCol="0" anchor="b">
+            <a:normAutofit/>
+          </a:bodyPr>
+          <a:lstStyle/>
+          <a:p>
+            <a:r>
+              <a:rPr lang="en-US"/>
+              <a:t>GNU is Not Unix</a:t>
+            </a:r>
+          </a:p>
+        </p:txBody>
+      </p:sp>
+      <p:sp>
+        <p:nvSpPr>
+          <p:cNvPr id="3" name="Content Placeholder 2">
+            <a:extLst>
+              <a:ext uri="{FF2B5EF4-FFF2-40B4-BE49-F238E27FC236}">
+                <a16:creationId xmlns:a16="http://schemas.microsoft.com/office/drawing/2014/main" id="{CD7E1485-C507-49C1-AB27-8DC12059FDD6}"/>
+              </a:ext>
+            </a:extLst>
+          </p:cNvPr>
+          <p:cNvSpPr>
+            <a:spLocks noGrp="1"/>
+          </p:cNvSpPr>
+          <p:nvPr>
+            <p:ph sz="half" idx="1"/>
+          </p:nvPr>
+        </p:nvSpPr>
+        <p:spPr>
+          <a:xfrm>
+            <a:off x="435894" y="2180496"/>
+            <a:ext cx="8272211" cy="3678303"/>
+          </a:xfrm>
+        </p:spPr>
+        <p:txBody>
+          <a:bodyPr vert="horz" lIns="91440" tIns="45720" rIns="91440" bIns="45720" rtlCol="0" anchor="ctr">
+            <a:normAutofit/>
+          </a:bodyPr>
+          <a:lstStyle/>
+          <a:p>
+            <a:pPr>
+              <a:buFont typeface="Wingdings 2" panose="05020102010507070707" pitchFamily="18" charset="2"/>
+              <a:buChar char=""/>
+            </a:pPr>
+            <a:r>
+              <a:rPr lang="en-US" sz="2400" dirty="0"/>
+              <a:t>Sistema </a:t>
+            </a:r>
+            <a:r>
+              <a:rPr lang="en-US" sz="2400" dirty="0" err="1"/>
+              <a:t>operativo</a:t>
+            </a:r>
+            <a:r>
+              <a:rPr lang="en-US" sz="2400" dirty="0"/>
+              <a:t> de tipo Unix</a:t>
+            </a:r>
+          </a:p>
+          <a:p>
+            <a:pPr>
+              <a:buFont typeface="Wingdings 2" panose="05020102010507070707" pitchFamily="18" charset="2"/>
+              <a:buChar char=""/>
+            </a:pPr>
+            <a:r>
+              <a:rPr lang="en-US" sz="2400" dirty="0"/>
+              <a:t>El </a:t>
+            </a:r>
+            <a:r>
+              <a:rPr lang="en-US" sz="2400" dirty="0" err="1"/>
+              <a:t>proyecto</a:t>
+            </a:r>
+            <a:r>
+              <a:rPr lang="en-US" sz="2400" dirty="0"/>
+              <a:t> ha </a:t>
+            </a:r>
+            <a:r>
+              <a:rPr lang="en-US" sz="2400" dirty="0" err="1"/>
+              <a:t>sido</a:t>
+            </a:r>
+            <a:r>
+              <a:rPr lang="en-US" sz="2400" dirty="0"/>
+              <a:t> </a:t>
+            </a:r>
+            <a:r>
+              <a:rPr lang="en-US" sz="2400" dirty="0" err="1"/>
+              <a:t>responsable</a:t>
+            </a:r>
+            <a:r>
+              <a:rPr lang="en-US" sz="2400" dirty="0"/>
+              <a:t> </a:t>
+            </a:r>
+            <a:r>
+              <a:rPr lang="en-US" sz="2400" dirty="0" err="1"/>
+              <a:t>por</a:t>
+            </a:r>
+            <a:r>
+              <a:rPr lang="en-US" sz="2400" dirty="0"/>
+              <a:t> la </a:t>
+            </a:r>
+            <a:r>
+              <a:rPr lang="en-US" sz="2400" dirty="0" err="1"/>
+              <a:t>creación</a:t>
+            </a:r>
+            <a:r>
+              <a:rPr lang="en-US" sz="2400" dirty="0"/>
+              <a:t> de </a:t>
+            </a:r>
+            <a:r>
+              <a:rPr lang="en-US" sz="2400" dirty="0" err="1"/>
+              <a:t>varios</a:t>
+            </a:r>
+            <a:r>
+              <a:rPr lang="en-US" sz="2400" dirty="0"/>
+              <a:t> </a:t>
+            </a:r>
+            <a:r>
+              <a:rPr lang="en-US" sz="2400" dirty="0" err="1"/>
+              <a:t>programas</a:t>
+            </a:r>
+            <a:r>
+              <a:rPr lang="en-US" sz="2400" dirty="0"/>
+              <a:t> </a:t>
+            </a:r>
+          </a:p>
+          <a:p>
+            <a:pPr lvl="1">
+              <a:buFont typeface="Wingdings 2" panose="05020102010507070707" pitchFamily="18" charset="2"/>
+              <a:buChar char=""/>
+            </a:pPr>
+            <a:r>
+              <a:rPr lang="en-US" sz="2000" dirty="0" err="1"/>
+              <a:t>Compiladores</a:t>
+            </a:r>
+            <a:r>
+              <a:rPr lang="en-US" sz="2000" dirty="0"/>
+              <a:t> </a:t>
+            </a:r>
+            <a:r>
+              <a:rPr lang="en-US" sz="2000" dirty="0">
+                <a:hlinkClick r:id="rId3" tooltip="GCC"/>
+              </a:rPr>
+              <a:t>GCC</a:t>
+            </a:r>
+            <a:endParaRPr lang="en-US" sz="2000" dirty="0"/>
+          </a:p>
+          <a:p>
+            <a:pPr lvl="1">
+              <a:buFont typeface="Wingdings 2" panose="05020102010507070707" pitchFamily="18" charset="2"/>
+              <a:buChar char=""/>
+            </a:pPr>
+            <a:r>
+              <a:rPr lang="en-US" sz="2000" dirty="0" err="1"/>
+              <a:t>Intérprete</a:t>
+            </a:r>
+            <a:r>
+              <a:rPr lang="en-US" sz="2000" dirty="0"/>
+              <a:t> de </a:t>
+            </a:r>
+            <a:r>
+              <a:rPr lang="en-US" sz="2000" dirty="0" err="1"/>
+              <a:t>comandos</a:t>
+            </a:r>
+            <a:r>
+              <a:rPr lang="en-US" sz="2000" dirty="0"/>
+              <a:t> </a:t>
+            </a:r>
+            <a:r>
+              <a:rPr lang="en-US" sz="2000" dirty="0">
+                <a:hlinkClick r:id="rId4" tooltip="Bash"/>
+              </a:rPr>
+              <a:t>Bash</a:t>
+            </a:r>
+            <a:endParaRPr lang="en-US" sz="2000" dirty="0"/>
+          </a:p>
+          <a:p>
+            <a:pPr lvl="1">
+              <a:buFont typeface="Wingdings 2" panose="05020102010507070707" pitchFamily="18" charset="2"/>
+              <a:buChar char=""/>
+            </a:pPr>
+            <a:r>
+              <a:rPr lang="en-US" sz="2000" dirty="0"/>
+              <a:t>Editor de </a:t>
+            </a:r>
+            <a:r>
+              <a:rPr lang="en-US" sz="2000" dirty="0" err="1"/>
+              <a:t>texto</a:t>
+            </a:r>
+            <a:r>
+              <a:rPr lang="en-US" sz="2000" dirty="0"/>
+              <a:t> </a:t>
+            </a:r>
+            <a:r>
+              <a:rPr lang="en-US" sz="2000" dirty="0">
+                <a:hlinkClick r:id="rId5" tooltip="Emacs"/>
+              </a:rPr>
+              <a:t>Emacs</a:t>
+            </a:r>
+            <a:r>
+              <a:rPr lang="en-US" sz="2000" dirty="0"/>
+              <a:t> </a:t>
+            </a:r>
+          </a:p>
+          <a:p>
+            <a:pPr lvl="1">
+              <a:buFont typeface="Wingdings 2" panose="05020102010507070707" pitchFamily="18" charset="2"/>
+              <a:buChar char=""/>
+            </a:pPr>
+            <a:r>
+              <a:rPr lang="en-US" sz="2000" dirty="0" err="1"/>
+              <a:t>Escritorio</a:t>
+            </a:r>
+            <a:r>
+              <a:rPr lang="en-US" sz="2000" dirty="0"/>
+              <a:t> </a:t>
+            </a:r>
+            <a:r>
+              <a:rPr lang="en-US" sz="2000" dirty="0">
+                <a:hlinkClick r:id="rId6" tooltip="GNOME"/>
+              </a:rPr>
+              <a:t>GNOME</a:t>
+            </a:r>
+            <a:endParaRPr lang="en-US" sz="2000" dirty="0"/>
+          </a:p>
+        </p:txBody>
+      </p:sp>
+    </p:spTree>
+    <p:extLst>
+      <p:ext uri="{BB962C8B-B14F-4D97-AF65-F5344CB8AC3E}">
+        <p14:creationId xmlns:p14="http://schemas.microsoft.com/office/powerpoint/2010/main" val="60198427"/>
+      </p:ext>
+    </p:extLst>
+  </p:cSld>
+  <p:clrMapOvr>
+    <a:masterClrMapping/>
+  </p:clrMapOvr>
+</p:sld>
+</file>
+
+<file path=ppt/slides/slide16.xml><?xml version="1.0" encoding="utf-8"?>
+<p:sld xmlns:a="http://schemas.openxmlformats.org/drawingml/2006/main" xmlns:r="http://schemas.openxmlformats.org/officeDocument/2006/relationships" xmlns:p="http://schemas.openxmlformats.org/presentationml/2006/main">
+  <p:cSld>
+    <p:spTree>
+      <p:nvGrpSpPr>
+        <p:cNvPr id="1" name=""/>
+        <p:cNvGrpSpPr/>
+        <p:nvPr/>
+      </p:nvGrpSpPr>
+      <p:grpSpPr>
+        <a:xfrm>
+          <a:off x="0" y="0"/>
+          <a:ext cx="0" cy="0"/>
+          <a:chOff x="0" y="0"/>
+          <a:chExt cx="0" cy="0"/>
+        </a:xfrm>
+      </p:grpSpPr>
+      <p:sp useBgFill="1">
+        <p:nvSpPr>
+          <p:cNvPr id="10" name="Rectangle 9"/>
+          <p:cNvSpPr>
+            <a:spLocks noGrp="1" noRot="1" noChangeAspect="1" noMove="1" noResize="1" noEditPoints="1" noAdjustHandles="1" noChangeArrowheads="1" noChangeShapeType="1" noTextEdit="1"/>
+          </p:cNvSpPr>
+          <p:nvPr>
+            <p:extLst>
+              <p:ext uri="{386F3935-93C4-4BCD-93E2-E3B085C9AB24}">
+                <p16:designElem xmlns:p16="http://schemas.microsoft.com/office/powerpoint/2015/main" val="1"/>
+              </p:ext>
+            </p:extLst>
+          </p:nvPr>
+        </p:nvSpPr>
+        <p:spPr>
+          <a:xfrm>
+            <a:off x="0" y="548641"/>
+            <a:ext cx="9143999" cy="6309360"/>
+          </a:xfrm>
+          <a:prstGeom prst="rect">
+            <a:avLst/>
+          </a:prstGeom>
+          <a:ln>
+            <a:noFill/>
+          </a:ln>
+        </p:spPr>
+        <p:style>
+          <a:lnRef idx="2">
+            <a:schemeClr val="accent1">
+              <a:shade val="50000"/>
+            </a:schemeClr>
+          </a:lnRef>
+          <a:fillRef idx="1">
+            <a:schemeClr val="accent1"/>
+          </a:fillRef>
+          <a:effectRef idx="0">
+            <a:schemeClr val="accent1"/>
+          </a:effectRef>
+          <a:fontRef idx="minor">
+            <a:schemeClr val="lt1"/>
+          </a:fontRef>
+        </p:style>
+        <p:txBody>
+          <a:bodyPr rtlCol="0" anchor="ctr"/>
+          <a:lstStyle/>
+          <a:p>
+            <a:pPr algn="ctr"/>
+            <a:endParaRPr lang="en-US"/>
+          </a:p>
+        </p:txBody>
+      </p:sp>
+      <p:sp>
+        <p:nvSpPr>
+          <p:cNvPr id="12" name="Rectangle 11"/>
+          <p:cNvSpPr>
+            <a:spLocks noGrp="1" noRot="1" noChangeAspect="1" noMove="1" noResize="1" noEditPoints="1" noAdjustHandles="1" noChangeArrowheads="1" noChangeShapeType="1" noTextEdit="1"/>
+          </p:cNvSpPr>
+          <p:nvPr>
+            <p:extLst>
+              <p:ext uri="{386F3935-93C4-4BCD-93E2-E3B085C9AB24}">
+                <p16:designElem xmlns:p16="http://schemas.microsoft.com/office/powerpoint/2015/main" val="1"/>
+              </p:ext>
+            </p:extLst>
+          </p:nvPr>
+        </p:nvSpPr>
+        <p:spPr>
+          <a:xfrm>
+            <a:off x="346077" y="723899"/>
+            <a:ext cx="2777490" cy="5666666"/>
+          </a:xfrm>
+          <a:prstGeom prst="rect">
+            <a:avLst/>
+          </a:prstGeom>
+          <a:solidFill>
+            <a:schemeClr val="accent1"/>
+          </a:solidFill>
+          <a:ln>
+            <a:noFill/>
+          </a:ln>
+          <a:effectLst/>
+        </p:spPr>
+        <p:style>
+          <a:lnRef idx="1">
+            <a:schemeClr val="accent1"/>
+          </a:lnRef>
+          <a:fillRef idx="3">
+            <a:schemeClr val="accent1"/>
+          </a:fillRef>
+          <a:effectRef idx="2">
+            <a:schemeClr val="accent1"/>
+          </a:effectRef>
+          <a:fontRef idx="minor">
+            <a:schemeClr val="lt1"/>
+          </a:fontRef>
+        </p:style>
+      </p:sp>
+      <p:sp>
+        <p:nvSpPr>
+          <p:cNvPr id="14" name="Rectangle 13"/>
+          <p:cNvSpPr>
+            <a:spLocks noGrp="1" noRot="1" noChangeAspect="1" noMove="1" noResize="1" noEditPoints="1" noAdjustHandles="1" noChangeArrowheads="1" noChangeShapeType="1" noTextEdit="1"/>
+          </p:cNvSpPr>
+          <p:nvPr>
+            <p:extLst>
+              <p:ext uri="{386F3935-93C4-4BCD-93E2-E3B085C9AB24}">
+                <p16:designElem xmlns:p16="http://schemas.microsoft.com/office/powerpoint/2015/main" val="1"/>
+              </p:ext>
+            </p:extLst>
+          </p:nvPr>
+        </p:nvSpPr>
+        <p:spPr>
+          <a:xfrm>
+            <a:off x="334900" y="457200"/>
+            <a:ext cx="2777490" cy="94997"/>
+          </a:xfrm>
+          <a:prstGeom prst="rect">
+            <a:avLst/>
+          </a:prstGeom>
+          <a:solidFill>
+            <a:schemeClr val="accent1"/>
+          </a:solidFill>
+          <a:ln>
+            <a:noFill/>
+          </a:ln>
+          <a:effectLst/>
+        </p:spPr>
+        <p:style>
+          <a:lnRef idx="1">
+            <a:schemeClr val="accent1"/>
+          </a:lnRef>
+          <a:fillRef idx="3">
+            <a:schemeClr val="accent1"/>
+          </a:fillRef>
+          <a:effectRef idx="2">
+            <a:schemeClr val="accent1"/>
+          </a:effectRef>
+          <a:fontRef idx="minor">
+            <a:schemeClr val="lt1"/>
+          </a:fontRef>
+        </p:style>
+      </p:sp>
+      <p:sp>
+        <p:nvSpPr>
+          <p:cNvPr id="16" name="Rectangle 15"/>
+          <p:cNvSpPr>
+            <a:spLocks noGrp="1" noRot="1" noChangeAspect="1" noMove="1" noResize="1" noEditPoints="1" noAdjustHandles="1" noChangeArrowheads="1" noChangeShapeType="1" noTextEdit="1"/>
+          </p:cNvSpPr>
+          <p:nvPr>
+            <p:extLst>
+              <p:ext uri="{386F3935-93C4-4BCD-93E2-E3B085C9AB24}">
+                <p16:designElem xmlns:p16="http://schemas.microsoft.com/office/powerpoint/2015/main" val="1"/>
+              </p:ext>
+            </p:extLst>
+          </p:nvPr>
+        </p:nvSpPr>
+        <p:spPr>
+          <a:xfrm>
+            <a:off x="6031610" y="453643"/>
+            <a:ext cx="2777490" cy="98554"/>
+          </a:xfrm>
+          <a:prstGeom prst="rect">
+            <a:avLst/>
+          </a:prstGeom>
+          <a:solidFill>
+            <a:schemeClr val="accent4"/>
+          </a:solidFill>
+          <a:ln>
+            <a:noFill/>
+          </a:ln>
+          <a:effectLst/>
+        </p:spPr>
+        <p:style>
+          <a:lnRef idx="1">
+            <a:schemeClr val="accent1"/>
+          </a:lnRef>
+          <a:fillRef idx="3">
+            <a:schemeClr val="accent1"/>
+          </a:fillRef>
+          <a:effectRef idx="2">
+            <a:schemeClr val="accent1"/>
+          </a:effectRef>
+          <a:fontRef idx="minor">
+            <a:schemeClr val="lt1"/>
+          </a:fontRef>
+        </p:style>
+      </p:sp>
+      <p:sp>
+        <p:nvSpPr>
+          <p:cNvPr id="18" name="Rectangle 17"/>
+          <p:cNvSpPr>
+            <a:spLocks noGrp="1" noRot="1" noChangeAspect="1" noMove="1" noResize="1" noEditPoints="1" noAdjustHandles="1" noChangeArrowheads="1" noChangeShapeType="1" noTextEdit="1"/>
+          </p:cNvSpPr>
+          <p:nvPr>
+            <p:extLst>
+              <p:ext uri="{386F3935-93C4-4BCD-93E2-E3B085C9AB24}">
+                <p16:designElem xmlns:p16="http://schemas.microsoft.com/office/powerpoint/2015/main" val="1"/>
+              </p:ext>
+            </p:extLst>
+          </p:nvPr>
+        </p:nvSpPr>
+        <p:spPr>
+          <a:xfrm>
+            <a:off x="3181372" y="457200"/>
+            <a:ext cx="2777490" cy="91440"/>
+          </a:xfrm>
+          <a:prstGeom prst="rect">
+            <a:avLst/>
+          </a:prstGeom>
+          <a:solidFill>
+            <a:schemeClr val="accent2"/>
+          </a:solidFill>
+          <a:ln>
+            <a:noFill/>
+          </a:ln>
+          <a:effectLst/>
+        </p:spPr>
+        <p:style>
+          <a:lnRef idx="1">
+            <a:schemeClr val="accent1"/>
+          </a:lnRef>
+          <a:fillRef idx="3">
+            <a:schemeClr val="accent1"/>
+          </a:fillRef>
+          <a:effectRef idx="2">
+            <a:schemeClr val="accent1"/>
+          </a:effectRef>
+          <a:fontRef idx="minor">
+            <a:schemeClr val="lt1"/>
+          </a:fontRef>
+        </p:style>
+      </p:sp>
+      <p:pic>
+        <p:nvPicPr>
+          <p:cNvPr id="5" name="Picture 4">
+            <a:extLst>
+              <a:ext uri="{FF2B5EF4-FFF2-40B4-BE49-F238E27FC236}">
+                <a16:creationId xmlns:a16="http://schemas.microsoft.com/office/drawing/2014/main" id="{8C3D15C5-CA89-4D91-B37E-569E0F320FE4}"/>
+              </a:ext>
+            </a:extLst>
+          </p:cNvPr>
+          <p:cNvPicPr>
+            <a:picLocks noChangeAspect="1"/>
+          </p:cNvPicPr>
+          <p:nvPr/>
+        </p:nvPicPr>
+        <p:blipFill>
+          <a:blip r:embed="rId2"/>
+          <a:stretch>
+            <a:fillRect/>
+          </a:stretch>
+        </p:blipFill>
+        <p:spPr>
+          <a:xfrm>
+            <a:off x="3421402" y="4722242"/>
+            <a:ext cx="5325184" cy="1624183"/>
+          </a:xfrm>
+          <a:prstGeom prst="rect">
+            <a:avLst/>
+          </a:prstGeom>
+        </p:spPr>
+      </p:pic>
+      <p:sp>
+        <p:nvSpPr>
+          <p:cNvPr id="2" name="Title 1">
+            <a:extLst>
+              <a:ext uri="{FF2B5EF4-FFF2-40B4-BE49-F238E27FC236}">
+                <a16:creationId xmlns:a16="http://schemas.microsoft.com/office/drawing/2014/main" id="{34B3A271-E4F0-45BC-BADA-B501D8A4C523}"/>
+              </a:ext>
+            </a:extLst>
+          </p:cNvPr>
+          <p:cNvSpPr>
+            <a:spLocks noGrp="1"/>
+          </p:cNvSpPr>
+          <p:nvPr>
+            <p:ph type="title"/>
+          </p:nvPr>
+        </p:nvSpPr>
+        <p:spPr>
+          <a:xfrm>
+            <a:off x="602391" y="1209184"/>
+            <a:ext cx="2316892" cy="4734416"/>
+          </a:xfrm>
+        </p:spPr>
+        <p:txBody>
+          <a:bodyPr anchor="ctr">
+            <a:normAutofit/>
+          </a:bodyPr>
+          <a:lstStyle/>
+          <a:p>
+            <a:r>
+              <a:rPr lang="es-US" dirty="0"/>
+              <a:t>Linux</a:t>
+            </a:r>
+            <a:br>
+              <a:rPr lang="es-US" dirty="0"/>
+            </a:br>
+            <a:br>
+              <a:rPr lang="es-US" sz="1800" dirty="0">
+                <a:solidFill>
+                  <a:schemeClr val="bg1">
+                    <a:lumMod val="75000"/>
+                  </a:schemeClr>
+                </a:solidFill>
+              </a:rPr>
+            </a:br>
+            <a:r>
+              <a:rPr lang="es-US" sz="1800" dirty="0" err="1">
+                <a:solidFill>
+                  <a:schemeClr val="bg1">
+                    <a:lumMod val="75000"/>
+                  </a:schemeClr>
+                </a:solidFill>
+              </a:rPr>
+              <a:t>Kernel</a:t>
+            </a:r>
+            <a:endParaRPr lang="es-US" dirty="0">
+              <a:solidFill>
+                <a:schemeClr val="bg1">
+                  <a:lumMod val="75000"/>
+                </a:schemeClr>
+              </a:solidFill>
+            </a:endParaRPr>
+          </a:p>
+        </p:txBody>
+      </p:sp>
+      <p:sp>
+        <p:nvSpPr>
+          <p:cNvPr id="3" name="Content Placeholder 2">
+            <a:extLst>
+              <a:ext uri="{FF2B5EF4-FFF2-40B4-BE49-F238E27FC236}">
+                <a16:creationId xmlns:a16="http://schemas.microsoft.com/office/drawing/2014/main" id="{F7E5329E-524B-4E18-942D-3A572B09BEA9}"/>
+              </a:ext>
+            </a:extLst>
+          </p:cNvPr>
+          <p:cNvSpPr>
+            <a:spLocks noGrp="1"/>
+          </p:cNvSpPr>
+          <p:nvPr>
+            <p:ph idx="1"/>
+          </p:nvPr>
+        </p:nvSpPr>
+        <p:spPr>
+          <a:xfrm>
+            <a:off x="3421402" y="723899"/>
+            <a:ext cx="5387698" cy="3678303"/>
+          </a:xfrm>
+        </p:spPr>
+        <p:txBody>
+          <a:bodyPr>
+            <a:normAutofit/>
+          </a:bodyPr>
+          <a:lstStyle/>
+          <a:p>
+            <a:r>
+              <a:rPr lang="es-MX" dirty="0"/>
+              <a:t>Es el núcleo más usado con GNU, aunque Linux en sí no es parte del proyecto GNU </a:t>
+            </a:r>
+          </a:p>
+          <a:p>
+            <a:r>
+              <a:rPr lang="es-MX" dirty="0"/>
+              <a:t>(Linux-libre sin embargo sí lo es). </a:t>
+            </a:r>
+          </a:p>
+          <a:p>
+            <a:r>
+              <a:rPr lang="es-MX" dirty="0"/>
+              <a:t>GNU también es utilizado con otros núcleos, como en Debian GNU/</a:t>
+            </a:r>
+            <a:r>
+              <a:rPr lang="es-MX" dirty="0" err="1"/>
+              <a:t>kFreeBSD</a:t>
+            </a:r>
+            <a:r>
+              <a:rPr lang="es-MX" dirty="0"/>
+              <a:t>, Debian GNU/</a:t>
+            </a:r>
+            <a:r>
+              <a:rPr lang="es-MX" dirty="0" err="1"/>
+              <a:t>NetBSD</a:t>
+            </a:r>
+            <a:r>
+              <a:rPr lang="es-MX" dirty="0"/>
+              <a:t>, Nexenta OS o GNU-Darwin.</a:t>
+            </a:r>
+            <a:endParaRPr lang="es-US" dirty="0"/>
+          </a:p>
+        </p:txBody>
+      </p:sp>
+    </p:spTree>
+    <p:extLst>
+      <p:ext uri="{BB962C8B-B14F-4D97-AF65-F5344CB8AC3E}">
+        <p14:creationId xmlns:p14="http://schemas.microsoft.com/office/powerpoint/2010/main" val="1980879727"/>
+      </p:ext>
+    </p:extLst>
+  </p:cSld>
+  <p:clrMapOvr>
+    <a:masterClrMapping/>
+  </p:clrMapOvr>
+</p:sld>
+</file>
+
+<file path=ppt/slides/slide17.xml><?xml version="1.0" encoding="utf-8"?>
+<p:sld xmlns:a="http://schemas.openxmlformats.org/drawingml/2006/main" xmlns:r="http://schemas.openxmlformats.org/officeDocument/2006/relationships" xmlns:p="http://schemas.openxmlformats.org/presentationml/2006/main">
+  <p:cSld>
+    <p:spTree>
+      <p:nvGrpSpPr>
+        <p:cNvPr id="1" name=""/>
+        <p:cNvGrpSpPr/>
+        <p:nvPr/>
+      </p:nvGrpSpPr>
+      <p:grpSpPr>
+        <a:xfrm>
+          <a:off x="0" y="0"/>
+          <a:ext cx="0" cy="0"/>
+          <a:chOff x="0" y="0"/>
+          <a:chExt cx="0" cy="0"/>
+        </a:xfrm>
+      </p:grpSpPr>
+      <p:sp>
+        <p:nvSpPr>
           <p:cNvPr id="2" name="Title 1">
             <a:extLst>
               <a:ext uri="{FF2B5EF4-FFF2-40B4-BE49-F238E27FC236}">
@@ -4690,7 +7436,7 @@
 </p:sld>
 </file>
 
-<file path=ppt/slides/slide12.xml><?xml version="1.0" encoding="utf-8"?>
+<file path=ppt/slides/slide18.xml><?xml version="1.0" encoding="utf-8"?>
 <p:sld xmlns:a="http://schemas.openxmlformats.org/drawingml/2006/main" xmlns:r="http://schemas.openxmlformats.org/officeDocument/2006/relationships" xmlns:p="http://schemas.openxmlformats.org/presentationml/2006/main">
   <p:cSld>
     <p:spTree>
@@ -4995,7 +7741,7 @@
 </p:sld>
 </file>
 
-<file path=ppt/slides/slide13.xml><?xml version="1.0" encoding="utf-8"?>
+<file path=ppt/slides/slide19.xml><?xml version="1.0" encoding="utf-8"?>
 <p:sld xmlns:a="http://schemas.openxmlformats.org/drawingml/2006/main" xmlns:r="http://schemas.openxmlformats.org/officeDocument/2006/relationships" xmlns:p="http://schemas.openxmlformats.org/presentationml/2006/main">
   <p:cSld>
     <p:spTree>
@@ -5662,7 +8408,7 @@
 </p:sld>
 </file>
 
-<file path=ppt/slides/slide14.xml><?xml version="1.0" encoding="utf-8"?>
+<file path=ppt/slides/slide2.xml><?xml version="1.0" encoding="utf-8"?>
 <p:sld xmlns:a="http://schemas.openxmlformats.org/drawingml/2006/main" xmlns:r="http://schemas.openxmlformats.org/officeDocument/2006/relationships" xmlns:p="http://schemas.openxmlformats.org/presentationml/2006/main">
   <p:cSld>
     <p:spTree>
@@ -5681,6 +8427,156 @@
       </p:grpSpPr>
       <p:sp>
         <p:nvSpPr>
+          <p:cNvPr id="2" name="Title 1"/>
+          <p:cNvSpPr>
+            <a:spLocks noGrp="1"/>
+          </p:cNvSpPr>
+          <p:nvPr>
+            <p:ph type="title"/>
+          </p:nvPr>
+        </p:nvSpPr>
+        <p:spPr/>
+        <p:txBody>
+          <a:bodyPr/>
+          <a:lstStyle/>
+          <a:p>
+            <a:r>
+              <a:rPr lang="es-US" dirty="0"/>
+              <a:t>¿Qué es Ciencias de la Computación</a:t>
+            </a:r>
+            <a:r>
+              <a:rPr lang="en-US" dirty="0"/>
+              <a:t>?</a:t>
+            </a:r>
+            <a:endParaRPr lang="es-US" dirty="0"/>
+          </a:p>
+        </p:txBody>
+      </p:sp>
+      <p:sp>
+        <p:nvSpPr>
+          <p:cNvPr id="3" name="Content Placeholder 2"/>
+          <p:cNvSpPr>
+            <a:spLocks noGrp="1"/>
+          </p:cNvSpPr>
+          <p:nvPr>
+            <p:ph idx="1"/>
+          </p:nvPr>
+        </p:nvSpPr>
+        <p:spPr/>
+        <p:txBody>
+          <a:bodyPr>
+            <a:normAutofit/>
+          </a:bodyPr>
+          <a:lstStyle/>
+          <a:p>
+            <a:r>
+              <a:rPr lang="es-MX" dirty="0"/>
+              <a:t>“…Un entendimiento fundamental de como una computadora “computa” o realiza cálculos, proveyendo la fuente para comprender conceptos mas avanzados…”</a:t>
+            </a:r>
+          </a:p>
+          <a:p>
+            <a:pPr lvl="8" algn="r"/>
+            <a:r>
+              <a:rPr lang="es-US" dirty="0">
+                <a:hlinkClick r:id="rId2"/>
+              </a:rPr>
+              <a:t>https://techterms.com/definition/computer_science</a:t>
+            </a:r>
+            <a:endParaRPr lang="es-US" dirty="0"/>
+          </a:p>
+          <a:p>
+            <a:r>
+              <a:rPr lang="es-MX" dirty="0"/>
+              <a:t>“…la ciencia del procesamiento de información y su interacción con el mundo…”</a:t>
+            </a:r>
+          </a:p>
+          <a:p>
+            <a:pPr lvl="8" algn="r"/>
+            <a:r>
+              <a:rPr lang="es-MX" dirty="0">
+                <a:hlinkClick r:id="rId3"/>
+              </a:rPr>
+              <a:t>http://pages.mtu.edu/~john/jenning.pdf</a:t>
+            </a:r>
+            <a:endParaRPr lang="es-MX" dirty="0"/>
+          </a:p>
+          <a:p>
+            <a:pPr marL="0" indent="0" algn="ctr">
+              <a:buNone/>
+            </a:pPr>
+            <a:endParaRPr lang="en-US" i="1" dirty="0"/>
+          </a:p>
+          <a:p>
+            <a:pPr marL="0" indent="0" algn="ctr">
+              <a:buNone/>
+            </a:pPr>
+            <a:r>
+              <a:rPr lang="en-US" sz="2000" i="1" dirty="0">
+                <a:effectLst>
+                  <a:outerShdw blurRad="38100" dist="38100" dir="2700000" algn="tl">
+                    <a:srgbClr val="000000">
+                      <a:alpha val="43137"/>
+                    </a:srgbClr>
+                  </a:outerShdw>
+                </a:effectLst>
+              </a:rPr>
+              <a:t>“What computational processes can be </a:t>
+            </a:r>
+          </a:p>
+          <a:p>
+            <a:pPr marL="0" indent="0" algn="ctr">
+              <a:buNone/>
+            </a:pPr>
+            <a:r>
+              <a:rPr lang="en-US" sz="2000" i="1" dirty="0">
+                <a:effectLst>
+                  <a:outerShdw blurRad="38100" dist="38100" dir="2700000" algn="tl">
+                    <a:srgbClr val="000000">
+                      <a:alpha val="43137"/>
+                    </a:srgbClr>
+                  </a:outerShdw>
+                </a:effectLst>
+              </a:rPr>
+              <a:t>								efficiently automated and implemented?”</a:t>
+            </a:r>
+          </a:p>
+          <a:p>
+            <a:endParaRPr lang="es-MX" dirty="0"/>
+          </a:p>
+        </p:txBody>
+      </p:sp>
+    </p:spTree>
+    <p:extLst>
+      <p:ext uri="{BB962C8B-B14F-4D97-AF65-F5344CB8AC3E}">
+        <p14:creationId xmlns:p14="http://schemas.microsoft.com/office/powerpoint/2010/main" val="3129031577"/>
+      </p:ext>
+    </p:extLst>
+  </p:cSld>
+  <p:clrMapOvr>
+    <a:masterClrMapping/>
+  </p:clrMapOvr>
+</p:sld>
+</file>
+
+<file path=ppt/slides/slide20.xml><?xml version="1.0" encoding="utf-8"?>
+<p:sld xmlns:a="http://schemas.openxmlformats.org/drawingml/2006/main" xmlns:r="http://schemas.openxmlformats.org/officeDocument/2006/relationships" xmlns:p="http://schemas.openxmlformats.org/presentationml/2006/main">
+  <p:cSld>
+    <p:spTree>
+      <p:nvGrpSpPr>
+        <p:cNvPr id="1" name=""/>
+        <p:cNvGrpSpPr/>
+        <p:nvPr/>
+      </p:nvGrpSpPr>
+      <p:grpSpPr>
+        <a:xfrm>
+          <a:off x="0" y="0"/>
+          <a:ext cx="0" cy="0"/>
+          <a:chOff x="0" y="0"/>
+          <a:chExt cx="0" cy="0"/>
+        </a:xfrm>
+      </p:grpSpPr>
+      <p:sp>
+        <p:nvSpPr>
           <p:cNvPr id="11" name="Rectangle 10"/>
           <p:cNvSpPr>
             <a:spLocks noGrp="1" noRot="1" noChangeAspect="1" noMove="1" noResize="1" noEditPoints="1" noAdjustHandles="1" noChangeArrowheads="1" noChangeShapeType="1" noTextEdit="1"/>
@@ -6290,7 +9186,7 @@
 </p:sld>
 </file>
 
-<file path=ppt/slides/slide15.xml><?xml version="1.0" encoding="utf-8"?>
+<file path=ppt/slides/slide21.xml><?xml version="1.0" encoding="utf-8"?>
 <p:sld xmlns:a="http://schemas.openxmlformats.org/drawingml/2006/main" xmlns:r="http://schemas.openxmlformats.org/officeDocument/2006/relationships" xmlns:p="http://schemas.openxmlformats.org/presentationml/2006/main">
   <p:cSld>
     <p:spTree>
@@ -6893,114 +9789,6 @@
 </p:sld>
 </file>
 
-<file path=ppt/slides/slide2.xml><?xml version="1.0" encoding="utf-8"?>
-<p:sld xmlns:a="http://schemas.openxmlformats.org/drawingml/2006/main" xmlns:r="http://schemas.openxmlformats.org/officeDocument/2006/relationships" xmlns:p="http://schemas.openxmlformats.org/presentationml/2006/main">
-  <p:cSld>
-    <p:spTree>
-      <p:nvGrpSpPr>
-        <p:cNvPr id="1" name=""/>
-        <p:cNvGrpSpPr/>
-        <p:nvPr/>
-      </p:nvGrpSpPr>
-      <p:grpSpPr>
-        <a:xfrm>
-          <a:off x="0" y="0"/>
-          <a:ext cx="0" cy="0"/>
-          <a:chOff x="0" y="0"/>
-          <a:chExt cx="0" cy="0"/>
-        </a:xfrm>
-      </p:grpSpPr>
-      <p:sp>
-        <p:nvSpPr>
-          <p:cNvPr id="2" name="Title 1"/>
-          <p:cNvSpPr>
-            <a:spLocks noGrp="1"/>
-          </p:cNvSpPr>
-          <p:nvPr>
-            <p:ph type="title"/>
-          </p:nvPr>
-        </p:nvSpPr>
-        <p:spPr/>
-        <p:txBody>
-          <a:bodyPr/>
-          <a:lstStyle/>
-          <a:p>
-            <a:r>
-              <a:rPr lang="es-US" dirty="0"/>
-              <a:t>¿Qué es Ciencias de la Computación</a:t>
-            </a:r>
-            <a:r>
-              <a:rPr lang="en-US" dirty="0"/>
-              <a:t>?</a:t>
-            </a:r>
-            <a:endParaRPr lang="es-US" dirty="0"/>
-          </a:p>
-        </p:txBody>
-      </p:sp>
-      <p:sp>
-        <p:nvSpPr>
-          <p:cNvPr id="3" name="Content Placeholder 2"/>
-          <p:cNvSpPr>
-            <a:spLocks noGrp="1"/>
-          </p:cNvSpPr>
-          <p:nvPr>
-            <p:ph idx="1"/>
-          </p:nvPr>
-        </p:nvSpPr>
-        <p:spPr/>
-        <p:txBody>
-          <a:bodyPr/>
-          <a:lstStyle/>
-          <a:p>
-            <a:r>
-              <a:rPr lang="es-ES" dirty="0"/>
-              <a:t>Procesamiento de la información y su interacción con el mundo.</a:t>
-            </a:r>
-          </a:p>
-          <a:p>
-            <a:r>
-              <a:rPr lang="es-ES" dirty="0"/>
-              <a:t>Procesamiento de información natural. </a:t>
-            </a:r>
-          </a:p>
-          <a:p>
-            <a:r>
-              <a:rPr lang="es-ES" dirty="0"/>
-              <a:t>Computadoras son herramientas para implementar, estudiar y predecirlos. </a:t>
-            </a:r>
-          </a:p>
-          <a:p>
-            <a:r>
-              <a:rPr lang="es-US" dirty="0"/>
-              <a:t>Objetivo. </a:t>
-            </a:r>
-            <a:r>
-              <a:rPr lang="es-ES" i="1" dirty="0"/>
-              <a:t>Óptimo tratamiento automático de la información mediante un computador.</a:t>
-            </a:r>
-          </a:p>
-          <a:p>
-            <a:r>
-              <a:rPr lang="es-ES" dirty="0"/>
-              <a:t>Estudio y optimización de algoritmos, es decir el estudio de las distintas formas de resolver problemas matemáticos en una computadora a través de métodos numéricos</a:t>
-            </a:r>
-            <a:endParaRPr lang="es-US" dirty="0"/>
-          </a:p>
-        </p:txBody>
-      </p:sp>
-    </p:spTree>
-    <p:extLst>
-      <p:ext uri="{BB962C8B-B14F-4D97-AF65-F5344CB8AC3E}">
-        <p14:creationId xmlns:p14="http://schemas.microsoft.com/office/powerpoint/2010/main" val="3129031577"/>
-      </p:ext>
-    </p:extLst>
-  </p:cSld>
-  <p:clrMapOvr>
-    <a:masterClrMapping/>
-  </p:clrMapOvr>
-</p:sld>
-</file>
-
 <file path=ppt/slides/slide3.xml><?xml version="1.0" encoding="utf-8"?>
 <p:sld xmlns:a="http://schemas.openxmlformats.org/drawingml/2006/main" xmlns:r="http://schemas.openxmlformats.org/officeDocument/2006/relationships" xmlns:p="http://schemas.openxmlformats.org/presentationml/2006/main">
   <p:cSld>
@@ -7020,7 +9808,99 @@
       </p:grpSpPr>
       <p:sp>
         <p:nvSpPr>
-          <p:cNvPr id="2" name="Title 1"/>
+          <p:cNvPr id="10" name="Rectangle 9"/>
+          <p:cNvSpPr>
+            <a:spLocks noGrp="1" noRot="1" noChangeAspect="1" noMove="1" noResize="1" noEditPoints="1" noAdjustHandles="1" noChangeArrowheads="1" noChangeShapeType="1" noTextEdit="1"/>
+          </p:cNvSpPr>
+          <p:nvPr>
+            <p:extLst>
+              <p:ext uri="{386F3935-93C4-4BCD-93E2-E3B085C9AB24}">
+                <p16:designElem xmlns:p16="http://schemas.microsoft.com/office/powerpoint/2015/main" val="1"/>
+              </p:ext>
+            </p:extLst>
+          </p:nvPr>
+        </p:nvSpPr>
+        <p:spPr>
+          <a:xfrm>
+            <a:off x="334899" y="2180496"/>
+            <a:ext cx="4053480" cy="4045683"/>
+          </a:xfrm>
+          <a:prstGeom prst="rect">
+            <a:avLst/>
+          </a:prstGeom>
+          <a:solidFill>
+            <a:schemeClr val="bg1"/>
+          </a:solidFill>
+          <a:ln w="38100">
+            <a:solidFill>
+              <a:schemeClr val="accent1"/>
+            </a:solidFill>
+          </a:ln>
+        </p:spPr>
+        <p:style>
+          <a:lnRef idx="2">
+            <a:schemeClr val="accent1">
+              <a:shade val="50000"/>
+            </a:schemeClr>
+          </a:lnRef>
+          <a:fillRef idx="1">
+            <a:schemeClr val="accent1"/>
+          </a:fillRef>
+          <a:effectRef idx="0">
+            <a:schemeClr val="accent1"/>
+          </a:effectRef>
+          <a:fontRef idx="minor">
+            <a:schemeClr val="lt1"/>
+          </a:fontRef>
+        </p:style>
+        <p:txBody>
+          <a:bodyPr rtlCol="0" anchor="ctr"/>
+          <a:lstStyle/>
+          <a:p>
+            <a:pPr algn="ctr"/>
+            <a:endParaRPr lang="en-US"/>
+          </a:p>
+        </p:txBody>
+      </p:sp>
+      <p:pic>
+        <p:nvPicPr>
+          <p:cNvPr id="5" name="Picture 4">
+            <a:extLst>
+              <a:ext uri="{FF2B5EF4-FFF2-40B4-BE49-F238E27FC236}">
+                <a16:creationId xmlns:a16="http://schemas.microsoft.com/office/drawing/2014/main" id="{93118755-A701-4FCB-9E29-4D73E7753664}"/>
+              </a:ext>
+            </a:extLst>
+          </p:cNvPr>
+          <p:cNvPicPr>
+            <a:picLocks noChangeAspect="1"/>
+          </p:cNvPicPr>
+          <p:nvPr/>
+        </p:nvPicPr>
+        <p:blipFill>
+          <a:blip r:embed="rId2"/>
+          <a:stretch>
+            <a:fillRect/>
+          </a:stretch>
+        </p:blipFill>
+        <p:spPr>
+          <a:xfrm>
+            <a:off x="529255" y="2361056"/>
+            <a:ext cx="3649219" cy="3649219"/>
+          </a:xfrm>
+          <a:prstGeom prst="rect">
+            <a:avLst/>
+          </a:prstGeom>
+        </p:spPr>
+      </p:pic>
+      <p:sp>
+        <p:nvSpPr>
+          <p:cNvPr id="2" name="Title 1">
+            <a:extLst>
+              <a:ext uri="{FF2B5EF4-FFF2-40B4-BE49-F238E27FC236}">
+                <a16:creationId xmlns:a16="http://schemas.microsoft.com/office/drawing/2014/main" id="{A66C90E3-2B8C-4EEA-8C02-30D9F3AFC7C9}"/>
+              </a:ext>
+            </a:extLst>
+          </p:cNvPr>
           <p:cNvSpPr>
             <a:spLocks noGrp="1"/>
           </p:cNvSpPr>
@@ -7028,37 +9908,10 @@
             <p:ph type="title"/>
           </p:nvPr>
         </p:nvSpPr>
-        <p:spPr/>
-        <p:txBody>
-          <a:bodyPr/>
-          <a:lstStyle/>
-          <a:p>
-            <a:r>
-              <a:rPr lang="es-US" dirty="0"/>
-              <a:t>¿Qué áreas tiene CC</a:t>
-            </a:r>
-            <a:r>
-              <a:rPr lang="en-US" dirty="0"/>
-              <a:t>? </a:t>
-            </a:r>
-            <a:endParaRPr lang="es-US" dirty="0"/>
-          </a:p>
-        </p:txBody>
-      </p:sp>
-      <p:sp>
-        <p:nvSpPr>
-          <p:cNvPr id="6" name="Content Placeholder 5"/>
-          <p:cNvSpPr>
-            <a:spLocks noGrp="1"/>
-          </p:cNvSpPr>
-          <p:nvPr>
-            <p:ph idx="1"/>
-          </p:nvPr>
-        </p:nvSpPr>
-        <p:spPr>
-          <a:xfrm>
-            <a:off x="946404" y="1828801"/>
-            <a:ext cx="6446520" cy="4769707"/>
+        <p:spPr>
+          <a:xfrm>
+            <a:off x="435894" y="702156"/>
+            <a:ext cx="8272212" cy="1013800"/>
           </a:xfrm>
         </p:spPr>
         <p:txBody>
@@ -7069,61 +9922,66 @@
           <a:p>
             <a:r>
               <a:rPr lang="es-US" dirty="0"/>
-              <a:t>Algoritmos y Teoría de la Computación. </a:t>
-            </a:r>
-          </a:p>
-          <a:p>
-            <a:r>
-              <a:rPr lang="es-US" dirty="0"/>
-              <a:t>Inteligencia Artificial</a:t>
-            </a:r>
-          </a:p>
-          <a:p>
-            <a:r>
-              <a:rPr lang="es-US" dirty="0"/>
-              <a:t>Bioinformática</a:t>
-            </a:r>
-          </a:p>
-          <a:p>
-            <a:r>
-              <a:rPr lang="es-US" dirty="0"/>
-              <a:t>Bases de Datos y Sistemas de Información.</a:t>
-            </a:r>
-          </a:p>
-          <a:p>
-            <a:r>
-              <a:rPr lang="es-US" dirty="0"/>
-              <a:t>Minería de Datos y Machine Learning.</a:t>
-            </a:r>
-          </a:p>
-          <a:p>
-            <a:r>
-              <a:rPr lang="es-US" dirty="0"/>
-              <a:t>Gráficos, visualización y diseño.</a:t>
-            </a:r>
-          </a:p>
-          <a:p>
-            <a:r>
-              <a:rPr lang="es-US" dirty="0"/>
-              <a:t>Robótica.</a:t>
-            </a:r>
-          </a:p>
-          <a:p>
-            <a:r>
-              <a:rPr lang="es-US" dirty="0"/>
-              <a:t>Seguridad y Privacidad</a:t>
-            </a:r>
-          </a:p>
-          <a:p>
-            <a:r>
-              <a:rPr lang="es-US" dirty="0"/>
-              <a:t>Ingeniería del Software</a:t>
-            </a:r>
-          </a:p>
-          <a:p>
-            <a:r>
-              <a:rPr lang="es-US" dirty="0"/>
-              <a:t>Sistemas y Redes</a:t>
+              <a:t>Algunas áreas.</a:t>
+            </a:r>
+          </a:p>
+        </p:txBody>
+      </p:sp>
+      <p:sp>
+        <p:nvSpPr>
+          <p:cNvPr id="3" name="Content Placeholder 2">
+            <a:extLst>
+              <a:ext uri="{FF2B5EF4-FFF2-40B4-BE49-F238E27FC236}">
+                <a16:creationId xmlns:a16="http://schemas.microsoft.com/office/drawing/2014/main" id="{2BFC8A2F-9516-443A-BB25-92DF5F8C8024}"/>
+              </a:ext>
+            </a:extLst>
+          </p:cNvPr>
+          <p:cNvSpPr>
+            <a:spLocks noGrp="1"/>
+          </p:cNvSpPr>
+          <p:nvPr>
+            <p:ph idx="1"/>
+          </p:nvPr>
+        </p:nvSpPr>
+        <p:spPr>
+          <a:xfrm>
+            <a:off x="4751853" y="2180496"/>
+            <a:ext cx="3956251" cy="4045683"/>
+          </a:xfrm>
+        </p:spPr>
+        <p:txBody>
+          <a:bodyPr>
+            <a:normAutofit/>
+          </a:bodyPr>
+          <a:lstStyle/>
+          <a:p>
+            <a:r>
+              <a:rPr lang="es-MX" dirty="0"/>
+              <a:t>Introducción a la computación.</a:t>
+            </a:r>
+          </a:p>
+          <a:p>
+            <a:r>
+              <a:rPr lang="es-MX" dirty="0"/>
+              <a:t>Conceptos Fundamentales de la Programación.</a:t>
+            </a:r>
+          </a:p>
+          <a:p>
+            <a:r>
+              <a:rPr lang="es-MX" dirty="0"/>
+              <a:t>Estructuras de Datos.</a:t>
+            </a:r>
+          </a:p>
+          <a:p>
+            <a:r>
+              <a:rPr lang="es-MX" dirty="0"/>
+              <a:t>Análisis de Algoritmos.</a:t>
+            </a:r>
+          </a:p>
+          <a:p>
+            <a:r>
+              <a:rPr lang="es-MX" dirty="0"/>
+              <a:t>Teoría de la computación</a:t>
             </a:r>
           </a:p>
         </p:txBody>
@@ -7131,7 +9989,7 @@
     </p:spTree>
     <p:extLst>
       <p:ext uri="{BB962C8B-B14F-4D97-AF65-F5344CB8AC3E}">
-        <p14:creationId xmlns:p14="http://schemas.microsoft.com/office/powerpoint/2010/main" val="2073491138"/>
+        <p14:creationId xmlns:p14="http://schemas.microsoft.com/office/powerpoint/2010/main" val="679323460"/>
       </p:ext>
     </p:extLst>
   </p:cSld>
@@ -7158,9 +10016,66 @@
           <a:chExt cx="0" cy="0"/>
         </a:xfrm>
       </p:grpSpPr>
+      <p:sp useBgFill="1">
+        <p:nvSpPr>
+          <p:cNvPr id="10" name="Rectangle 9"/>
+          <p:cNvSpPr>
+            <a:spLocks noGrp="1" noRot="1" noChangeAspect="1" noMove="1" noResize="1" noEditPoints="1" noAdjustHandles="1" noChangeArrowheads="1" noChangeShapeType="1" noTextEdit="1"/>
+          </p:cNvSpPr>
+          <p:nvPr>
+            <p:extLst>
+              <p:ext uri="{386F3935-93C4-4BCD-93E2-E3B085C9AB24}">
+                <p16:designElem xmlns:p16="http://schemas.microsoft.com/office/powerpoint/2015/main" val="1"/>
+              </p:ext>
+            </p:extLst>
+          </p:nvPr>
+        </p:nvSpPr>
+        <p:spPr>
+          <a:xfrm>
+            <a:off x="0" y="0"/>
+            <a:ext cx="9144000" cy="6858000"/>
+          </a:xfrm>
+          <a:prstGeom prst="rect">
+            <a:avLst/>
+          </a:prstGeom>
+          <a:ln>
+            <a:noFill/>
+          </a:ln>
+        </p:spPr>
+        <p:style>
+          <a:lnRef idx="2">
+            <a:schemeClr val="accent1">
+              <a:shade val="50000"/>
+            </a:schemeClr>
+          </a:lnRef>
+          <a:fillRef idx="1">
+            <a:schemeClr val="accent1"/>
+          </a:fillRef>
+          <a:effectRef idx="0">
+            <a:schemeClr val="accent1"/>
+          </a:effectRef>
+          <a:fontRef idx="minor">
+            <a:schemeClr val="lt1"/>
+          </a:fontRef>
+        </p:style>
+        <p:txBody>
+          <a:bodyPr rtlCol="0" anchor="ctr"/>
+          <a:lstStyle/>
+          <a:p>
+            <a:pPr algn="ctr"/>
+            <a:endParaRPr lang="en-US"/>
+          </a:p>
+        </p:txBody>
+      </p:sp>
       <p:pic>
         <p:nvPicPr>
-          <p:cNvPr id="8" name="Content Placeholder 4"/>
+          <p:cNvPr id="5" name="Picture 4">
+            <a:extLst>
+              <a:ext uri="{FF2B5EF4-FFF2-40B4-BE49-F238E27FC236}">
+                <a16:creationId xmlns:a16="http://schemas.microsoft.com/office/drawing/2014/main" id="{17665611-6DD9-4D01-B53A-55FA3097CC17}"/>
+              </a:ext>
+            </a:extLst>
+          </p:cNvPr>
           <p:cNvPicPr>
             <a:picLocks noChangeAspect="1"/>
           </p:cNvPicPr>
@@ -7168,25 +10083,25 @@
         </p:nvPicPr>
         <p:blipFill rotWithShape="1">
           <a:blip r:embed="rId2"/>
-          <a:srcRect l="31574" r="31247" b="1"/>
+          <a:srcRect l="4717" r="34317" b="4740"/>
           <a:stretch/>
         </p:blipFill>
         <p:spPr>
           <a:xfrm>
-            <a:off x="336549" y="1871133"/>
-            <a:ext cx="2762250" cy="4504267"/>
+            <a:off x="20" y="10"/>
+            <a:ext cx="9143980" cy="6857990"/>
           </a:xfrm>
           <a:prstGeom prst="rect">
             <a:avLst/>
           </a:prstGeom>
         </p:spPr>
       </p:pic>
-      <p:sp>
-        <p:nvSpPr>
-          <p:cNvPr id="14" name="Rectangle 13"/>
-          <p:cNvSpPr>
-            <a:spLocks noGrp="1" noRot="1" noChangeAspect="1" noMove="1" noResize="1" noEditPoints="1" noAdjustHandles="1" noChangeArrowheads="1" noChangeShapeType="1" noTextEdit="1"/>
-          </p:cNvSpPr>
+      <p:grpSp>
+        <p:nvGrpSpPr>
+          <p:cNvPr id="12" name="Group 11"/>
+          <p:cNvGrpSpPr>
+            <a:grpSpLocks noGrp="1" noUngrp="1" noRot="1" noChangeAspect="1" noMove="1" noResize="1"/>
+          </p:cNvGrpSpPr>
           <p:nvPr>
             <p:extLst>
               <p:ext uri="{386F3935-93C4-4BCD-93E2-E3B085C9AB24}">
@@ -7194,134 +10109,110 @@
               </p:ext>
             </p:extLst>
           </p:nvPr>
-        </p:nvSpPr>
-        <p:spPr>
-          <a:xfrm>
-            <a:off x="334900" y="457200"/>
-            <a:ext cx="2777490" cy="94997"/>
-          </a:xfrm>
-          <a:prstGeom prst="rect">
-            <a:avLst/>
-          </a:prstGeom>
-          <a:solidFill>
-            <a:schemeClr val="accent1"/>
-          </a:solidFill>
-          <a:ln>
-            <a:noFill/>
-          </a:ln>
-          <a:effectLst/>
-        </p:spPr>
-        <p:style>
-          <a:lnRef idx="1">
-            <a:schemeClr val="accent1"/>
-          </a:lnRef>
-          <a:fillRef idx="3">
-            <a:schemeClr val="accent1"/>
-          </a:fillRef>
-          <a:effectRef idx="2">
-            <a:schemeClr val="accent1"/>
-          </a:effectRef>
-          <a:fontRef idx="minor">
-            <a:schemeClr val="lt1"/>
-          </a:fontRef>
-        </p:style>
-      </p:sp>
-      <p:sp>
-        <p:nvSpPr>
-          <p:cNvPr id="16" name="Rectangle 15"/>
-          <p:cNvSpPr>
-            <a:spLocks noGrp="1" noRot="1" noChangeAspect="1" noMove="1" noResize="1" noEditPoints="1" noAdjustHandles="1" noChangeArrowheads="1" noChangeShapeType="1" noTextEdit="1"/>
-          </p:cNvSpPr>
-          <p:nvPr>
-            <p:extLst>
-              <p:ext uri="{386F3935-93C4-4BCD-93E2-E3B085C9AB24}">
-                <p16:designElem xmlns:p16="http://schemas.microsoft.com/office/powerpoint/2015/main" val="1"/>
-              </p:ext>
-            </p:extLst>
-          </p:nvPr>
-        </p:nvSpPr>
-        <p:spPr>
-          <a:xfrm>
-            <a:off x="6031610" y="453643"/>
-            <a:ext cx="2777490" cy="98554"/>
-          </a:xfrm>
-          <a:prstGeom prst="rect">
-            <a:avLst/>
-          </a:prstGeom>
-          <a:solidFill>
-            <a:schemeClr val="accent4"/>
-          </a:solidFill>
-          <a:ln>
-            <a:noFill/>
-          </a:ln>
-          <a:effectLst/>
-        </p:spPr>
-        <p:style>
-          <a:lnRef idx="1">
-            <a:schemeClr val="accent1"/>
-          </a:lnRef>
-          <a:fillRef idx="3">
-            <a:schemeClr val="accent1"/>
-          </a:fillRef>
-          <a:effectRef idx="2">
-            <a:schemeClr val="accent1"/>
-          </a:effectRef>
-          <a:fontRef idx="minor">
-            <a:schemeClr val="lt1"/>
-          </a:fontRef>
-        </p:style>
-      </p:sp>
-      <p:sp>
-        <p:nvSpPr>
-          <p:cNvPr id="18" name="Rectangle 17"/>
-          <p:cNvSpPr>
-            <a:spLocks noGrp="1" noRot="1" noChangeAspect="1" noMove="1" noResize="1" noEditPoints="1" noAdjustHandles="1" noChangeArrowheads="1" noChangeShapeType="1" noTextEdit="1"/>
-          </p:cNvSpPr>
-          <p:nvPr>
-            <p:extLst>
-              <p:ext uri="{386F3935-93C4-4BCD-93E2-E3B085C9AB24}">
-                <p16:designElem xmlns:p16="http://schemas.microsoft.com/office/powerpoint/2015/main" val="1"/>
-              </p:ext>
-            </p:extLst>
-          </p:nvPr>
-        </p:nvSpPr>
-        <p:spPr>
-          <a:xfrm>
-            <a:off x="3181372" y="457200"/>
-            <a:ext cx="2777490" cy="91440"/>
-          </a:xfrm>
-          <a:prstGeom prst="rect">
-            <a:avLst/>
-          </a:prstGeom>
-          <a:solidFill>
-            <a:schemeClr val="accent2"/>
-          </a:solidFill>
-          <a:ln>
-            <a:noFill/>
-          </a:ln>
-          <a:effectLst/>
-        </p:spPr>
-        <p:style>
-          <a:lnRef idx="1">
-            <a:schemeClr val="accent1"/>
-          </a:lnRef>
-          <a:fillRef idx="3">
-            <a:schemeClr val="accent1"/>
-          </a:fillRef>
-          <a:effectRef idx="2">
-            <a:schemeClr val="accent1"/>
-          </a:effectRef>
-          <a:fontRef idx="minor">
-            <a:schemeClr val="lt1"/>
-          </a:fontRef>
-        </p:style>
-      </p:sp>
+        </p:nvGrpSpPr>
+        <p:grpSpPr>
+          <a:xfrm>
+            <a:off x="328551" y="457200"/>
+            <a:ext cx="2777491" cy="5935132"/>
+            <a:chOff x="438068" y="457200"/>
+            <a:chExt cx="3703320" cy="5935132"/>
+          </a:xfrm>
+        </p:grpSpPr>
+        <p:sp>
+          <p:nvSpPr>
+            <p:cNvPr id="13" name="Rectangle 12"/>
+            <p:cNvSpPr/>
+            <p:nvPr>
+              <p:extLst>
+                <p:ext uri="{386F3935-93C4-4BCD-93E2-E3B085C9AB24}">
+                  <p16:designElem xmlns:p16="http://schemas.microsoft.com/office/powerpoint/2015/main" val="1"/>
+                </p:ext>
+              </p:extLst>
+            </p:nvPr>
+          </p:nvSpPr>
+          <p:spPr>
+            <a:xfrm>
+              <a:off x="438068" y="618067"/>
+              <a:ext cx="3702134" cy="5774265"/>
+            </a:xfrm>
+            <a:prstGeom prst="rect">
+              <a:avLst/>
+            </a:prstGeom>
+            <a:solidFill>
+              <a:schemeClr val="accent1">
+                <a:alpha val="97000"/>
+              </a:schemeClr>
+            </a:solidFill>
+            <a:ln w="6350" cmpd="sng">
+              <a:noFill/>
+            </a:ln>
+            <a:effectLst/>
+          </p:spPr>
+          <p:style>
+            <a:lnRef idx="1">
+              <a:schemeClr val="accent1"/>
+            </a:lnRef>
+            <a:fillRef idx="3">
+              <a:schemeClr val="accent1"/>
+            </a:fillRef>
+            <a:effectRef idx="2">
+              <a:schemeClr val="accent1"/>
+            </a:effectRef>
+            <a:fontRef idx="minor">
+              <a:schemeClr val="lt1"/>
+            </a:fontRef>
+          </p:style>
+        </p:sp>
+        <p:sp>
+          <p:nvSpPr>
+            <p:cNvPr id="14" name="Rectangle 13"/>
+            <p:cNvSpPr/>
+            <p:nvPr>
+              <p:extLst>
+                <p:ext uri="{386F3935-93C4-4BCD-93E2-E3B085C9AB24}">
+                  <p16:designElem xmlns:p16="http://schemas.microsoft.com/office/powerpoint/2015/main" val="1"/>
+                </p:ext>
+              </p:extLst>
+            </p:nvPr>
+          </p:nvSpPr>
+          <p:spPr>
+            <a:xfrm>
+              <a:off x="438068" y="457200"/>
+              <a:ext cx="3703320" cy="94997"/>
+            </a:xfrm>
+            <a:prstGeom prst="rect">
+              <a:avLst/>
+            </a:prstGeom>
+            <a:solidFill>
+              <a:schemeClr val="accent1"/>
+            </a:solidFill>
+            <a:ln>
+              <a:noFill/>
+            </a:ln>
+            <a:effectLst/>
+          </p:spPr>
+          <p:style>
+            <a:lnRef idx="1">
+              <a:schemeClr val="accent1"/>
+            </a:lnRef>
+            <a:fillRef idx="3">
+              <a:schemeClr val="accent1"/>
+            </a:fillRef>
+            <a:effectRef idx="2">
+              <a:schemeClr val="accent1"/>
+            </a:effectRef>
+            <a:fontRef idx="minor">
+              <a:schemeClr val="lt1"/>
+            </a:fontRef>
+          </p:style>
+        </p:sp>
+      </p:grpSp>
       <p:sp>
         <p:nvSpPr>
           <p:cNvPr id="2" name="Title 1">
             <a:extLst>
               <a:ext uri="{FF2B5EF4-FFF2-40B4-BE49-F238E27FC236}">
-                <a16:creationId xmlns:a16="http://schemas.microsoft.com/office/drawing/2014/main" id="{BA0B06B7-0F04-4BF5-927B-7A6F5E65EA0D}"/>
+                <a16:creationId xmlns:a16="http://schemas.microsoft.com/office/drawing/2014/main" id="{7A916765-C1FF-4DD9-BC61-3ECAE08260F7}"/>
               </a:ext>
             </a:extLst>
           </p:cNvPr>
@@ -7334,8 +10225,52 @@
         </p:nvSpPr>
         <p:spPr>
           <a:xfrm>
-            <a:off x="435894" y="702156"/>
-            <a:ext cx="8272212" cy="1013800"/>
+            <a:off x="438150" y="1006956"/>
+            <a:ext cx="2559050" cy="1372177"/>
+          </a:xfrm>
+        </p:spPr>
+        <p:txBody>
+          <a:bodyPr anchor="ctr">
+            <a:normAutofit/>
+          </a:bodyPr>
+          <a:lstStyle/>
+          <a:p>
+            <a:r>
+              <a:rPr lang="en-US" dirty="0" err="1"/>
+              <a:t>Estructuras</a:t>
+            </a:r>
+            <a:r>
+              <a:rPr lang="en-US" dirty="0"/>
+              <a:t> de </a:t>
+            </a:r>
+            <a:r>
+              <a:rPr lang="en-US" dirty="0" err="1"/>
+              <a:t>DAtos</a:t>
+            </a:r>
+            <a:endParaRPr lang="es-US" dirty="0"/>
+          </a:p>
+        </p:txBody>
+      </p:sp>
+      <p:sp>
+        <p:nvSpPr>
+          <p:cNvPr id="3" name="Content Placeholder 2">
+            <a:extLst>
+              <a:ext uri="{FF2B5EF4-FFF2-40B4-BE49-F238E27FC236}">
+                <a16:creationId xmlns:a16="http://schemas.microsoft.com/office/drawing/2014/main" id="{52262C4B-332B-4503-84A8-E5A9477E539F}"/>
+              </a:ext>
+            </a:extLst>
+          </p:cNvPr>
+          <p:cNvSpPr>
+            <a:spLocks noGrp="1"/>
+          </p:cNvSpPr>
+          <p:nvPr>
+            <p:ph idx="1"/>
+          </p:nvPr>
+        </p:nvSpPr>
+        <p:spPr>
+          <a:xfrm>
+            <a:off x="435894" y="2438399"/>
+            <a:ext cx="2561306" cy="3564467"/>
           </a:xfrm>
         </p:spPr>
         <p:txBody>
@@ -7344,71 +10279,33 @@
           </a:bodyPr>
           <a:lstStyle/>
           <a:p>
-            <a:r>
-              <a:rPr lang="es-US" dirty="0"/>
-              <a:t>Algoritmos y Teoría de la Computación. </a:t>
-            </a:r>
-          </a:p>
-        </p:txBody>
-      </p:sp>
-      <p:sp>
-        <p:nvSpPr>
-          <p:cNvPr id="10" name="Content Placeholder 9"/>
-          <p:cNvSpPr>
-            <a:spLocks noGrp="1"/>
-          </p:cNvSpPr>
-          <p:nvPr>
-            <p:ph idx="1"/>
-          </p:nvPr>
-        </p:nvSpPr>
-        <p:spPr>
-          <a:xfrm>
-            <a:off x="3356893" y="2180496"/>
-            <a:ext cx="5355305" cy="3678303"/>
-          </a:xfrm>
-        </p:spPr>
-        <p:txBody>
-          <a:bodyPr>
-            <a:normAutofit/>
-          </a:bodyPr>
-          <a:lstStyle/>
-          <a:p>
-            <a:r>
-              <a:rPr lang="es-MX" dirty="0"/>
-              <a:t>Teoría de autómatas</a:t>
-            </a:r>
-          </a:p>
-          <a:p>
-            <a:pPr lvl="1"/>
-            <a:r>
-              <a:rPr lang="es-MX" dirty="0"/>
-              <a:t>Máquina de Turing</a:t>
-            </a:r>
-          </a:p>
-          <a:p>
-            <a:r>
-              <a:rPr lang="es-MX" dirty="0"/>
-              <a:t>Teoría de la computabilidad</a:t>
-            </a:r>
-          </a:p>
-          <a:p>
-            <a:pPr lvl="1"/>
-            <a:r>
-              <a:rPr lang="es-MX" dirty="0"/>
-              <a:t>Funciones que pueden ser calculadas por una máquina de Turing</a:t>
-            </a:r>
-          </a:p>
-          <a:p>
-            <a:r>
-              <a:rPr lang="es-MX" dirty="0"/>
-              <a:t>Teoría de la complejidad computacional</a:t>
-            </a:r>
-          </a:p>
-          <a:p>
-            <a:pPr lvl="1"/>
-            <a:r>
-              <a:rPr lang="es-MX" dirty="0"/>
-              <a:t>P = NP</a:t>
+            <a:pPr>
+              <a:buClr>
+                <a:srgbClr val="FF552C"/>
+              </a:buClr>
+            </a:pPr>
+            <a:r>
+              <a:rPr lang="es-US">
+                <a:solidFill>
+                  <a:schemeClr val="bg1"/>
+                </a:solidFill>
+              </a:rPr>
+              <a:t>Metodos para organizer unidades de datos en conjunto mas grandes.</a:t>
+            </a:r>
+          </a:p>
+          <a:p>
+            <a:pPr>
+              <a:buClr>
+                <a:srgbClr val="FF552C"/>
+              </a:buClr>
+            </a:pPr>
+            <a:r>
+              <a:rPr lang="es-US">
+                <a:solidFill>
+                  <a:schemeClr val="bg1"/>
+                </a:solidFill>
+              </a:rPr>
+              <a:t>Lograr y mantener las estructuras mejora el acceso a la informacion y su valor.</a:t>
             </a:r>
           </a:p>
         </p:txBody>
@@ -7416,7 +10313,7 @@
     </p:spTree>
     <p:extLst>
       <p:ext uri="{BB962C8B-B14F-4D97-AF65-F5344CB8AC3E}">
-        <p14:creationId xmlns:p14="http://schemas.microsoft.com/office/powerpoint/2010/main" val="504913291"/>
+        <p14:creationId xmlns:p14="http://schemas.microsoft.com/office/powerpoint/2010/main" val="2475016676"/>
       </p:ext>
     </p:extLst>
   </p:cSld>
@@ -7619,16 +10516,6 @@
             <a:normAutofit/>
           </a:bodyPr>
           <a:lstStyle/>
-          <a:p>
-            <a:r>
-              <a:rPr lang="es-MX" dirty="0">
-                <a:solidFill>
-                  <a:schemeClr val="bg1"/>
-                </a:solidFill>
-              </a:rPr>
-              <a:t>Medio para manejar grandes cantidades de datos de manera eficiente</a:t>
-            </a:r>
-          </a:p>
           <a:p>
             <a:r>
               <a:rPr lang="es-MX" dirty="0">
@@ -7676,9 +10563,9 @@
           <a:chExt cx="0" cy="0"/>
         </a:xfrm>
       </p:grpSpPr>
-      <p:sp useBgFill="1">
-        <p:nvSpPr>
-          <p:cNvPr id="10" name="Rectangle 9"/>
+      <p:sp>
+        <p:nvSpPr>
+          <p:cNvPr id="11" name="Rectangle 10"/>
           <p:cNvSpPr>
             <a:spLocks noGrp="1" noRot="1" noChangeAspect="1" noMove="1" noResize="1" noEditPoints="1" noAdjustHandles="1" noChangeArrowheads="1" noChangeShapeType="1" noTextEdit="1"/>
           </p:cNvSpPr>
@@ -7690,7 +10577,7 @@
             </p:extLst>
           </p:nvPr>
         </p:nvSpPr>
-        <p:spPr>
+        <p:spPr bwMode="white">
           <a:xfrm>
             <a:off x="0" y="0"/>
             <a:ext cx="9144000" cy="6858000"/>
@@ -7698,208 +10585,63 @@
           <a:prstGeom prst="rect">
             <a:avLst/>
           </a:prstGeom>
+          <a:solidFill>
+            <a:schemeClr val="bg1"/>
+          </a:solidFill>
           <a:ln>
             <a:noFill/>
           </a:ln>
+          <a:effectLst/>
+        </p:spPr>
+      </p:sp>
+      <p:sp>
+        <p:nvSpPr>
+          <p:cNvPr id="13" name="Rectangle 12"/>
+          <p:cNvSpPr>
+            <a:spLocks noGrp="1" noRot="1" noChangeAspect="1" noMove="1" noResize="1" noEditPoints="1" noAdjustHandles="1" noChangeArrowheads="1" noChangeShapeType="1" noTextEdit="1"/>
+          </p:cNvSpPr>
+          <p:nvPr>
+            <p:extLst>
+              <p:ext uri="{386F3935-93C4-4BCD-93E2-E3B085C9AB24}">
+                <p16:designElem xmlns:p16="http://schemas.microsoft.com/office/powerpoint/2015/main" val="1"/>
+              </p:ext>
+            </p:extLst>
+          </p:nvPr>
+        </p:nvSpPr>
+        <p:spPr>
+          <a:xfrm>
+            <a:off x="334900" y="457200"/>
+            <a:ext cx="2777490" cy="94997"/>
+          </a:xfrm>
+          <a:prstGeom prst="rect">
+            <a:avLst/>
+          </a:prstGeom>
+          <a:solidFill>
+            <a:schemeClr val="accent1"/>
+          </a:solidFill>
+          <a:ln>
+            <a:noFill/>
+          </a:ln>
+          <a:effectLst/>
         </p:spPr>
         <p:style>
-          <a:lnRef idx="2">
-            <a:schemeClr val="accent1">
-              <a:shade val="50000"/>
-            </a:schemeClr>
+          <a:lnRef idx="1">
+            <a:schemeClr val="accent1"/>
           </a:lnRef>
-          <a:fillRef idx="1">
+          <a:fillRef idx="3">
             <a:schemeClr val="accent1"/>
           </a:fillRef>
-          <a:effectRef idx="0">
+          <a:effectRef idx="2">
             <a:schemeClr val="accent1"/>
           </a:effectRef>
           <a:fontRef idx="minor">
             <a:schemeClr val="lt1"/>
           </a:fontRef>
         </p:style>
-        <p:txBody>
-          <a:bodyPr rtlCol="0" anchor="ctr"/>
-          <a:lstStyle/>
-          <a:p>
-            <a:pPr algn="ctr"/>
-            <a:endParaRPr lang="en-US"/>
-          </a:p>
-        </p:txBody>
-      </p:sp>
-      <p:sp useBgFill="1">
-        <p:nvSpPr>
-          <p:cNvPr id="12" name="Rectangle 11"/>
-          <p:cNvSpPr>
-            <a:spLocks noGrp="1" noRot="1" noChangeAspect="1" noMove="1" noResize="1" noEditPoints="1" noAdjustHandles="1" noChangeArrowheads="1" noChangeShapeType="1" noTextEdit="1"/>
-          </p:cNvSpPr>
-          <p:nvPr>
-            <p:extLst>
-              <p:ext uri="{386F3935-93C4-4BCD-93E2-E3B085C9AB24}">
-                <p16:designElem xmlns:p16="http://schemas.microsoft.com/office/powerpoint/2015/main" val="1"/>
-              </p:ext>
-            </p:extLst>
-          </p:nvPr>
-        </p:nvSpPr>
-        <p:spPr>
-          <a:xfrm>
-            <a:off x="0" y="638175"/>
-            <a:ext cx="9143999" cy="6219825"/>
-          </a:xfrm>
-          <a:prstGeom prst="rect">
-            <a:avLst/>
-          </a:prstGeom>
-          <a:ln>
-            <a:noFill/>
-          </a:ln>
-        </p:spPr>
-        <p:style>
-          <a:lnRef idx="2">
-            <a:schemeClr val="accent1">
-              <a:shade val="50000"/>
-            </a:schemeClr>
-          </a:lnRef>
-          <a:fillRef idx="1">
-            <a:schemeClr val="accent1"/>
-          </a:fillRef>
-          <a:effectRef idx="0">
-            <a:schemeClr val="accent1"/>
-          </a:effectRef>
-          <a:fontRef idx="minor">
-            <a:schemeClr val="lt1"/>
-          </a:fontRef>
-        </p:style>
-        <p:txBody>
-          <a:bodyPr rtlCol="0" anchor="ctr"/>
-          <a:lstStyle/>
-          <a:p>
-            <a:pPr algn="ctr"/>
-            <a:endParaRPr lang="en-US"/>
-          </a:p>
-        </p:txBody>
-      </p:sp>
-      <p:sp>
-        <p:nvSpPr>
-          <p:cNvPr id="14" name="Rectangle 13"/>
-          <p:cNvSpPr>
-            <a:spLocks noGrp="1" noRot="1" noChangeAspect="1" noMove="1" noResize="1" noEditPoints="1" noAdjustHandles="1" noChangeArrowheads="1" noChangeShapeType="1" noTextEdit="1"/>
-          </p:cNvSpPr>
-          <p:nvPr>
-            <p:extLst>
-              <p:ext uri="{386F3935-93C4-4BCD-93E2-E3B085C9AB24}">
-                <p16:designElem xmlns:p16="http://schemas.microsoft.com/office/powerpoint/2015/main" val="1"/>
-              </p:ext>
-            </p:extLst>
-          </p:nvPr>
-        </p:nvSpPr>
-        <p:spPr>
-          <a:xfrm>
-            <a:off x="5052059" y="723899"/>
-            <a:ext cx="3757041" cy="5666666"/>
-          </a:xfrm>
-          <a:prstGeom prst="rect">
-            <a:avLst/>
-          </a:prstGeom>
-          <a:solidFill>
-            <a:schemeClr val="accent1"/>
-          </a:solidFill>
-          <a:ln>
-            <a:noFill/>
-          </a:ln>
-          <a:effectLst/>
-        </p:spPr>
-        <p:style>
-          <a:lnRef idx="1">
-            <a:schemeClr val="accent1"/>
-          </a:lnRef>
-          <a:fillRef idx="3">
-            <a:schemeClr val="accent1"/>
-          </a:fillRef>
-          <a:effectRef idx="2">
-            <a:schemeClr val="accent1"/>
-          </a:effectRef>
-          <a:fontRef idx="minor">
-            <a:schemeClr val="lt1"/>
-          </a:fontRef>
-        </p:style>
-      </p:sp>
-      <p:pic>
-        <p:nvPicPr>
-          <p:cNvPr id="5" name="Picture 4">
-            <a:extLst>
-              <a:ext uri="{FF2B5EF4-FFF2-40B4-BE49-F238E27FC236}">
-                <a16:creationId xmlns:a16="http://schemas.microsoft.com/office/drawing/2014/main" id="{EF1277C0-A4DE-4507-8777-8889F097649C}"/>
-              </a:ext>
-            </a:extLst>
-          </p:cNvPr>
-          <p:cNvPicPr>
-            <a:picLocks noChangeAspect="1"/>
-          </p:cNvPicPr>
-          <p:nvPr/>
-        </p:nvPicPr>
-        <p:blipFill rotWithShape="1">
-          <a:blip r:embed="rId2"/>
-          <a:srcRect l="10966" r="8786" b="2"/>
-          <a:stretch/>
-        </p:blipFill>
-        <p:spPr>
-          <a:xfrm>
-            <a:off x="334899" y="723899"/>
-            <a:ext cx="4652131" cy="5666666"/>
-          </a:xfrm>
-          <a:prstGeom prst="rect">
-            <a:avLst/>
-          </a:prstGeom>
-        </p:spPr>
-      </p:pic>
-      <p:sp>
-        <p:nvSpPr>
-          <p:cNvPr id="16" name="Rectangle 15"/>
-          <p:cNvSpPr>
-            <a:spLocks noGrp="1" noRot="1" noChangeAspect="1" noMove="1" noResize="1" noEditPoints="1" noAdjustHandles="1" noChangeArrowheads="1" noChangeShapeType="1" noTextEdit="1"/>
-          </p:cNvSpPr>
-          <p:nvPr>
-            <p:extLst>
-              <p:ext uri="{386F3935-93C4-4BCD-93E2-E3B085C9AB24}">
-                <p16:designElem xmlns:p16="http://schemas.microsoft.com/office/powerpoint/2015/main" val="1"/>
-              </p:ext>
-            </p:extLst>
-          </p:nvPr>
-        </p:nvSpPr>
-        <p:spPr>
-          <a:xfrm>
-            <a:off x="334900" y="457200"/>
-            <a:ext cx="2777490" cy="94997"/>
-          </a:xfrm>
-          <a:prstGeom prst="rect">
-            <a:avLst/>
-          </a:prstGeom>
-          <a:solidFill>
-            <a:schemeClr val="accent1"/>
-          </a:solidFill>
-          <a:ln>
-            <a:noFill/>
-          </a:ln>
-          <a:effectLst/>
-        </p:spPr>
-        <p:style>
-          <a:lnRef idx="1">
-            <a:schemeClr val="accent1"/>
-          </a:lnRef>
-          <a:fillRef idx="3">
-            <a:schemeClr val="accent1"/>
-          </a:fillRef>
-          <a:effectRef idx="2">
-            <a:schemeClr val="accent1"/>
-          </a:effectRef>
-          <a:fontRef idx="minor">
-            <a:schemeClr val="lt1"/>
-          </a:fontRef>
-        </p:style>
-      </p:sp>
-      <p:sp>
-        <p:nvSpPr>
-          <p:cNvPr id="18" name="Rectangle 17"/>
+      </p:sp>
+      <p:sp>
+        <p:nvSpPr>
+          <p:cNvPr id="15" name="Rectangle 14"/>
           <p:cNvSpPr>
             <a:spLocks noGrp="1" noRot="1" noChangeAspect="1" noMove="1" noResize="1" noEditPoints="1" noAdjustHandles="1" noChangeArrowheads="1" noChangeShapeType="1" noTextEdit="1"/>
           </p:cNvSpPr>
@@ -7944,7 +10686,7 @@
       </p:sp>
       <p:sp>
         <p:nvSpPr>
-          <p:cNvPr id="20" name="Rectangle 19"/>
+          <p:cNvPr id="17" name="Rectangle 16"/>
           <p:cNvSpPr>
             <a:spLocks noGrp="1" noRot="1" noChangeAspect="1" noMove="1" noResize="1" noEditPoints="1" noAdjustHandles="1" noChangeArrowheads="1" noChangeShapeType="1" noTextEdit="1"/>
           </p:cNvSpPr>
@@ -7989,10 +10731,248 @@
       </p:sp>
       <p:sp>
         <p:nvSpPr>
+          <p:cNvPr id="19" name="Rectangle 18"/>
+          <p:cNvSpPr>
+            <a:spLocks noGrp="1" noRot="1" noChangeAspect="1" noMove="1" noResize="1" noEditPoints="1" noAdjustHandles="1" noChangeArrowheads="1" noChangeShapeType="1" noTextEdit="1"/>
+          </p:cNvSpPr>
+          <p:nvPr>
+            <p:extLst>
+              <p:ext uri="{386F3935-93C4-4BCD-93E2-E3B085C9AB24}">
+                <p16:designElem xmlns:p16="http://schemas.microsoft.com/office/powerpoint/2015/main" val="1"/>
+              </p:ext>
+            </p:extLst>
+          </p:nvPr>
+        </p:nvSpPr>
+        <p:spPr>
+          <a:xfrm>
+            <a:off x="330214" y="614407"/>
+            <a:ext cx="8482004" cy="1189298"/>
+          </a:xfrm>
+          <a:prstGeom prst="rect">
+            <a:avLst/>
+          </a:prstGeom>
+          <a:solidFill>
+            <a:schemeClr val="accent1"/>
+          </a:solidFill>
+          <a:ln>
+            <a:noFill/>
+          </a:ln>
+          <a:effectLst/>
+        </p:spPr>
+        <p:style>
+          <a:lnRef idx="1">
+            <a:schemeClr val="accent1"/>
+          </a:lnRef>
+          <a:fillRef idx="3">
+            <a:schemeClr val="accent1"/>
+          </a:fillRef>
+          <a:effectRef idx="2">
+            <a:schemeClr val="accent1"/>
+          </a:effectRef>
+          <a:fontRef idx="minor">
+            <a:schemeClr val="lt1"/>
+          </a:fontRef>
+        </p:style>
+      </p:sp>
+      <p:sp useBgFill="1">
+        <p:nvSpPr>
+          <p:cNvPr id="21" name="Rectangle 20"/>
+          <p:cNvSpPr>
+            <a:spLocks noGrp="1" noRot="1" noChangeAspect="1" noMove="1" noResize="1" noEditPoints="1" noAdjustHandles="1" noChangeArrowheads="1" noChangeShapeType="1" noTextEdit="1"/>
+          </p:cNvSpPr>
+          <p:nvPr>
+            <p:extLst>
+              <p:ext uri="{386F3935-93C4-4BCD-93E2-E3B085C9AB24}">
+                <p16:designElem xmlns:p16="http://schemas.microsoft.com/office/powerpoint/2015/main" val="1"/>
+              </p:ext>
+            </p:extLst>
+          </p:nvPr>
+        </p:nvSpPr>
+        <p:spPr>
+          <a:xfrm>
+            <a:off x="0" y="0"/>
+            <a:ext cx="9144000" cy="6858000"/>
+          </a:xfrm>
+          <a:prstGeom prst="rect">
+            <a:avLst/>
+          </a:prstGeom>
+          <a:ln>
+            <a:noFill/>
+          </a:ln>
+        </p:spPr>
+        <p:style>
+          <a:lnRef idx="2">
+            <a:schemeClr val="accent1">
+              <a:shade val="50000"/>
+            </a:schemeClr>
+          </a:lnRef>
+          <a:fillRef idx="1">
+            <a:schemeClr val="accent1"/>
+          </a:fillRef>
+          <a:effectRef idx="0">
+            <a:schemeClr val="accent1"/>
+          </a:effectRef>
+          <a:fontRef idx="minor">
+            <a:schemeClr val="lt1"/>
+          </a:fontRef>
+        </p:style>
+        <p:txBody>
+          <a:bodyPr rtlCol="0" anchor="ctr"/>
+          <a:lstStyle/>
+          <a:p>
+            <a:pPr algn="ctr"/>
+            <a:endParaRPr lang="en-US"/>
+          </a:p>
+        </p:txBody>
+      </p:sp>
+      <p:pic>
+        <p:nvPicPr>
+          <p:cNvPr id="6" name="Content Placeholder 5">
+            <a:extLst>
+              <a:ext uri="{FF2B5EF4-FFF2-40B4-BE49-F238E27FC236}">
+                <a16:creationId xmlns:a16="http://schemas.microsoft.com/office/drawing/2014/main" id="{AA3D17E8-2B10-4CA2-A130-282EEC79A298}"/>
+              </a:ext>
+            </a:extLst>
+          </p:cNvPr>
+          <p:cNvPicPr>
+            <a:picLocks noGrp="1" noChangeAspect="1"/>
+          </p:cNvPicPr>
+          <p:nvPr>
+            <p:ph idx="1"/>
+          </p:nvPr>
+        </p:nvPicPr>
+        <p:blipFill rotWithShape="1">
+          <a:blip r:embed="rId2"/>
+          <a:srcRect l="8345" t="9091" r="11048"/>
+          <a:stretch/>
+        </p:blipFill>
+        <p:spPr>
+          <a:xfrm>
+            <a:off x="20" y="10"/>
+            <a:ext cx="9143980" cy="6857990"/>
+          </a:xfrm>
+          <a:prstGeom prst="rect">
+            <a:avLst/>
+          </a:prstGeom>
+        </p:spPr>
+      </p:pic>
+      <p:grpSp>
+        <p:nvGrpSpPr>
+          <p:cNvPr id="23" name="Group 22"/>
+          <p:cNvGrpSpPr>
+            <a:grpSpLocks noGrp="1" noUngrp="1" noRot="1" noChangeAspect="1" noMove="1" noResize="1"/>
+          </p:cNvGrpSpPr>
+          <p:nvPr>
+            <p:extLst>
+              <p:ext uri="{386F3935-93C4-4BCD-93E2-E3B085C9AB24}">
+                <p16:designElem xmlns:p16="http://schemas.microsoft.com/office/powerpoint/2015/main" val="1"/>
+              </p:ext>
+            </p:extLst>
+          </p:nvPr>
+        </p:nvGrpSpPr>
+        <p:grpSpPr>
+          <a:xfrm>
+            <a:off x="328551" y="457200"/>
+            <a:ext cx="2777491" cy="5935132"/>
+            <a:chOff x="438068" y="457200"/>
+            <a:chExt cx="3703320" cy="5935132"/>
+          </a:xfrm>
+        </p:grpSpPr>
+        <p:sp>
+          <p:nvSpPr>
+            <p:cNvPr id="24" name="Rectangle 23"/>
+            <p:cNvSpPr/>
+            <p:nvPr>
+              <p:extLst>
+                <p:ext uri="{386F3935-93C4-4BCD-93E2-E3B085C9AB24}">
+                  <p16:designElem xmlns:p16="http://schemas.microsoft.com/office/powerpoint/2015/main" val="1"/>
+                </p:ext>
+              </p:extLst>
+            </p:nvPr>
+          </p:nvSpPr>
+          <p:spPr>
+            <a:xfrm>
+              <a:off x="438068" y="618067"/>
+              <a:ext cx="3702134" cy="5774265"/>
+            </a:xfrm>
+            <a:prstGeom prst="rect">
+              <a:avLst/>
+            </a:prstGeom>
+            <a:solidFill>
+              <a:schemeClr val="accent1">
+                <a:alpha val="97000"/>
+              </a:schemeClr>
+            </a:solidFill>
+            <a:ln w="6350" cmpd="sng">
+              <a:noFill/>
+            </a:ln>
+            <a:effectLst/>
+          </p:spPr>
+          <p:style>
+            <a:lnRef idx="1">
+              <a:schemeClr val="accent1"/>
+            </a:lnRef>
+            <a:fillRef idx="3">
+              <a:schemeClr val="accent1"/>
+            </a:fillRef>
+            <a:effectRef idx="2">
+              <a:schemeClr val="accent1"/>
+            </a:effectRef>
+            <a:fontRef idx="minor">
+              <a:schemeClr val="lt1"/>
+            </a:fontRef>
+          </p:style>
+        </p:sp>
+        <p:sp>
+          <p:nvSpPr>
+            <p:cNvPr id="25" name="Rectangle 24"/>
+            <p:cNvSpPr/>
+            <p:nvPr>
+              <p:extLst>
+                <p:ext uri="{386F3935-93C4-4BCD-93E2-E3B085C9AB24}">
+                  <p16:designElem xmlns:p16="http://schemas.microsoft.com/office/powerpoint/2015/main" val="1"/>
+                </p:ext>
+              </p:extLst>
+            </p:nvPr>
+          </p:nvSpPr>
+          <p:spPr>
+            <a:xfrm>
+              <a:off x="438068" y="457200"/>
+              <a:ext cx="3703320" cy="94997"/>
+            </a:xfrm>
+            <a:prstGeom prst="rect">
+              <a:avLst/>
+            </a:prstGeom>
+            <a:solidFill>
+              <a:schemeClr val="accent1"/>
+            </a:solidFill>
+            <a:ln>
+              <a:noFill/>
+            </a:ln>
+            <a:effectLst/>
+          </p:spPr>
+          <p:style>
+            <a:lnRef idx="1">
+              <a:schemeClr val="accent1"/>
+            </a:lnRef>
+            <a:fillRef idx="3">
+              <a:schemeClr val="accent1"/>
+            </a:fillRef>
+            <a:effectRef idx="2">
+              <a:schemeClr val="accent1"/>
+            </a:effectRef>
+            <a:fontRef idx="minor">
+              <a:schemeClr val="lt1"/>
+            </a:fontRef>
+          </p:style>
+        </p:sp>
+      </p:grpSp>
+      <p:sp>
+        <p:nvSpPr>
           <p:cNvPr id="2" name="Title 1">
             <a:extLst>
               <a:ext uri="{FF2B5EF4-FFF2-40B4-BE49-F238E27FC236}">
-                <a16:creationId xmlns:a16="http://schemas.microsoft.com/office/drawing/2014/main" id="{0B680850-5E62-4471-9532-01BB05C5949A}"/>
+                <a16:creationId xmlns:a16="http://schemas.microsoft.com/office/drawing/2014/main" id="{3DF68E32-47ED-4B87-9C0B-6C1ABDFB4105}"/>
               </a:ext>
             </a:extLst>
           </p:cNvPr>
@@ -8000,43 +10980,43 @@
             <a:spLocks noGrp="1"/>
           </p:cNvSpPr>
           <p:nvPr>
-            <p:ph type="ctrTitle"/>
-          </p:nvPr>
-        </p:nvSpPr>
-        <p:spPr>
-          <a:xfrm>
-            <a:off x="5446450" y="1419225"/>
-            <a:ext cx="3086938" cy="2085869"/>
+            <p:ph type="title"/>
+          </p:nvPr>
+        </p:nvSpPr>
+        <p:spPr>
+          <a:xfrm>
+            <a:off x="438150" y="1006956"/>
+            <a:ext cx="2559050" cy="1372177"/>
           </a:xfrm>
         </p:spPr>
         <p:txBody>
-          <a:bodyPr>
+          <a:bodyPr vert="horz" lIns="91440" tIns="45720" rIns="91440" bIns="45720" rtlCol="0" anchor="ctr">
             <a:normAutofit/>
           </a:bodyPr>
           <a:lstStyle/>
           <a:p>
-            <a:r>
-              <a:rPr lang="es-ES" b="1">
+            <a:pPr>
+              <a:lnSpc>
+                <a:spcPct val="90000"/>
+              </a:lnSpc>
+            </a:pPr>
+            <a:r>
+              <a:rPr lang="en-US" sz="2400">
                 <a:solidFill>
-                  <a:srgbClr val="FFFFFF"/>
+                  <a:schemeClr val="bg1"/>
                 </a:solidFill>
               </a:rPr>
-              <a:t>Richard Stallman</a:t>
-            </a:r>
-            <a:endParaRPr lang="es-US">
-              <a:solidFill>
-                <a:srgbClr val="FFFFFF"/>
-              </a:solidFill>
-            </a:endParaRPr>
+              <a:t>Estudio y optimización de algoritmos</a:t>
+            </a:r>
           </a:p>
         </p:txBody>
       </p:sp>
       <p:sp>
         <p:nvSpPr>
-          <p:cNvPr id="3" name="Subtitle 2">
+          <p:cNvPr id="4" name="Text Placeholder 3">
             <a:extLst>
               <a:ext uri="{FF2B5EF4-FFF2-40B4-BE49-F238E27FC236}">
-                <a16:creationId xmlns:a16="http://schemas.microsoft.com/office/drawing/2014/main" id="{574EA1D3-A799-4C9F-94AB-C5A2711FEC5D}"/>
+                <a16:creationId xmlns:a16="http://schemas.microsoft.com/office/drawing/2014/main" id="{E161887B-C0CF-47A5-BD83-EBF65D88B72C}"/>
               </a:ext>
             </a:extLst>
           </p:cNvPr>
@@ -8044,36 +11024,112 @@
             <a:spLocks noGrp="1"/>
           </p:cNvSpPr>
           <p:nvPr>
-            <p:ph type="subTitle" idx="1"/>
-          </p:nvPr>
-        </p:nvSpPr>
-        <p:spPr>
-          <a:xfrm>
-            <a:off x="5446450" y="3505095"/>
-            <a:ext cx="3086938" cy="1733655"/>
+            <p:ph type="body" sz="half" idx="2"/>
+          </p:nvPr>
+        </p:nvSpPr>
+        <p:spPr>
+          <a:xfrm>
+            <a:off x="435894" y="2438399"/>
+            <a:ext cx="2561306" cy="3564467"/>
           </a:xfrm>
         </p:spPr>
         <p:txBody>
-          <a:bodyPr>
+          <a:bodyPr vert="horz" lIns="91440" tIns="45720" rIns="91440" bIns="45720" rtlCol="0" anchor="ctr">
             <a:normAutofit/>
           </a:bodyPr>
           <a:lstStyle/>
           <a:p>
-            <a:r>
-              <a:rPr lang="es-US">
-                <a:solidFill>
-                  <a:schemeClr val="bg2"/>
-                </a:solidFill>
-              </a:rPr>
-              <a:t>GNU</a:t>
-            </a:r>
+            <a:pPr algn="l">
+              <a:buClr>
+                <a:srgbClr val="FF6C48"/>
+              </a:buClr>
+              <a:buFont typeface="Wingdings 2" panose="05020102010507070707" pitchFamily="18" charset="2"/>
+              <a:buChar char=""/>
+            </a:pPr>
+            <a:r>
+              <a:rPr lang="en-US" sz="1800" dirty="0" err="1"/>
+              <a:t>Estudio</a:t>
+            </a:r>
+            <a:r>
+              <a:rPr lang="en-US" sz="1800" dirty="0"/>
+              <a:t> de las </a:t>
+            </a:r>
+            <a:r>
+              <a:rPr lang="en-US" sz="1800" dirty="0" err="1"/>
+              <a:t>distintas</a:t>
+            </a:r>
+            <a:r>
+              <a:rPr lang="en-US" sz="1800" dirty="0"/>
+              <a:t> </a:t>
+            </a:r>
+            <a:r>
+              <a:rPr lang="en-US" sz="1800" dirty="0" err="1"/>
+              <a:t>formas</a:t>
+            </a:r>
+            <a:r>
+              <a:rPr lang="en-US" sz="1800" dirty="0"/>
+              <a:t> de resolver </a:t>
+            </a:r>
+            <a:r>
+              <a:rPr lang="en-US" sz="1800" dirty="0" err="1"/>
+              <a:t>problemas</a:t>
+            </a:r>
+            <a:r>
+              <a:rPr lang="en-US" sz="1800" dirty="0"/>
+              <a:t> </a:t>
+            </a:r>
+            <a:r>
+              <a:rPr lang="en-US" sz="1800" dirty="0" err="1"/>
+              <a:t>matemáticos</a:t>
+            </a:r>
+            <a:r>
+              <a:rPr lang="en-US" sz="1800" dirty="0"/>
+              <a:t> en </a:t>
+            </a:r>
+            <a:r>
+              <a:rPr lang="en-US" sz="1800" dirty="0" err="1"/>
+              <a:t>una</a:t>
+            </a:r>
+            <a:r>
+              <a:rPr lang="en-US" sz="1800" dirty="0"/>
+              <a:t> </a:t>
+            </a:r>
+            <a:r>
+              <a:rPr lang="en-US" sz="1800" dirty="0" err="1"/>
+              <a:t>computadora</a:t>
+            </a:r>
+            <a:r>
+              <a:rPr lang="en-US" sz="1800" dirty="0"/>
+              <a:t> a </a:t>
+            </a:r>
+            <a:r>
+              <a:rPr lang="en-US" sz="1800" dirty="0" err="1"/>
+              <a:t>través</a:t>
+            </a:r>
+            <a:r>
+              <a:rPr lang="en-US" sz="1800" dirty="0"/>
+              <a:t> de </a:t>
+            </a:r>
+            <a:r>
+              <a:rPr lang="en-US" sz="1800" dirty="0" err="1"/>
+              <a:t>métodos</a:t>
+            </a:r>
+            <a:r>
+              <a:rPr lang="en-US" sz="1800" dirty="0"/>
+              <a:t> </a:t>
+            </a:r>
+            <a:r>
+              <a:rPr lang="en-US" sz="1800" dirty="0" err="1"/>
+              <a:t>numéricos</a:t>
+            </a:r>
+            <a:endParaRPr lang="en-US" sz="1800" dirty="0"/>
           </a:p>
         </p:txBody>
       </p:sp>
     </p:spTree>
     <p:extLst>
       <p:ext uri="{BB962C8B-B14F-4D97-AF65-F5344CB8AC3E}">
-        <p14:creationId xmlns:p14="http://schemas.microsoft.com/office/powerpoint/2010/main" val="1333480006"/>
+        <p14:creationId xmlns:p14="http://schemas.microsoft.com/office/powerpoint/2010/main" val="1724890431"/>
       </p:ext>
     </p:extLst>
   </p:cSld>
@@ -8100,12 +11156,139 @@
           <a:chExt cx="0" cy="0"/>
         </a:xfrm>
       </p:grpSpPr>
+      <p:sp useBgFill="1">
+        <p:nvSpPr>
+          <p:cNvPr id="29" name="Rectangle 22"/>
+          <p:cNvSpPr>
+            <a:spLocks noGrp="1" noRot="1" noChangeAspect="1" noMove="1" noResize="1" noEditPoints="1" noAdjustHandles="1" noChangeArrowheads="1" noChangeShapeType="1" noTextEdit="1"/>
+          </p:cNvSpPr>
+          <p:nvPr>
+            <p:extLst>
+              <p:ext uri="{386F3935-93C4-4BCD-93E2-E3B085C9AB24}">
+                <p16:designElem xmlns:p16="http://schemas.microsoft.com/office/powerpoint/2015/main" val="1"/>
+              </p:ext>
+            </p:extLst>
+          </p:nvPr>
+        </p:nvSpPr>
+        <p:spPr>
+          <a:xfrm>
+            <a:off x="0" y="614406"/>
+            <a:ext cx="9144000" cy="6243593"/>
+          </a:xfrm>
+          <a:prstGeom prst="rect">
+            <a:avLst/>
+          </a:prstGeom>
+          <a:ln>
+            <a:noFill/>
+          </a:ln>
+        </p:spPr>
+        <p:style>
+          <a:lnRef idx="2">
+            <a:schemeClr val="accent1">
+              <a:shade val="50000"/>
+            </a:schemeClr>
+          </a:lnRef>
+          <a:fillRef idx="1">
+            <a:schemeClr val="accent1"/>
+          </a:fillRef>
+          <a:effectRef idx="0">
+            <a:schemeClr val="accent1"/>
+          </a:effectRef>
+          <a:fontRef idx="minor">
+            <a:schemeClr val="lt1"/>
+          </a:fontRef>
+        </p:style>
+        <p:txBody>
+          <a:bodyPr rtlCol="0" anchor="ctr"/>
+          <a:lstStyle/>
+          <a:p>
+            <a:pPr algn="ctr"/>
+            <a:endParaRPr lang="en-US"/>
+          </a:p>
+        </p:txBody>
+      </p:sp>
+      <p:sp>
+        <p:nvSpPr>
+          <p:cNvPr id="30" name="Rectangle 24"/>
+          <p:cNvSpPr>
+            <a:spLocks noGrp="1" noRot="1" noChangeAspect="1" noMove="1" noResize="1" noEditPoints="1" noAdjustHandles="1" noChangeArrowheads="1" noChangeShapeType="1" noTextEdit="1"/>
+          </p:cNvSpPr>
+          <p:nvPr>
+            <p:extLst>
+              <p:ext uri="{386F3935-93C4-4BCD-93E2-E3B085C9AB24}">
+                <p16:designElem xmlns:p16="http://schemas.microsoft.com/office/powerpoint/2015/main" val="1"/>
+              </p:ext>
+            </p:extLst>
+          </p:nvPr>
+        </p:nvSpPr>
+        <p:spPr>
+          <a:xfrm>
+            <a:off x="331782" y="614407"/>
+            <a:ext cx="2780608" cy="5611772"/>
+          </a:xfrm>
+          <a:prstGeom prst="rect">
+            <a:avLst/>
+          </a:prstGeom>
+          <a:solidFill>
+            <a:schemeClr val="accent1"/>
+          </a:solidFill>
+          <a:ln>
+            <a:noFill/>
+          </a:ln>
+          <a:effectLst/>
+        </p:spPr>
+        <p:style>
+          <a:lnRef idx="1">
+            <a:schemeClr val="accent1"/>
+          </a:lnRef>
+          <a:fillRef idx="3">
+            <a:schemeClr val="accent1"/>
+          </a:fillRef>
+          <a:effectRef idx="2">
+            <a:schemeClr val="accent1"/>
+          </a:effectRef>
+          <a:fontRef idx="minor">
+            <a:schemeClr val="lt1"/>
+          </a:fontRef>
+        </p:style>
+      </p:sp>
+      <p:pic>
+        <p:nvPicPr>
+          <p:cNvPr id="5" name="Picture 4">
+            <a:extLst>
+              <a:ext uri="{FF2B5EF4-FFF2-40B4-BE49-F238E27FC236}">
+                <a16:creationId xmlns:a16="http://schemas.microsoft.com/office/drawing/2014/main" id="{94D584B0-7E8A-43D8-90FC-E6A16B465661}"/>
+              </a:ext>
+            </a:extLst>
+          </p:cNvPr>
+          <p:cNvPicPr>
+            <a:picLocks noChangeAspect="1"/>
+          </p:cNvPicPr>
+          <p:nvPr/>
+        </p:nvPicPr>
+        <p:blipFill rotWithShape="1">
+          <a:blip r:embed="rId2">
+            <a:extLst/>
+          </a:blip>
+          <a:srcRect/>
+          <a:stretch/>
+        </p:blipFill>
+        <p:spPr>
+          <a:xfrm>
+            <a:off x="3593641" y="2088622"/>
+            <a:ext cx="4867364" cy="2701386"/>
+          </a:xfrm>
+          <a:prstGeom prst="rect">
+            <a:avLst/>
+          </a:prstGeom>
+        </p:spPr>
+      </p:pic>
       <p:sp>
         <p:nvSpPr>
           <p:cNvPr id="2" name="Title 1">
             <a:extLst>
               <a:ext uri="{FF2B5EF4-FFF2-40B4-BE49-F238E27FC236}">
-                <a16:creationId xmlns:a16="http://schemas.microsoft.com/office/drawing/2014/main" id="{8B3DE689-6B5D-4BFB-A29D-0AB275E87775}"/>
+                <a16:creationId xmlns:a16="http://schemas.microsoft.com/office/drawing/2014/main" id="{AA727684-A2F1-40E5-90B9-C91951DF44A9}"/>
               </a:ext>
             </a:extLst>
           </p:cNvPr>
@@ -8116,12 +11299,27 @@
             <p:ph type="title"/>
           </p:nvPr>
         </p:nvSpPr>
-        <p:spPr/>
+        <p:spPr>
+          <a:xfrm>
+            <a:off x="450941" y="702156"/>
+            <a:ext cx="2557337" cy="1013800"/>
+          </a:xfrm>
+        </p:spPr>
         <p:txBody>
-          <a:bodyPr/>
+          <a:bodyPr>
+            <a:normAutofit/>
+          </a:bodyPr>
           <a:lstStyle/>
           <a:p>
-            <a:endParaRPr lang="es-US"/>
+            <a:pPr>
+              <a:lnSpc>
+                <a:spcPct val="90000"/>
+              </a:lnSpc>
+            </a:pPr>
+            <a:r>
+              <a:rPr lang="es-US" sz="2400"/>
+              <a:t>Teoría de la computación</a:t>
+            </a:r>
           </a:p>
         </p:txBody>
       </p:sp>
@@ -8130,7 +11328,7 @@
           <p:cNvPr id="3" name="Content Placeholder 2">
             <a:extLst>
               <a:ext uri="{FF2B5EF4-FFF2-40B4-BE49-F238E27FC236}">
-                <a16:creationId xmlns:a16="http://schemas.microsoft.com/office/drawing/2014/main" id="{3CFA8FF2-1FAD-4CEF-A1A4-0D66DC655B1B}"/>
+                <a16:creationId xmlns:a16="http://schemas.microsoft.com/office/drawing/2014/main" id="{E89B2298-903F-4410-9D18-DA99C4072BC1}"/>
               </a:ext>
             </a:extLst>
           </p:cNvPr>
@@ -8141,81 +11339,33 @@
             <p:ph idx="1"/>
           </p:nvPr>
         </p:nvSpPr>
-        <p:spPr/>
-        <p:txBody>
-          <a:bodyPr/>
-          <a:lstStyle/>
-          <a:p>
-            <a:r>
-              <a:rPr lang="es-MX" dirty="0"/>
-              <a:t>Nació en la Ciudad de Nueva York en el año 1953</a:t>
-            </a:r>
-          </a:p>
-          <a:p>
-            <a:r>
-              <a:rPr lang="es-MX" dirty="0"/>
-              <a:t>En 1971, siendo estudiante de primer año de Física en la Universidad Harvard, Stallman se convirtió en un </a:t>
-            </a:r>
-            <a:r>
-              <a:rPr lang="es-MX" i="1" dirty="0">
-                <a:hlinkClick r:id="rId2" tooltip="Hacker"/>
-              </a:rPr>
-              <a:t>hacker</a:t>
-            </a:r>
-            <a:r>
-              <a:rPr lang="es-MX" dirty="0"/>
-              <a:t> del Laboratorio de Inteligencia Artificial del Instituto Tecnológico de Massachusetts (MIT).</a:t>
-            </a:r>
-          </a:p>
-          <a:p>
-            <a:r>
-              <a:rPr lang="es-MX" dirty="0"/>
-              <a:t>El 27 de septiembre de 1983 Stallman anunció en varios grupos de noticias de Usenet el inicio del proyecto GNU, que perseguía crear un sistema operativo completamente libre.</a:t>
-            </a:r>
-            <a:endParaRPr lang="es-US" dirty="0"/>
-          </a:p>
-        </p:txBody>
-      </p:sp>
-      <p:sp>
-        <p:nvSpPr>
-          <p:cNvPr id="4" name="Text Placeholder 3">
-            <a:extLst>
-              <a:ext uri="{FF2B5EF4-FFF2-40B4-BE49-F238E27FC236}">
-                <a16:creationId xmlns:a16="http://schemas.microsoft.com/office/drawing/2014/main" id="{EFFF9C80-64E6-4B2A-9EBF-E465B3F0A9F1}"/>
-              </a:ext>
-            </a:extLst>
-          </p:cNvPr>
-          <p:cNvSpPr>
-            <a:spLocks noGrp="1"/>
-          </p:cNvSpPr>
-          <p:nvPr>
-            <p:ph type="body" sz="half" idx="2"/>
-          </p:nvPr>
-        </p:nvSpPr>
-        <p:spPr>
-          <a:xfrm>
-            <a:off x="4305617" y="5262295"/>
-            <a:ext cx="4265327" cy="989036"/>
+        <p:spPr>
+          <a:xfrm>
+            <a:off x="450941" y="1964168"/>
+            <a:ext cx="2557336" cy="4036582"/>
           </a:xfrm>
         </p:spPr>
         <p:txBody>
           <a:bodyPr>
-            <a:normAutofit lnSpcReduction="10000"/>
+            <a:normAutofit/>
           </a:bodyPr>
           <a:lstStyle/>
           <a:p>
             <a:r>
-              <a:rPr lang="es-MX" sz="2000" dirty="0"/>
-              <a:t>Programador estadounidense y fundador del movimiento por el software libre en el mundo.</a:t>
-            </a:r>
-            <a:endParaRPr lang="es-US" sz="2000" dirty="0"/>
+              <a:rPr lang="es-US" dirty="0">
+                <a:solidFill>
+                  <a:schemeClr val="bg1"/>
+                </a:solidFill>
+              </a:rPr>
+              <a:t>Enfocada en responder las cuestiones de que puede ser computado y que cantidad de recursos son requeridos para realizar esos procesos.</a:t>
+            </a:r>
           </a:p>
         </p:txBody>
       </p:sp>
     </p:spTree>
     <p:extLst>
       <p:ext uri="{BB962C8B-B14F-4D97-AF65-F5344CB8AC3E}">
-        <p14:creationId xmlns:p14="http://schemas.microsoft.com/office/powerpoint/2010/main" val="1786766459"/>
+        <p14:creationId xmlns:p14="http://schemas.microsoft.com/office/powerpoint/2010/main" val="2732426658"/>
       </p:ext>
     </p:extLst>
   </p:cSld>
@@ -8244,7 +11394,7 @@
       </p:grpSpPr>
       <p:sp>
         <p:nvSpPr>
-          <p:cNvPr id="30" name="Rectangle 12"/>
+          <p:cNvPr id="23" name="Rectangle 22"/>
           <p:cNvSpPr>
             <a:spLocks noGrp="1" noRot="1" noChangeAspect="1" noMove="1" noResize="1" noEditPoints="1" noAdjustHandles="1" noChangeArrowheads="1" noChangeShapeType="1" noTextEdit="1"/>
           </p:cNvSpPr>
@@ -8256,10 +11406,10 @@
             </p:extLst>
           </p:nvPr>
         </p:nvSpPr>
-        <p:spPr bwMode="white">
-          <a:xfrm>
-            <a:off x="0" y="0"/>
-            <a:ext cx="9144000" cy="6858000"/>
+        <p:spPr>
+          <a:xfrm>
+            <a:off x="334899" y="2180496"/>
+            <a:ext cx="4053480" cy="4045683"/>
           </a:xfrm>
           <a:prstGeom prst="rect">
             <a:avLst/>
@@ -8267,216 +11417,10 @@
           <a:solidFill>
             <a:schemeClr val="bg1"/>
           </a:solidFill>
-          <a:ln>
-            <a:noFill/>
-          </a:ln>
-          <a:effectLst/>
-        </p:spPr>
-      </p:sp>
-      <p:sp>
-        <p:nvSpPr>
-          <p:cNvPr id="32" name="Rectangle 14"/>
-          <p:cNvSpPr>
-            <a:spLocks noGrp="1" noRot="1" noChangeAspect="1" noMove="1" noResize="1" noEditPoints="1" noAdjustHandles="1" noChangeArrowheads="1" noChangeShapeType="1" noTextEdit="1"/>
-          </p:cNvSpPr>
-          <p:nvPr>
-            <p:extLst>
-              <p:ext uri="{386F3935-93C4-4BCD-93E2-E3B085C9AB24}">
-                <p16:designElem xmlns:p16="http://schemas.microsoft.com/office/powerpoint/2015/main" val="1"/>
-              </p:ext>
-            </p:extLst>
-          </p:nvPr>
-        </p:nvSpPr>
-        <p:spPr>
-          <a:xfrm>
-            <a:off x="334900" y="457200"/>
-            <a:ext cx="2777490" cy="94997"/>
-          </a:xfrm>
-          <a:prstGeom prst="rect">
-            <a:avLst/>
-          </a:prstGeom>
-          <a:solidFill>
-            <a:schemeClr val="accent1"/>
-          </a:solidFill>
-          <a:ln>
-            <a:noFill/>
-          </a:ln>
-          <a:effectLst/>
-        </p:spPr>
-        <p:style>
-          <a:lnRef idx="1">
-            <a:schemeClr val="accent1"/>
-          </a:lnRef>
-          <a:fillRef idx="3">
-            <a:schemeClr val="accent1"/>
-          </a:fillRef>
-          <a:effectRef idx="2">
-            <a:schemeClr val="accent1"/>
-          </a:effectRef>
-          <a:fontRef idx="minor">
-            <a:schemeClr val="lt1"/>
-          </a:fontRef>
-        </p:style>
-      </p:sp>
-      <p:sp>
-        <p:nvSpPr>
-          <p:cNvPr id="34" name="Rectangle 16"/>
-          <p:cNvSpPr>
-            <a:spLocks noGrp="1" noRot="1" noChangeAspect="1" noMove="1" noResize="1" noEditPoints="1" noAdjustHandles="1" noChangeArrowheads="1" noChangeShapeType="1" noTextEdit="1"/>
-          </p:cNvSpPr>
-          <p:nvPr>
-            <p:extLst>
-              <p:ext uri="{386F3935-93C4-4BCD-93E2-E3B085C9AB24}">
-                <p16:designElem xmlns:p16="http://schemas.microsoft.com/office/powerpoint/2015/main" val="1"/>
-              </p:ext>
-            </p:extLst>
-          </p:nvPr>
-        </p:nvSpPr>
-        <p:spPr>
-          <a:xfrm>
-            <a:off x="6031610" y="453643"/>
-            <a:ext cx="2777490" cy="98554"/>
-          </a:xfrm>
-          <a:prstGeom prst="rect">
-            <a:avLst/>
-          </a:prstGeom>
-          <a:solidFill>
-            <a:schemeClr val="accent4"/>
-          </a:solidFill>
-          <a:ln>
-            <a:noFill/>
-          </a:ln>
-          <a:effectLst/>
-        </p:spPr>
-        <p:style>
-          <a:lnRef idx="1">
-            <a:schemeClr val="accent1"/>
-          </a:lnRef>
-          <a:fillRef idx="3">
-            <a:schemeClr val="accent1"/>
-          </a:fillRef>
-          <a:effectRef idx="2">
-            <a:schemeClr val="accent1"/>
-          </a:effectRef>
-          <a:fontRef idx="minor">
-            <a:schemeClr val="lt1"/>
-          </a:fontRef>
-        </p:style>
-      </p:sp>
-      <p:sp>
-        <p:nvSpPr>
-          <p:cNvPr id="35" name="Rectangle 18"/>
-          <p:cNvSpPr>
-            <a:spLocks noGrp="1" noRot="1" noChangeAspect="1" noMove="1" noResize="1" noEditPoints="1" noAdjustHandles="1" noChangeArrowheads="1" noChangeShapeType="1" noTextEdit="1"/>
-          </p:cNvSpPr>
-          <p:nvPr>
-            <p:extLst>
-              <p:ext uri="{386F3935-93C4-4BCD-93E2-E3B085C9AB24}">
-                <p16:designElem xmlns:p16="http://schemas.microsoft.com/office/powerpoint/2015/main" val="1"/>
-              </p:ext>
-            </p:extLst>
-          </p:nvPr>
-        </p:nvSpPr>
-        <p:spPr>
-          <a:xfrm>
-            <a:off x="3181372" y="457200"/>
-            <a:ext cx="2777490" cy="91440"/>
-          </a:xfrm>
-          <a:prstGeom prst="rect">
-            <a:avLst/>
-          </a:prstGeom>
-          <a:solidFill>
-            <a:schemeClr val="accent2"/>
-          </a:solidFill>
-          <a:ln>
-            <a:noFill/>
-          </a:ln>
-          <a:effectLst/>
-        </p:spPr>
-        <p:style>
-          <a:lnRef idx="1">
-            <a:schemeClr val="accent1"/>
-          </a:lnRef>
-          <a:fillRef idx="3">
-            <a:schemeClr val="accent1"/>
-          </a:fillRef>
-          <a:effectRef idx="2">
-            <a:schemeClr val="accent1"/>
-          </a:effectRef>
-          <a:fontRef idx="minor">
-            <a:schemeClr val="lt1"/>
-          </a:fontRef>
-        </p:style>
-      </p:sp>
-      <p:sp>
-        <p:nvSpPr>
-          <p:cNvPr id="36" name="Rectangle 20"/>
-          <p:cNvSpPr>
-            <a:spLocks noGrp="1" noRot="1" noChangeAspect="1" noMove="1" noResize="1" noEditPoints="1" noAdjustHandles="1" noChangeArrowheads="1" noChangeShapeType="1" noTextEdit="1"/>
-          </p:cNvSpPr>
-          <p:nvPr>
-            <p:extLst>
-              <p:ext uri="{386F3935-93C4-4BCD-93E2-E3B085C9AB24}">
-                <p16:designElem xmlns:p16="http://schemas.microsoft.com/office/powerpoint/2015/main" val="1"/>
-              </p:ext>
-            </p:extLst>
-          </p:nvPr>
-        </p:nvSpPr>
-        <p:spPr>
-          <a:xfrm>
-            <a:off x="334900" y="3085765"/>
-            <a:ext cx="8447150" cy="3304800"/>
-          </a:xfrm>
-          <a:prstGeom prst="rect">
-            <a:avLst/>
-          </a:prstGeom>
-          <a:solidFill>
-            <a:schemeClr val="accent1"/>
-          </a:solidFill>
-          <a:ln>
-            <a:noFill/>
-          </a:ln>
-          <a:effectLst/>
-        </p:spPr>
-        <p:style>
-          <a:lnRef idx="1">
-            <a:schemeClr val="accent1"/>
-          </a:lnRef>
-          <a:fillRef idx="3">
-            <a:schemeClr val="accent1"/>
-          </a:fillRef>
-          <a:effectRef idx="2">
-            <a:schemeClr val="accent1"/>
-          </a:effectRef>
-          <a:fontRef idx="minor">
-            <a:schemeClr val="lt1"/>
-          </a:fontRef>
-        </p:style>
-      </p:sp>
-      <p:sp useBgFill="1">
-        <p:nvSpPr>
-          <p:cNvPr id="37" name="Rectangle 22"/>
-          <p:cNvSpPr>
-            <a:spLocks noGrp="1" noRot="1" noChangeAspect="1" noMove="1" noResize="1" noEditPoints="1" noAdjustHandles="1" noChangeArrowheads="1" noChangeShapeType="1" noTextEdit="1"/>
-          </p:cNvSpPr>
-          <p:nvPr>
-            <p:extLst>
-              <p:ext uri="{386F3935-93C4-4BCD-93E2-E3B085C9AB24}">
-                <p16:designElem xmlns:p16="http://schemas.microsoft.com/office/powerpoint/2015/main" val="1"/>
-              </p:ext>
-            </p:extLst>
-          </p:nvPr>
-        </p:nvSpPr>
-        <p:spPr>
-          <a:xfrm>
-            <a:off x="0" y="0"/>
-            <a:ext cx="9144000" cy="6858000"/>
-          </a:xfrm>
-          <a:prstGeom prst="rect">
-            <a:avLst/>
-          </a:prstGeom>
-          <a:ln>
-            <a:noFill/>
+          <a:ln w="38100">
+            <a:solidFill>
+              <a:schemeClr val="accent1"/>
+            </a:solidFill>
           </a:ln>
         </p:spPr>
         <p:style>
@@ -8504,12 +11448,35 @@
           </a:p>
         </p:txBody>
       </p:sp>
-      <p:sp useBgFill="1">
-        <p:nvSpPr>
-          <p:cNvPr id="38" name="Rectangle 24"/>
-          <p:cNvSpPr>
-            <a:spLocks noGrp="1" noRot="1" noChangeAspect="1" noMove="1" noResize="1" noEditPoints="1" noAdjustHandles="1" noChangeArrowheads="1" noChangeShapeType="1" noTextEdit="1"/>
-          </p:cNvSpPr>
+      <p:pic>
+        <p:nvPicPr>
+          <p:cNvPr id="8" name="Content Placeholder 4"/>
+          <p:cNvPicPr>
+            <a:picLocks noChangeAspect="1"/>
+          </p:cNvPicPr>
+          <p:nvPr/>
+        </p:nvPicPr>
+        <p:blipFill rotWithShape="1">
+          <a:blip r:embed="rId2"/>
+          <a:srcRect l="19248" r="18918" b="-2"/>
+          <a:stretch/>
+        </p:blipFill>
+        <p:spPr>
+          <a:xfrm>
+            <a:off x="492918" y="2361056"/>
+            <a:ext cx="3721894" cy="3649219"/>
+          </a:xfrm>
+          <a:prstGeom prst="rect">
+            <a:avLst/>
+          </a:prstGeom>
+        </p:spPr>
+      </p:pic>
+      <p:grpSp>
+        <p:nvGrpSpPr>
+          <p:cNvPr id="25" name="Group 24"/>
+          <p:cNvGrpSpPr>
+            <a:grpSpLocks noGrp="1" noUngrp="1" noRot="1" noChangeAspect="1" noMove="1" noResize="1"/>
+          </p:cNvGrpSpPr>
           <p:nvPr>
             <p:extLst>
               <p:ext uri="{386F3935-93C4-4BCD-93E2-E3B085C9AB24}">
@@ -8517,264 +11484,154 @@
               </p:ext>
             </p:extLst>
           </p:nvPr>
-        </p:nvSpPr>
-        <p:spPr>
-          <a:xfrm>
-            <a:off x="0" y="638175"/>
-            <a:ext cx="9143999" cy="6219825"/>
-          </a:xfrm>
-          <a:prstGeom prst="rect">
-            <a:avLst/>
-          </a:prstGeom>
-          <a:ln>
-            <a:noFill/>
-          </a:ln>
-        </p:spPr>
-        <p:style>
-          <a:lnRef idx="2">
-            <a:schemeClr val="accent1">
-              <a:shade val="50000"/>
-            </a:schemeClr>
-          </a:lnRef>
-          <a:fillRef idx="1">
-            <a:schemeClr val="accent1"/>
-          </a:fillRef>
-          <a:effectRef idx="0">
-            <a:schemeClr val="accent1"/>
-          </a:effectRef>
-          <a:fontRef idx="minor">
-            <a:schemeClr val="lt1"/>
-          </a:fontRef>
-        </p:style>
-        <p:txBody>
-          <a:bodyPr rtlCol="0" anchor="ctr"/>
-          <a:lstStyle/>
-          <a:p>
-            <a:pPr algn="ctr"/>
-            <a:endParaRPr lang="en-US"/>
-          </a:p>
-        </p:txBody>
-      </p:sp>
-      <p:sp>
-        <p:nvSpPr>
-          <p:cNvPr id="27" name="Rectangle 26"/>
-          <p:cNvSpPr>
-            <a:spLocks noGrp="1" noRot="1" noChangeAspect="1" noMove="1" noResize="1" noEditPoints="1" noAdjustHandles="1" noChangeArrowheads="1" noChangeShapeType="1" noTextEdit="1"/>
-          </p:cNvSpPr>
-          <p:nvPr>
-            <p:extLst>
-              <p:ext uri="{386F3935-93C4-4BCD-93E2-E3B085C9AB24}">
-                <p16:designElem xmlns:p16="http://schemas.microsoft.com/office/powerpoint/2015/main" val="1"/>
-              </p:ext>
-            </p:extLst>
-          </p:nvPr>
-        </p:nvSpPr>
-        <p:spPr>
-          <a:xfrm>
-            <a:off x="5052059" y="723899"/>
-            <a:ext cx="3757041" cy="5666666"/>
-          </a:xfrm>
-          <a:prstGeom prst="rect">
-            <a:avLst/>
-          </a:prstGeom>
-          <a:solidFill>
-            <a:schemeClr val="accent1"/>
-          </a:solidFill>
-          <a:ln>
-            <a:noFill/>
-          </a:ln>
-          <a:effectLst/>
-        </p:spPr>
-        <p:style>
-          <a:lnRef idx="1">
-            <a:schemeClr val="accent1"/>
-          </a:lnRef>
-          <a:fillRef idx="3">
-            <a:schemeClr val="accent1"/>
-          </a:fillRef>
-          <a:effectRef idx="2">
-            <a:schemeClr val="accent1"/>
-          </a:effectRef>
-          <a:fontRef idx="minor">
-            <a:schemeClr val="lt1"/>
-          </a:fontRef>
-        </p:style>
-      </p:sp>
-      <p:pic>
-        <p:nvPicPr>
-          <p:cNvPr id="8" name="Content Placeholder 7">
+        </p:nvGrpSpPr>
+        <p:grpSpPr>
+          <a:xfrm>
+            <a:off x="334900" y="453643"/>
+            <a:ext cx="8474200" cy="98554"/>
+            <a:chOff x="446534" y="453643"/>
+            <a:chExt cx="11298933" cy="98554"/>
+          </a:xfrm>
+        </p:grpSpPr>
+        <p:sp>
+          <p:nvSpPr>
+            <p:cNvPr id="26" name="Rectangle 25"/>
+            <p:cNvSpPr/>
+            <p:nvPr>
+              <p:extLst>
+                <p:ext uri="{386F3935-93C4-4BCD-93E2-E3B085C9AB24}">
+                  <p16:designElem xmlns:p16="http://schemas.microsoft.com/office/powerpoint/2015/main" val="1"/>
+                </p:ext>
+              </p:extLst>
+            </p:nvPr>
+          </p:nvSpPr>
+          <p:spPr>
+            <a:xfrm>
+              <a:off x="446534" y="457200"/>
+              <a:ext cx="3703320" cy="94997"/>
+            </a:xfrm>
+            <a:prstGeom prst="rect">
+              <a:avLst/>
+            </a:prstGeom>
+            <a:solidFill>
+              <a:schemeClr val="accent1"/>
+            </a:solidFill>
+            <a:ln>
+              <a:noFill/>
+            </a:ln>
+            <a:effectLst/>
+          </p:spPr>
+          <p:style>
+            <a:lnRef idx="1">
+              <a:schemeClr val="accent1"/>
+            </a:lnRef>
+            <a:fillRef idx="3">
+              <a:schemeClr val="accent1"/>
+            </a:fillRef>
+            <a:effectRef idx="2">
+              <a:schemeClr val="accent1"/>
+            </a:effectRef>
+            <a:fontRef idx="minor">
+              <a:schemeClr val="lt1"/>
+            </a:fontRef>
+          </p:style>
+        </p:sp>
+        <p:sp>
+          <p:nvSpPr>
+            <p:cNvPr id="27" name="Rectangle 26"/>
+            <p:cNvSpPr/>
+            <p:nvPr>
+              <p:extLst>
+                <p:ext uri="{386F3935-93C4-4BCD-93E2-E3B085C9AB24}">
+                  <p16:designElem xmlns:p16="http://schemas.microsoft.com/office/powerpoint/2015/main" val="1"/>
+                </p:ext>
+              </p:extLst>
+            </p:nvPr>
+          </p:nvSpPr>
+          <p:spPr>
+            <a:xfrm>
+              <a:off x="8042147" y="453643"/>
+              <a:ext cx="3703320" cy="98554"/>
+            </a:xfrm>
+            <a:prstGeom prst="rect">
+              <a:avLst/>
+            </a:prstGeom>
+            <a:solidFill>
+              <a:schemeClr val="accent4"/>
+            </a:solidFill>
+            <a:ln>
+              <a:noFill/>
+            </a:ln>
+            <a:effectLst/>
+          </p:spPr>
+          <p:style>
+            <a:lnRef idx="1">
+              <a:schemeClr val="accent1"/>
+            </a:lnRef>
+            <a:fillRef idx="3">
+              <a:schemeClr val="accent1"/>
+            </a:fillRef>
+            <a:effectRef idx="2">
+              <a:schemeClr val="accent1"/>
+            </a:effectRef>
+            <a:fontRef idx="minor">
+              <a:schemeClr val="lt1"/>
+            </a:fontRef>
+          </p:style>
+        </p:sp>
+        <p:sp>
+          <p:nvSpPr>
+            <p:cNvPr id="28" name="Rectangle 27"/>
+            <p:cNvSpPr/>
+            <p:nvPr>
+              <p:extLst>
+                <p:ext uri="{386F3935-93C4-4BCD-93E2-E3B085C9AB24}">
+                  <p16:designElem xmlns:p16="http://schemas.microsoft.com/office/powerpoint/2015/main" val="1"/>
+                </p:ext>
+              </p:extLst>
+            </p:nvPr>
+          </p:nvSpPr>
+          <p:spPr>
+            <a:xfrm>
+              <a:off x="4241830" y="457200"/>
+              <a:ext cx="3703320" cy="91440"/>
+            </a:xfrm>
+            <a:prstGeom prst="rect">
+              <a:avLst/>
+            </a:prstGeom>
+            <a:solidFill>
+              <a:schemeClr val="accent2"/>
+            </a:solidFill>
+            <a:ln>
+              <a:noFill/>
+            </a:ln>
+            <a:effectLst/>
+          </p:spPr>
+          <p:style>
+            <a:lnRef idx="1">
+              <a:schemeClr val="accent1"/>
+            </a:lnRef>
+            <a:fillRef idx="3">
+              <a:schemeClr val="accent1"/>
+            </a:fillRef>
+            <a:effectRef idx="2">
+              <a:schemeClr val="accent1"/>
+            </a:effectRef>
+            <a:fontRef idx="minor">
+              <a:schemeClr val="lt1"/>
+            </a:fontRef>
+          </p:style>
+        </p:sp>
+      </p:grpSp>
+      <p:sp>
+        <p:nvSpPr>
+          <p:cNvPr id="2" name="Title 1">
             <a:extLst>
               <a:ext uri="{FF2B5EF4-FFF2-40B4-BE49-F238E27FC236}">
-                <a16:creationId xmlns:a16="http://schemas.microsoft.com/office/drawing/2014/main" id="{12CD8E14-7C05-4E1A-B7F4-2FA9D27E3240}"/>
+                <a16:creationId xmlns:a16="http://schemas.microsoft.com/office/drawing/2014/main" id="{BA0B06B7-0F04-4BF5-927B-7A6F5E65EA0D}"/>
               </a:ext>
             </a:extLst>
           </p:cNvPr>
-          <p:cNvPicPr>
-            <a:picLocks noGrp="1" noChangeAspect="1"/>
-          </p:cNvPicPr>
-          <p:nvPr>
-            <p:ph idx="1"/>
-          </p:nvPr>
-        </p:nvPicPr>
-        <p:blipFill rotWithShape="1">
-          <a:blip r:embed="rId2"/>
-          <a:srcRect l="20632" r="23131" b="-1"/>
-          <a:stretch/>
-        </p:blipFill>
-        <p:spPr>
-          <a:xfrm>
-            <a:off x="334899" y="723899"/>
-            <a:ext cx="4652131" cy="5666666"/>
-          </a:xfrm>
-          <a:prstGeom prst="rect">
-            <a:avLst/>
-          </a:prstGeom>
-        </p:spPr>
-      </p:pic>
-      <p:sp>
-        <p:nvSpPr>
-          <p:cNvPr id="29" name="Rectangle 28"/>
-          <p:cNvSpPr>
-            <a:spLocks noGrp="1" noRot="1" noChangeAspect="1" noMove="1" noResize="1" noEditPoints="1" noAdjustHandles="1" noChangeArrowheads="1" noChangeShapeType="1" noTextEdit="1"/>
-          </p:cNvSpPr>
-          <p:nvPr>
-            <p:extLst>
-              <p:ext uri="{386F3935-93C4-4BCD-93E2-E3B085C9AB24}">
-                <p16:designElem xmlns:p16="http://schemas.microsoft.com/office/powerpoint/2015/main" val="1"/>
-              </p:ext>
-            </p:extLst>
-          </p:nvPr>
-        </p:nvSpPr>
-        <p:spPr>
-          <a:xfrm>
-            <a:off x="334900" y="457200"/>
-            <a:ext cx="2777490" cy="94997"/>
-          </a:xfrm>
-          <a:prstGeom prst="rect">
-            <a:avLst/>
-          </a:prstGeom>
-          <a:solidFill>
-            <a:schemeClr val="accent1"/>
-          </a:solidFill>
-          <a:ln>
-            <a:noFill/>
-          </a:ln>
-          <a:effectLst/>
-        </p:spPr>
-        <p:style>
-          <a:lnRef idx="1">
-            <a:schemeClr val="accent1"/>
-          </a:lnRef>
-          <a:fillRef idx="3">
-            <a:schemeClr val="accent1"/>
-          </a:fillRef>
-          <a:effectRef idx="2">
-            <a:schemeClr val="accent1"/>
-          </a:effectRef>
-          <a:fontRef idx="minor">
-            <a:schemeClr val="lt1"/>
-          </a:fontRef>
-        </p:style>
-      </p:sp>
-      <p:sp>
-        <p:nvSpPr>
-          <p:cNvPr id="31" name="Rectangle 30"/>
-          <p:cNvSpPr>
-            <a:spLocks noGrp="1" noRot="1" noChangeAspect="1" noMove="1" noResize="1" noEditPoints="1" noAdjustHandles="1" noChangeArrowheads="1" noChangeShapeType="1" noTextEdit="1"/>
-          </p:cNvSpPr>
-          <p:nvPr>
-            <p:extLst>
-              <p:ext uri="{386F3935-93C4-4BCD-93E2-E3B085C9AB24}">
-                <p16:designElem xmlns:p16="http://schemas.microsoft.com/office/powerpoint/2015/main" val="1"/>
-              </p:ext>
-            </p:extLst>
-          </p:nvPr>
-        </p:nvSpPr>
-        <p:spPr>
-          <a:xfrm>
-            <a:off x="6031610" y="453643"/>
-            <a:ext cx="2777490" cy="98554"/>
-          </a:xfrm>
-          <a:prstGeom prst="rect">
-            <a:avLst/>
-          </a:prstGeom>
-          <a:solidFill>
-            <a:schemeClr val="accent4"/>
-          </a:solidFill>
-          <a:ln>
-            <a:noFill/>
-          </a:ln>
-          <a:effectLst/>
-        </p:spPr>
-        <p:style>
-          <a:lnRef idx="1">
-            <a:schemeClr val="accent1"/>
-          </a:lnRef>
-          <a:fillRef idx="3">
-            <a:schemeClr val="accent1"/>
-          </a:fillRef>
-          <a:effectRef idx="2">
-            <a:schemeClr val="accent1"/>
-          </a:effectRef>
-          <a:fontRef idx="minor">
-            <a:schemeClr val="lt1"/>
-          </a:fontRef>
-        </p:style>
-      </p:sp>
-      <p:sp>
-        <p:nvSpPr>
-          <p:cNvPr id="33" name="Rectangle 32"/>
-          <p:cNvSpPr>
-            <a:spLocks noGrp="1" noRot="1" noChangeAspect="1" noMove="1" noResize="1" noEditPoints="1" noAdjustHandles="1" noChangeArrowheads="1" noChangeShapeType="1" noTextEdit="1"/>
-          </p:cNvSpPr>
-          <p:nvPr>
-            <p:extLst>
-              <p:ext uri="{386F3935-93C4-4BCD-93E2-E3B085C9AB24}">
-                <p16:designElem xmlns:p16="http://schemas.microsoft.com/office/powerpoint/2015/main" val="1"/>
-              </p:ext>
-            </p:extLst>
-          </p:nvPr>
-        </p:nvSpPr>
-        <p:spPr>
-          <a:xfrm>
-            <a:off x="3181372" y="457200"/>
-            <a:ext cx="2777490" cy="91440"/>
-          </a:xfrm>
-          <a:prstGeom prst="rect">
-            <a:avLst/>
-          </a:prstGeom>
-          <a:solidFill>
-            <a:srgbClr val="B68F52"/>
-          </a:solidFill>
-          <a:ln>
-            <a:noFill/>
-          </a:ln>
-          <a:effectLst/>
-        </p:spPr>
-        <p:style>
-          <a:lnRef idx="1">
-            <a:schemeClr val="accent1"/>
-          </a:lnRef>
-          <a:fillRef idx="3">
-            <a:schemeClr val="accent1"/>
-          </a:fillRef>
-          <a:effectRef idx="2">
-            <a:schemeClr val="accent1"/>
-          </a:effectRef>
-          <a:fontRef idx="minor">
-            <a:schemeClr val="lt1"/>
-          </a:fontRef>
-        </p:style>
-      </p:sp>
-      <p:sp>
-        <p:nvSpPr>
-          <p:cNvPr id="2" name="Title 1">
-            <a:extLst>
-              <a:ext uri="{FF2B5EF4-FFF2-40B4-BE49-F238E27FC236}">
-                <a16:creationId xmlns:a16="http://schemas.microsoft.com/office/drawing/2014/main" id="{9BE8C7F4-4C05-45C4-A52C-FE689B469415}"/>
-              </a:ext>
-            </a:extLst>
-          </p:cNvPr>
           <p:cNvSpPr>
             <a:spLocks noGrp="1"/>
           </p:cNvSpPr>
@@ -8784,70 +11641,89 @@
         </p:nvSpPr>
         <p:spPr>
           <a:xfrm>
-            <a:off x="5321929" y="2386065"/>
-            <a:ext cx="3086938" cy="2085869"/>
+            <a:off x="435894" y="702156"/>
+            <a:ext cx="8272212" cy="1013800"/>
           </a:xfrm>
         </p:spPr>
         <p:txBody>
-          <a:bodyPr vert="horz" lIns="91440" tIns="45720" rIns="91440" bIns="45720" rtlCol="0" anchor="b">
-            <a:normAutofit fontScale="90000"/>
+          <a:bodyPr>
+            <a:normAutofit/>
           </a:bodyPr>
           <a:lstStyle/>
           <a:p>
             <a:r>
-              <a:rPr lang="es-MX" sz="3600" dirty="0">
-                <a:solidFill>
-                  <a:schemeClr val="bg2">
-                    <a:lumMod val="90000"/>
-                  </a:schemeClr>
-                </a:solidFill>
-              </a:rPr>
-              <a:t>Orador político en favor del movimiento del software libre</a:t>
-            </a:r>
-            <a:endParaRPr lang="en-US" sz="3600" dirty="0">
-              <a:solidFill>
-                <a:schemeClr val="bg2">
-                  <a:lumMod val="90000"/>
-                </a:schemeClr>
-              </a:solidFill>
-            </a:endParaRPr>
+              <a:rPr lang="es-US" dirty="0"/>
+              <a:t>Teoría de la Computación. </a:t>
+            </a:r>
           </a:p>
         </p:txBody>
       </p:sp>
       <p:sp>
         <p:nvSpPr>
-          <p:cNvPr id="4" name="Text Placeholder 3">
-            <a:extLst>
-              <a:ext uri="{FF2B5EF4-FFF2-40B4-BE49-F238E27FC236}">
-                <a16:creationId xmlns:a16="http://schemas.microsoft.com/office/drawing/2014/main" id="{76B31711-9345-4AB4-86A0-E2CBA6F8C841}"/>
-              </a:ext>
-            </a:extLst>
-          </p:cNvPr>
+          <p:cNvPr id="10" name="Content Placeholder 9"/>
           <p:cNvSpPr>
             <a:spLocks noGrp="1"/>
           </p:cNvSpPr>
           <p:nvPr>
-            <p:ph type="body" sz="half" idx="2"/>
-          </p:nvPr>
-        </p:nvSpPr>
-        <p:spPr>
-          <a:xfrm>
-            <a:off x="4305617" y="5262295"/>
-            <a:ext cx="4265327" cy="689515"/>
+            <p:ph idx="1"/>
+          </p:nvPr>
+        </p:nvSpPr>
+        <p:spPr>
+          <a:xfrm>
+            <a:off x="4751853" y="2180496"/>
+            <a:ext cx="3956251" cy="4045683"/>
           </a:xfrm>
         </p:spPr>
         <p:txBody>
-          <a:bodyPr/>
+          <a:bodyPr>
+            <a:normAutofit/>
+          </a:bodyPr>
           <a:lstStyle/>
           <a:p>
-            <a:endParaRPr lang="es-US"/>
+            <a:r>
+              <a:rPr lang="es-MX" dirty="0"/>
+              <a:t>Teoría de autómatas</a:t>
+            </a:r>
+          </a:p>
+          <a:p>
+            <a:pPr lvl="1"/>
+            <a:r>
+              <a:rPr lang="es-MX" dirty="0"/>
+              <a:t>Máquina de Turing</a:t>
+            </a:r>
+          </a:p>
+          <a:p>
+            <a:r>
+              <a:rPr lang="es-MX" dirty="0"/>
+              <a:t>Teoría de la computabilidad</a:t>
+            </a:r>
+          </a:p>
+          <a:p>
+            <a:pPr lvl="1"/>
+            <a:r>
+              <a:rPr lang="es-MX" dirty="0"/>
+              <a:t>Funciones que pueden ser calculadas por una máquina de Turing</a:t>
+            </a:r>
+          </a:p>
+          <a:p>
+            <a:r>
+              <a:rPr lang="es-MX" dirty="0"/>
+              <a:t>Teoría de la complejidad computacional</a:t>
+            </a:r>
+          </a:p>
+          <a:p>
+            <a:pPr lvl="1"/>
+            <a:r>
+              <a:rPr lang="es-MX" dirty="0"/>
+              <a:t>P = NP</a:t>
+            </a:r>
           </a:p>
         </p:txBody>
       </p:sp>
     </p:spTree>
     <p:extLst>
       <p:ext uri="{BB962C8B-B14F-4D97-AF65-F5344CB8AC3E}">
-        <p14:creationId xmlns:p14="http://schemas.microsoft.com/office/powerpoint/2010/main" val="1855552368"/>
+        <p14:creationId xmlns:p14="http://schemas.microsoft.com/office/powerpoint/2010/main" val="504913291"/>
       </p:ext>
     </p:extLst>
   </p:cSld>
@@ -8874,220 +11750,9 @@
           <a:chExt cx="0" cy="0"/>
         </a:xfrm>
       </p:grpSpPr>
-      <p:sp>
-        <p:nvSpPr>
-          <p:cNvPr id="11" name="Rectangle 10"/>
-          <p:cNvSpPr>
-            <a:spLocks noGrp="1" noRot="1" noChangeAspect="1" noMove="1" noResize="1" noEditPoints="1" noAdjustHandles="1" noChangeArrowheads="1" noChangeShapeType="1" noTextEdit="1"/>
-          </p:cNvSpPr>
-          <p:nvPr>
-            <p:extLst>
-              <p:ext uri="{386F3935-93C4-4BCD-93E2-E3B085C9AB24}">
-                <p16:designElem xmlns:p16="http://schemas.microsoft.com/office/powerpoint/2015/main" val="1"/>
-              </p:ext>
-            </p:extLst>
-          </p:nvPr>
-        </p:nvSpPr>
-        <p:spPr bwMode="white">
-          <a:xfrm>
-            <a:off x="0" y="0"/>
-            <a:ext cx="9144000" cy="6858000"/>
-          </a:xfrm>
-          <a:prstGeom prst="rect">
-            <a:avLst/>
-          </a:prstGeom>
-          <a:solidFill>
-            <a:schemeClr val="bg1"/>
-          </a:solidFill>
-          <a:ln>
-            <a:noFill/>
-          </a:ln>
-          <a:effectLst/>
-        </p:spPr>
-      </p:sp>
-      <p:sp>
-        <p:nvSpPr>
-          <p:cNvPr id="13" name="Rectangle 12"/>
-          <p:cNvSpPr>
-            <a:spLocks noGrp="1" noRot="1" noChangeAspect="1" noMove="1" noResize="1" noEditPoints="1" noAdjustHandles="1" noChangeArrowheads="1" noChangeShapeType="1" noTextEdit="1"/>
-          </p:cNvSpPr>
-          <p:nvPr>
-            <p:extLst>
-              <p:ext uri="{386F3935-93C4-4BCD-93E2-E3B085C9AB24}">
-                <p16:designElem xmlns:p16="http://schemas.microsoft.com/office/powerpoint/2015/main" val="1"/>
-              </p:ext>
-            </p:extLst>
-          </p:nvPr>
-        </p:nvSpPr>
-        <p:spPr>
-          <a:xfrm>
-            <a:off x="334900" y="457200"/>
-            <a:ext cx="2777490" cy="94997"/>
-          </a:xfrm>
-          <a:prstGeom prst="rect">
-            <a:avLst/>
-          </a:prstGeom>
-          <a:solidFill>
-            <a:schemeClr val="accent1"/>
-          </a:solidFill>
-          <a:ln>
-            <a:noFill/>
-          </a:ln>
-          <a:effectLst/>
-        </p:spPr>
-        <p:style>
-          <a:lnRef idx="1">
-            <a:schemeClr val="accent1"/>
-          </a:lnRef>
-          <a:fillRef idx="3">
-            <a:schemeClr val="accent1"/>
-          </a:fillRef>
-          <a:effectRef idx="2">
-            <a:schemeClr val="accent1"/>
-          </a:effectRef>
-          <a:fontRef idx="minor">
-            <a:schemeClr val="lt1"/>
-          </a:fontRef>
-        </p:style>
-      </p:sp>
-      <p:sp>
-        <p:nvSpPr>
-          <p:cNvPr id="15" name="Rectangle 14"/>
-          <p:cNvSpPr>
-            <a:spLocks noGrp="1" noRot="1" noChangeAspect="1" noMove="1" noResize="1" noEditPoints="1" noAdjustHandles="1" noChangeArrowheads="1" noChangeShapeType="1" noTextEdit="1"/>
-          </p:cNvSpPr>
-          <p:nvPr>
-            <p:extLst>
-              <p:ext uri="{386F3935-93C4-4BCD-93E2-E3B085C9AB24}">
-                <p16:designElem xmlns:p16="http://schemas.microsoft.com/office/powerpoint/2015/main" val="1"/>
-              </p:ext>
-            </p:extLst>
-          </p:nvPr>
-        </p:nvSpPr>
-        <p:spPr>
-          <a:xfrm>
-            <a:off x="6031610" y="453643"/>
-            <a:ext cx="2777490" cy="98554"/>
-          </a:xfrm>
-          <a:prstGeom prst="rect">
-            <a:avLst/>
-          </a:prstGeom>
-          <a:solidFill>
-            <a:schemeClr val="accent4"/>
-          </a:solidFill>
-          <a:ln>
-            <a:noFill/>
-          </a:ln>
-          <a:effectLst/>
-        </p:spPr>
-        <p:style>
-          <a:lnRef idx="1">
-            <a:schemeClr val="accent1"/>
-          </a:lnRef>
-          <a:fillRef idx="3">
-            <a:schemeClr val="accent1"/>
-          </a:fillRef>
-          <a:effectRef idx="2">
-            <a:schemeClr val="accent1"/>
-          </a:effectRef>
-          <a:fontRef idx="minor">
-            <a:schemeClr val="lt1"/>
-          </a:fontRef>
-        </p:style>
-      </p:sp>
-      <p:sp>
-        <p:nvSpPr>
-          <p:cNvPr id="17" name="Rectangle 16"/>
-          <p:cNvSpPr>
-            <a:spLocks noGrp="1" noRot="1" noChangeAspect="1" noMove="1" noResize="1" noEditPoints="1" noAdjustHandles="1" noChangeArrowheads="1" noChangeShapeType="1" noTextEdit="1"/>
-          </p:cNvSpPr>
-          <p:nvPr>
-            <p:extLst>
-              <p:ext uri="{386F3935-93C4-4BCD-93E2-E3B085C9AB24}">
-                <p16:designElem xmlns:p16="http://schemas.microsoft.com/office/powerpoint/2015/main" val="1"/>
-              </p:ext>
-            </p:extLst>
-          </p:nvPr>
-        </p:nvSpPr>
-        <p:spPr>
-          <a:xfrm>
-            <a:off x="3181372" y="457200"/>
-            <a:ext cx="2777490" cy="91440"/>
-          </a:xfrm>
-          <a:prstGeom prst="rect">
-            <a:avLst/>
-          </a:prstGeom>
-          <a:solidFill>
-            <a:schemeClr val="accent2"/>
-          </a:solidFill>
-          <a:ln>
-            <a:noFill/>
-          </a:ln>
-          <a:effectLst/>
-        </p:spPr>
-        <p:style>
-          <a:lnRef idx="1">
-            <a:schemeClr val="accent1"/>
-          </a:lnRef>
-          <a:fillRef idx="3">
-            <a:schemeClr val="accent1"/>
-          </a:fillRef>
-          <a:effectRef idx="2">
-            <a:schemeClr val="accent1"/>
-          </a:effectRef>
-          <a:fontRef idx="minor">
-            <a:schemeClr val="lt1"/>
-          </a:fontRef>
-        </p:style>
-      </p:sp>
-      <p:sp>
+      <p:sp useBgFill="1">
         <p:nvSpPr>
           <p:cNvPr id="19" name="Rectangle 18"/>
-          <p:cNvSpPr>
-            <a:spLocks noGrp="1" noRot="1" noChangeAspect="1" noMove="1" noResize="1" noEditPoints="1" noAdjustHandles="1" noChangeArrowheads="1" noChangeShapeType="1" noTextEdit="1"/>
-          </p:cNvSpPr>
-          <p:nvPr>
-            <p:extLst>
-              <p:ext uri="{386F3935-93C4-4BCD-93E2-E3B085C9AB24}">
-                <p16:designElem xmlns:p16="http://schemas.microsoft.com/office/powerpoint/2015/main" val="1"/>
-              </p:ext>
-            </p:extLst>
-          </p:nvPr>
-        </p:nvSpPr>
-        <p:spPr>
-          <a:xfrm>
-            <a:off x="330214" y="614407"/>
-            <a:ext cx="8482004" cy="1189298"/>
-          </a:xfrm>
-          <a:prstGeom prst="rect">
-            <a:avLst/>
-          </a:prstGeom>
-          <a:solidFill>
-            <a:schemeClr val="accent1"/>
-          </a:solidFill>
-          <a:ln>
-            <a:noFill/>
-          </a:ln>
-          <a:effectLst/>
-        </p:spPr>
-        <p:style>
-          <a:lnRef idx="1">
-            <a:schemeClr val="accent1"/>
-          </a:lnRef>
-          <a:fillRef idx="3">
-            <a:schemeClr val="accent1"/>
-          </a:fillRef>
-          <a:effectRef idx="2">
-            <a:schemeClr val="accent1"/>
-          </a:effectRef>
-          <a:fontRef idx="minor">
-            <a:schemeClr val="lt1"/>
-          </a:fontRef>
-        </p:style>
-      </p:sp>
-      <p:sp useBgFill="1">
-        <p:nvSpPr>
-          <p:cNvPr id="21" name="Rectangle 20"/>
           <p:cNvSpPr>
             <a:spLocks noGrp="1" noRot="1" noChangeAspect="1" noMove="1" noResize="1" noEditPoints="1" noAdjustHandles="1" noChangeArrowheads="1" noChangeShapeType="1" noTextEdit="1"/>
           </p:cNvSpPr>
@@ -9138,33 +11803,21 @@
       </p:sp>
       <p:pic>
         <p:nvPicPr>
-          <p:cNvPr id="6" name="Content Placeholder 5">
+          <p:cNvPr id="5" name="Picture 4">
             <a:extLst>
               <a:ext uri="{FF2B5EF4-FFF2-40B4-BE49-F238E27FC236}">
-                <a16:creationId xmlns:a16="http://schemas.microsoft.com/office/drawing/2014/main" id="{4083A16B-F65F-4533-BDA6-E345F98BC84E}"/>
+                <a16:creationId xmlns:a16="http://schemas.microsoft.com/office/drawing/2014/main" id="{9B786F67-6FC0-4999-810A-9F23533B1037}"/>
               </a:ext>
             </a:extLst>
           </p:cNvPr>
           <p:cNvPicPr>
-            <a:picLocks noGrp="1" noChangeAspect="1"/>
+            <a:picLocks noChangeAspect="1"/>
           </p:cNvPicPr>
-          <p:nvPr>
-            <p:ph sz="half" idx="2"/>
-          </p:nvPr>
+          <p:nvPr/>
         </p:nvPicPr>
         <p:blipFill rotWithShape="1">
-          <a:blip r:embed="rId2">
-            <a:duotone>
-              <a:schemeClr val="bg2">
-                <a:shade val="45000"/>
-                <a:satMod val="135000"/>
-              </a:schemeClr>
-              <a:prstClr val="white"/>
-            </a:duotone>
-            <a:alphaModFix amt="35000"/>
-            <a:extLst/>
-          </a:blip>
-          <a:srcRect l="15662" r="18560"/>
+          <a:blip r:embed="rId2"/>
+          <a:srcRect l="12234" r="15766"/>
           <a:stretch/>
         </p:blipFill>
         <p:spPr>
@@ -9177,12 +11830,12 @@
           </a:prstGeom>
         </p:spPr>
       </p:pic>
-      <p:sp>
-        <p:nvSpPr>
-          <p:cNvPr id="23" name="Rectangle 22"/>
-          <p:cNvSpPr>
-            <a:spLocks noGrp="1" noRot="1" noChangeAspect="1" noMove="1" noResize="1" noEditPoints="1" noAdjustHandles="1" noChangeArrowheads="1" noChangeShapeType="1" noTextEdit="1"/>
-          </p:cNvSpPr>
+      <p:grpSp>
+        <p:nvGrpSpPr>
+          <p:cNvPr id="21" name="Group 20"/>
+          <p:cNvGrpSpPr>
+            <a:grpSpLocks noGrp="1" noUngrp="1" noRot="1" noChangeAspect="1" noMove="1" noResize="1"/>
+          </p:cNvGrpSpPr>
           <p:nvPr>
             <p:extLst>
               <p:ext uri="{386F3935-93C4-4BCD-93E2-E3B085C9AB24}">
@@ -9190,179 +11843,110 @@
               </p:ext>
             </p:extLst>
           </p:nvPr>
-        </p:nvSpPr>
-        <p:spPr>
-          <a:xfrm>
-            <a:off x="330214" y="614407"/>
-            <a:ext cx="8482004" cy="1189298"/>
-          </a:xfrm>
-          <a:prstGeom prst="rect">
-            <a:avLst/>
-          </a:prstGeom>
-          <a:solidFill>
-            <a:schemeClr val="accent1"/>
-          </a:solidFill>
-          <a:ln>
-            <a:noFill/>
-          </a:ln>
-          <a:effectLst/>
-        </p:spPr>
-        <p:style>
-          <a:lnRef idx="1">
-            <a:schemeClr val="accent1"/>
-          </a:lnRef>
-          <a:fillRef idx="3">
-            <a:schemeClr val="accent1"/>
-          </a:fillRef>
-          <a:effectRef idx="2">
-            <a:schemeClr val="accent1"/>
-          </a:effectRef>
-          <a:fontRef idx="minor">
-            <a:schemeClr val="lt1"/>
-          </a:fontRef>
-        </p:style>
-      </p:sp>
-      <p:sp>
-        <p:nvSpPr>
-          <p:cNvPr id="25" name="Rectangle 24"/>
-          <p:cNvSpPr>
-            <a:spLocks noGrp="1" noRot="1" noChangeAspect="1" noMove="1" noResize="1" noEditPoints="1" noAdjustHandles="1" noChangeArrowheads="1" noChangeShapeType="1" noTextEdit="1"/>
-          </p:cNvSpPr>
-          <p:nvPr>
-            <p:extLst>
-              <p:ext uri="{386F3935-93C4-4BCD-93E2-E3B085C9AB24}">
-                <p16:designElem xmlns:p16="http://schemas.microsoft.com/office/powerpoint/2015/main" val="1"/>
-              </p:ext>
-            </p:extLst>
-          </p:nvPr>
-        </p:nvSpPr>
-        <p:spPr>
-          <a:xfrm>
-            <a:off x="334900" y="457200"/>
-            <a:ext cx="2777490" cy="94997"/>
-          </a:xfrm>
-          <a:prstGeom prst="rect">
-            <a:avLst/>
-          </a:prstGeom>
-          <a:solidFill>
-            <a:schemeClr val="accent1"/>
-          </a:solidFill>
-          <a:ln>
-            <a:noFill/>
-          </a:ln>
-          <a:effectLst/>
-        </p:spPr>
-        <p:style>
-          <a:lnRef idx="1">
-            <a:schemeClr val="accent1"/>
-          </a:lnRef>
-          <a:fillRef idx="3">
-            <a:schemeClr val="accent1"/>
-          </a:fillRef>
-          <a:effectRef idx="2">
-            <a:schemeClr val="accent1"/>
-          </a:effectRef>
-          <a:fontRef idx="minor">
-            <a:schemeClr val="lt1"/>
-          </a:fontRef>
-        </p:style>
-      </p:sp>
-      <p:sp>
-        <p:nvSpPr>
-          <p:cNvPr id="27" name="Rectangle 26"/>
-          <p:cNvSpPr>
-            <a:spLocks noGrp="1" noRot="1" noChangeAspect="1" noMove="1" noResize="1" noEditPoints="1" noAdjustHandles="1" noChangeArrowheads="1" noChangeShapeType="1" noTextEdit="1"/>
-          </p:cNvSpPr>
-          <p:nvPr>
-            <p:extLst>
-              <p:ext uri="{386F3935-93C4-4BCD-93E2-E3B085C9AB24}">
-                <p16:designElem xmlns:p16="http://schemas.microsoft.com/office/powerpoint/2015/main" val="1"/>
-              </p:ext>
-            </p:extLst>
-          </p:nvPr>
-        </p:nvSpPr>
-        <p:spPr>
-          <a:xfrm>
-            <a:off x="6031610" y="453643"/>
-            <a:ext cx="2777490" cy="98554"/>
-          </a:xfrm>
-          <a:prstGeom prst="rect">
-            <a:avLst/>
-          </a:prstGeom>
-          <a:solidFill>
-            <a:schemeClr val="accent4"/>
-          </a:solidFill>
-          <a:ln>
-            <a:noFill/>
-          </a:ln>
-          <a:effectLst/>
-        </p:spPr>
-        <p:style>
-          <a:lnRef idx="1">
-            <a:schemeClr val="accent1"/>
-          </a:lnRef>
-          <a:fillRef idx="3">
-            <a:schemeClr val="accent1"/>
-          </a:fillRef>
-          <a:effectRef idx="2">
-            <a:schemeClr val="accent1"/>
-          </a:effectRef>
-          <a:fontRef idx="minor">
-            <a:schemeClr val="lt1"/>
-          </a:fontRef>
-        </p:style>
-      </p:sp>
-      <p:sp>
-        <p:nvSpPr>
-          <p:cNvPr id="29" name="Rectangle 28"/>
-          <p:cNvSpPr>
-            <a:spLocks noGrp="1" noRot="1" noChangeAspect="1" noMove="1" noResize="1" noEditPoints="1" noAdjustHandles="1" noChangeArrowheads="1" noChangeShapeType="1" noTextEdit="1"/>
-          </p:cNvSpPr>
-          <p:nvPr>
-            <p:extLst>
-              <p:ext uri="{386F3935-93C4-4BCD-93E2-E3B085C9AB24}">
-                <p16:designElem xmlns:p16="http://schemas.microsoft.com/office/powerpoint/2015/main" val="1"/>
-              </p:ext>
-            </p:extLst>
-          </p:nvPr>
-        </p:nvSpPr>
-        <p:spPr>
-          <a:xfrm>
-            <a:off x="3181372" y="457200"/>
-            <a:ext cx="2777490" cy="91440"/>
-          </a:xfrm>
-          <a:prstGeom prst="rect">
-            <a:avLst/>
-          </a:prstGeom>
-          <a:solidFill>
-            <a:schemeClr val="accent2"/>
-          </a:solidFill>
-          <a:ln>
-            <a:noFill/>
-          </a:ln>
-          <a:effectLst/>
-        </p:spPr>
-        <p:style>
-          <a:lnRef idx="1">
-            <a:schemeClr val="accent1"/>
-          </a:lnRef>
-          <a:fillRef idx="3">
-            <a:schemeClr val="accent1"/>
-          </a:fillRef>
-          <a:effectRef idx="2">
-            <a:schemeClr val="accent1"/>
-          </a:effectRef>
-          <a:fontRef idx="minor">
-            <a:schemeClr val="lt1"/>
-          </a:fontRef>
-        </p:style>
-      </p:sp>
+        </p:nvGrpSpPr>
+        <p:grpSpPr>
+          <a:xfrm>
+            <a:off x="328551" y="457200"/>
+            <a:ext cx="2777491" cy="5935132"/>
+            <a:chOff x="438068" y="457200"/>
+            <a:chExt cx="3703320" cy="5935132"/>
+          </a:xfrm>
+        </p:grpSpPr>
+        <p:sp>
+          <p:nvSpPr>
+            <p:cNvPr id="22" name="Rectangle 21"/>
+            <p:cNvSpPr/>
+            <p:nvPr>
+              <p:extLst>
+                <p:ext uri="{386F3935-93C4-4BCD-93E2-E3B085C9AB24}">
+                  <p16:designElem xmlns:p16="http://schemas.microsoft.com/office/powerpoint/2015/main" val="1"/>
+                </p:ext>
+              </p:extLst>
+            </p:nvPr>
+          </p:nvSpPr>
+          <p:spPr>
+            <a:xfrm>
+              <a:off x="438068" y="618067"/>
+              <a:ext cx="3702134" cy="5774265"/>
+            </a:xfrm>
+            <a:prstGeom prst="rect">
+              <a:avLst/>
+            </a:prstGeom>
+            <a:solidFill>
+              <a:schemeClr val="accent1">
+                <a:alpha val="97000"/>
+              </a:schemeClr>
+            </a:solidFill>
+            <a:ln w="6350" cmpd="sng">
+              <a:noFill/>
+            </a:ln>
+            <a:effectLst/>
+          </p:spPr>
+          <p:style>
+            <a:lnRef idx="1">
+              <a:schemeClr val="accent1"/>
+            </a:lnRef>
+            <a:fillRef idx="3">
+              <a:schemeClr val="accent1"/>
+            </a:fillRef>
+            <a:effectRef idx="2">
+              <a:schemeClr val="accent1"/>
+            </a:effectRef>
+            <a:fontRef idx="minor">
+              <a:schemeClr val="lt1"/>
+            </a:fontRef>
+          </p:style>
+        </p:sp>
+        <p:sp>
+          <p:nvSpPr>
+            <p:cNvPr id="23" name="Rectangle 22"/>
+            <p:cNvSpPr/>
+            <p:nvPr>
+              <p:extLst>
+                <p:ext uri="{386F3935-93C4-4BCD-93E2-E3B085C9AB24}">
+                  <p16:designElem xmlns:p16="http://schemas.microsoft.com/office/powerpoint/2015/main" val="1"/>
+                </p:ext>
+              </p:extLst>
+            </p:nvPr>
+          </p:nvSpPr>
+          <p:spPr>
+            <a:xfrm>
+              <a:off x="438068" y="457200"/>
+              <a:ext cx="3703320" cy="94997"/>
+            </a:xfrm>
+            <a:prstGeom prst="rect">
+              <a:avLst/>
+            </a:prstGeom>
+            <a:solidFill>
+              <a:schemeClr val="accent1"/>
+            </a:solidFill>
+            <a:ln>
+              <a:noFill/>
+            </a:ln>
+            <a:effectLst/>
+          </p:spPr>
+          <p:style>
+            <a:lnRef idx="1">
+              <a:schemeClr val="accent1"/>
+            </a:lnRef>
+            <a:fillRef idx="3">
+              <a:schemeClr val="accent1"/>
+            </a:fillRef>
+            <a:effectRef idx="2">
+              <a:schemeClr val="accent1"/>
+            </a:effectRef>
+            <a:fontRef idx="minor">
+              <a:schemeClr val="lt1"/>
+            </a:fontRef>
+          </p:style>
+        </p:sp>
+      </p:grpSp>
       <p:sp>
         <p:nvSpPr>
           <p:cNvPr id="2" name="Title 1">
             <a:extLst>
               <a:ext uri="{FF2B5EF4-FFF2-40B4-BE49-F238E27FC236}">
-                <a16:creationId xmlns:a16="http://schemas.microsoft.com/office/drawing/2014/main" id="{77A4C393-D7AC-4AAD-98DE-B3E987601CB0}"/>
+                <a16:creationId xmlns:a16="http://schemas.microsoft.com/office/drawing/2014/main" id="{45F860A8-5622-4EA5-A32B-287D692BEB69}"/>
               </a:ext>
             </a:extLst>
           </p:cNvPr>
@@ -9375,19 +11959,19 @@
         </p:nvSpPr>
         <p:spPr>
           <a:xfrm>
-            <a:off x="435894" y="702156"/>
-            <a:ext cx="8272212" cy="1013800"/>
+            <a:off x="438150" y="1006956"/>
+            <a:ext cx="2559050" cy="1372177"/>
           </a:xfrm>
         </p:spPr>
         <p:txBody>
-          <a:bodyPr vert="horz" lIns="91440" tIns="45720" rIns="91440" bIns="45720" rtlCol="0" anchor="b">
+          <a:bodyPr anchor="ctr">
             <a:normAutofit/>
           </a:bodyPr>
           <a:lstStyle/>
           <a:p>
             <a:r>
-              <a:rPr lang="en-US"/>
-              <a:t>GNU is Not Unix</a:t>
+              <a:rPr lang="es-US" dirty="0"/>
+              <a:t>Industrias de CC:	</a:t>
             </a:r>
           </a:p>
         </p:txBody>
@@ -9397,7 +11981,7 @@
           <p:cNvPr id="3" name="Content Placeholder 2">
             <a:extLst>
               <a:ext uri="{FF2B5EF4-FFF2-40B4-BE49-F238E27FC236}">
-                <a16:creationId xmlns:a16="http://schemas.microsoft.com/office/drawing/2014/main" id="{CD7E1485-C507-49C1-AB27-8DC12059FDD6}"/>
+                <a16:creationId xmlns:a16="http://schemas.microsoft.com/office/drawing/2014/main" id="{AD38CEFE-1D2E-4CE0-9FF6-BC6D3239433C}"/>
               </a:ext>
             </a:extLst>
           </p:cNvPr>
@@ -9405,209 +11989,196 @@
             <a:spLocks noGrp="1"/>
           </p:cNvSpPr>
           <p:nvPr>
-            <p:ph sz="half" idx="1"/>
-          </p:nvPr>
-        </p:nvSpPr>
-        <p:spPr>
-          <a:xfrm>
-            <a:off x="435894" y="2180496"/>
-            <a:ext cx="8272211" cy="3678303"/>
+            <p:ph idx="1"/>
+          </p:nvPr>
+        </p:nvSpPr>
+        <p:spPr>
+          <a:xfrm>
+            <a:off x="435894" y="2438399"/>
+            <a:ext cx="2561306" cy="3564467"/>
           </a:xfrm>
         </p:spPr>
         <p:txBody>
-          <a:bodyPr vert="horz" lIns="91440" tIns="45720" rIns="91440" bIns="45720" rtlCol="0" anchor="ctr">
+          <a:bodyPr>
             <a:normAutofit/>
           </a:bodyPr>
           <a:lstStyle/>
           <a:p>
             <a:pPr>
-              <a:buFont typeface="Wingdings 2" panose="05020102010507070707" pitchFamily="18" charset="2"/>
-              <a:buChar char=""/>
+              <a:buClr>
+                <a:srgbClr val="CC9B56"/>
+              </a:buClr>
             </a:pPr>
             <a:r>
-              <a:rPr lang="en-US" sz="2400" dirty="0"/>
-              <a:t>Sistema </a:t>
-            </a:r>
-            <a:r>
-              <a:rPr lang="en-US" sz="2400" dirty="0" err="1"/>
-              <a:t>operativo</a:t>
-            </a:r>
-            <a:r>
-              <a:rPr lang="en-US" sz="2400" dirty="0"/>
-              <a:t> de tipo Unix</a:t>
+              <a:rPr lang="en-US" dirty="0" err="1">
+                <a:solidFill>
+                  <a:schemeClr val="bg1"/>
+                </a:solidFill>
+              </a:rPr>
+              <a:t>Dise</a:t>
+            </a:r>
+            <a:r>
+              <a:rPr lang="es-MX" dirty="0" err="1">
+                <a:solidFill>
+                  <a:schemeClr val="bg1"/>
+                </a:solidFill>
+              </a:rPr>
+              <a:t>ño</a:t>
+            </a:r>
+            <a:r>
+              <a:rPr lang="en-US" dirty="0">
+                <a:solidFill>
+                  <a:schemeClr val="bg1"/>
+                </a:solidFill>
+              </a:rPr>
+              <a:t> </a:t>
+            </a:r>
+            <a:r>
+              <a:rPr lang="es-MX" dirty="0">
+                <a:solidFill>
+                  <a:schemeClr val="bg1"/>
+                </a:solidFill>
+              </a:rPr>
+              <a:t>de</a:t>
+            </a:r>
+            <a:r>
+              <a:rPr lang="en-US" dirty="0">
+                <a:solidFill>
+                  <a:schemeClr val="bg1"/>
+                </a:solidFill>
+              </a:rPr>
+              <a:t> </a:t>
+            </a:r>
+            <a:r>
+              <a:rPr lang="es-MX" dirty="0">
+                <a:solidFill>
+                  <a:schemeClr val="bg1"/>
+                </a:solidFill>
+              </a:rPr>
+              <a:t>Videojuegos</a:t>
             </a:r>
           </a:p>
           <a:p>
             <a:pPr>
-              <a:buFont typeface="Wingdings 2" panose="05020102010507070707" pitchFamily="18" charset="2"/>
-              <a:buChar char=""/>
+              <a:buClr>
+                <a:srgbClr val="CC9B56"/>
+              </a:buClr>
             </a:pPr>
             <a:r>
-              <a:rPr lang="en-US" sz="2400" dirty="0"/>
-              <a:t>El </a:t>
-            </a:r>
-            <a:r>
-              <a:rPr lang="en-US" sz="2400" dirty="0" err="1"/>
-              <a:t>proyecto</a:t>
-            </a:r>
-            <a:r>
-              <a:rPr lang="en-US" sz="2400" dirty="0"/>
-              <a:t> ha </a:t>
-            </a:r>
-            <a:r>
-              <a:rPr lang="en-US" sz="2400" dirty="0" err="1"/>
-              <a:t>sido</a:t>
-            </a:r>
-            <a:r>
-              <a:rPr lang="en-US" sz="2400" dirty="0"/>
-              <a:t> </a:t>
-            </a:r>
-            <a:r>
-              <a:rPr lang="en-US" sz="2400" dirty="0" err="1"/>
-              <a:t>responsable</a:t>
-            </a:r>
-            <a:r>
-              <a:rPr lang="en-US" sz="2400" dirty="0"/>
-              <a:t> </a:t>
-            </a:r>
-            <a:r>
-              <a:rPr lang="en-US" sz="2400" dirty="0" err="1"/>
-              <a:t>por</a:t>
-            </a:r>
-            <a:r>
-              <a:rPr lang="en-US" sz="2400" dirty="0"/>
-              <a:t> la </a:t>
-            </a:r>
-            <a:r>
-              <a:rPr lang="en-US" sz="2400" dirty="0" err="1"/>
-              <a:t>creación</a:t>
-            </a:r>
-            <a:r>
-              <a:rPr lang="en-US" sz="2400" dirty="0"/>
+              <a:rPr lang="es-MX" dirty="0">
+                <a:solidFill>
+                  <a:schemeClr val="bg1"/>
+                </a:solidFill>
+              </a:rPr>
+              <a:t>Gráficos</a:t>
+            </a:r>
+            <a:r>
+              <a:rPr lang="en-US" dirty="0">
+                <a:solidFill>
+                  <a:schemeClr val="bg1"/>
+                </a:solidFill>
+              </a:rPr>
               <a:t> de </a:t>
             </a:r>
             <a:r>
-              <a:rPr lang="en-US" sz="2400" dirty="0" err="1"/>
-              <a:t>varios</a:t>
-            </a:r>
-            <a:r>
-              <a:rPr lang="en-US" sz="2400" dirty="0"/>
-              <a:t> </a:t>
-            </a:r>
-            <a:r>
-              <a:rPr lang="en-US" sz="2400" dirty="0" err="1"/>
-              <a:t>programas</a:t>
-            </a:r>
-            <a:r>
-              <a:rPr lang="en-US" sz="2400" dirty="0"/>
-              <a:t> </a:t>
-            </a:r>
-          </a:p>
-          <a:p>
-            <a:pPr lvl="1">
-              <a:buFont typeface="Wingdings 2" panose="05020102010507070707" pitchFamily="18" charset="2"/>
-              <a:buChar char=""/>
+              <a:rPr lang="en-US" dirty="0" err="1">
+                <a:solidFill>
+                  <a:schemeClr val="bg1"/>
+                </a:solidFill>
+              </a:rPr>
+              <a:t>Computadora</a:t>
+            </a:r>
+            <a:endParaRPr lang="en-US" dirty="0">
+              <a:solidFill>
+                <a:schemeClr val="bg1"/>
+              </a:solidFill>
+            </a:endParaRPr>
+          </a:p>
+          <a:p>
+            <a:pPr>
+              <a:buClr>
+                <a:srgbClr val="CC9B56"/>
+              </a:buClr>
             </a:pPr>
             <a:r>
-              <a:rPr lang="en-US" sz="2000" dirty="0" err="1"/>
-              <a:t>Compiladores</a:t>
-            </a:r>
-            <a:r>
-              <a:rPr lang="en-US" sz="2000" dirty="0"/>
-              <a:t> </a:t>
-            </a:r>
-            <a:r>
-              <a:rPr lang="en-US" sz="2000" dirty="0">
-                <a:hlinkClick r:id="rId3" tooltip="GCC"/>
+              <a:rPr lang="en-US" dirty="0">
+                <a:solidFill>
+                  <a:schemeClr val="bg1"/>
+                </a:solidFill>
               </a:rPr>
-              <a:t>GCC</a:t>
-            </a:r>
-            <a:endParaRPr lang="en-US" sz="2000" dirty="0"/>
-          </a:p>
-          <a:p>
-            <a:pPr lvl="1">
-              <a:buFont typeface="Wingdings 2" panose="05020102010507070707" pitchFamily="18" charset="2"/>
-              <a:buChar char=""/>
+              <a:t>Base de </a:t>
+            </a:r>
+            <a:r>
+              <a:rPr lang="en-US" dirty="0" err="1">
+                <a:solidFill>
+                  <a:schemeClr val="bg1"/>
+                </a:solidFill>
+              </a:rPr>
+              <a:t>Datos</a:t>
+            </a:r>
+            <a:endParaRPr lang="en-US" dirty="0">
+              <a:solidFill>
+                <a:schemeClr val="bg1"/>
+              </a:solidFill>
+            </a:endParaRPr>
+          </a:p>
+          <a:p>
+            <a:pPr>
+              <a:buClr>
+                <a:srgbClr val="CC9B56"/>
+              </a:buClr>
             </a:pPr>
             <a:r>
-              <a:rPr lang="en-US" sz="2000" dirty="0" err="1"/>
-              <a:t>Intérprete</a:t>
-            </a:r>
-            <a:r>
-              <a:rPr lang="en-US" sz="2000" dirty="0"/>
+              <a:rPr lang="es-MX" dirty="0">
+                <a:solidFill>
+                  <a:schemeClr val="bg1"/>
+                </a:solidFill>
+              </a:rPr>
+              <a:t>Criptografía</a:t>
+            </a:r>
+          </a:p>
+          <a:p>
+            <a:pPr>
+              <a:buClr>
+                <a:srgbClr val="CC9B56"/>
+              </a:buClr>
+            </a:pPr>
+            <a:r>
+              <a:rPr lang="en-US" dirty="0" err="1">
+                <a:solidFill>
+                  <a:schemeClr val="bg1"/>
+                </a:solidFill>
+              </a:rPr>
+              <a:t>Redes</a:t>
+            </a:r>
+            <a:r>
+              <a:rPr lang="en-US" dirty="0">
+                <a:solidFill>
+                  <a:schemeClr val="bg1"/>
+                </a:solidFill>
+              </a:rPr>
               <a:t> de </a:t>
             </a:r>
             <a:r>
-              <a:rPr lang="en-US" sz="2000" dirty="0" err="1"/>
-              <a:t>comandos</a:t>
-            </a:r>
-            <a:r>
-              <a:rPr lang="en-US" sz="2000" dirty="0"/>
-              <a:t> </a:t>
-            </a:r>
-            <a:r>
-              <a:rPr lang="en-US" sz="2000" dirty="0">
-                <a:hlinkClick r:id="rId4" tooltip="Bash"/>
+              <a:rPr lang="en-US" dirty="0" err="1">
+                <a:solidFill>
+                  <a:schemeClr val="bg1"/>
+                </a:solidFill>
               </a:rPr>
-              <a:t>Bash</a:t>
-            </a:r>
-            <a:endParaRPr lang="en-US" sz="2000" dirty="0"/>
-          </a:p>
-          <a:p>
-            <a:pPr lvl="1">
-              <a:buFont typeface="Wingdings 2" panose="05020102010507070707" pitchFamily="18" charset="2"/>
-              <a:buChar char=""/>
-            </a:pPr>
-            <a:r>
-              <a:rPr lang="en-US" sz="2000" dirty="0"/>
-              <a:t>Editor de </a:t>
-            </a:r>
-            <a:r>
-              <a:rPr lang="en-US" sz="2000" dirty="0" err="1"/>
-              <a:t>texto</a:t>
-            </a:r>
-            <a:r>
-              <a:rPr lang="en-US" sz="2000" dirty="0"/>
-              <a:t> </a:t>
-            </a:r>
-            <a:r>
-              <a:rPr lang="en-US" sz="2000" dirty="0">
-                <a:hlinkClick r:id="rId5" tooltip="Emacs"/>
-              </a:rPr>
-              <a:t>Emacs</a:t>
-            </a:r>
-            <a:r>
-              <a:rPr lang="en-US" sz="2000" dirty="0"/>
-              <a:t> </a:t>
-            </a:r>
-          </a:p>
-          <a:p>
-            <a:pPr lvl="1">
-              <a:buFont typeface="Wingdings 2" panose="05020102010507070707" pitchFamily="18" charset="2"/>
-              <a:buChar char=""/>
-            </a:pPr>
-            <a:r>
-              <a:rPr lang="en-US" sz="2000" dirty="0" err="1"/>
-              <a:t>Escritorio</a:t>
-            </a:r>
-            <a:r>
-              <a:rPr lang="en-US" sz="2000" dirty="0"/>
-              <a:t> </a:t>
-            </a:r>
-            <a:r>
-              <a:rPr lang="en-US" sz="2000" dirty="0">
-                <a:hlinkClick r:id="rId6" tooltip="GNOME"/>
-              </a:rPr>
-              <a:t>GNOME</a:t>
-            </a:r>
-            <a:endParaRPr lang="en-US" sz="2000" dirty="0"/>
+              <a:t>Computadora</a:t>
+            </a:r>
+            <a:endParaRPr lang="en-US" dirty="0">
+              <a:solidFill>
+                <a:schemeClr val="bg1"/>
+              </a:solidFill>
+            </a:endParaRPr>
           </a:p>
         </p:txBody>
       </p:sp>
     </p:spTree>
     <p:extLst>
       <p:ext uri="{BB962C8B-B14F-4D97-AF65-F5344CB8AC3E}">
-        <p14:creationId xmlns:p14="http://schemas.microsoft.com/office/powerpoint/2010/main" val="60198427"/>
+        <p14:creationId xmlns:p14="http://schemas.microsoft.com/office/powerpoint/2010/main" val="1954597162"/>
       </p:ext>
     </p:extLst>
   </p:cSld>
